--- a/Observer/Coding-Dojo-2015-05-06.pptx
+++ b/Observer/Coding-Dojo-2015-05-06.pptx
@@ -8,15 +8,20 @@
     <p:sldId id="259" r:id="rId2"/>
     <p:sldId id="281" r:id="rId3"/>
     <p:sldId id="268" r:id="rId4"/>
-    <p:sldId id="282" r:id="rId5"/>
-    <p:sldId id="283" r:id="rId6"/>
-    <p:sldId id="284" r:id="rId7"/>
-    <p:sldId id="285" r:id="rId8"/>
-    <p:sldId id="280" r:id="rId9"/>
-    <p:sldId id="286" r:id="rId10"/>
-    <p:sldId id="279" r:id="rId11"/>
-    <p:sldId id="264" r:id="rId12"/>
-    <p:sldId id="270" r:id="rId13"/>
+    <p:sldId id="288" r:id="rId5"/>
+    <p:sldId id="289" r:id="rId6"/>
+    <p:sldId id="290" r:id="rId7"/>
+    <p:sldId id="291" r:id="rId8"/>
+    <p:sldId id="283" r:id="rId9"/>
+    <p:sldId id="284" r:id="rId10"/>
+    <p:sldId id="285" r:id="rId11"/>
+    <p:sldId id="280" r:id="rId12"/>
+    <p:sldId id="293" r:id="rId13"/>
+    <p:sldId id="294" r:id="rId14"/>
+    <p:sldId id="295" r:id="rId15"/>
+    <p:sldId id="296" r:id="rId16"/>
+    <p:sldId id="297" r:id="rId17"/>
+    <p:sldId id="264" r:id="rId18"/>
   </p:sldIdLst>
   <p:sldSz cx="9144000" cy="6858000" type="screen4x3"/>
   <p:notesSz cx="6858000" cy="9144000"/>
@@ -299,7 +304,7 @@
           <a:p>
             <a:fld id="{1BA50D42-C9CD-4801-B293-61D1F53EC57E}" type="datetimeFigureOut">
               <a:rPr lang="de-DE" smtClean="0"/>
-              <a:t>04.05.2015</a:t>
+              <a:t>05.05.2015</a:t>
             </a:fld>
             <a:endParaRPr lang="de-DE"/>
           </a:p>
@@ -464,7 +469,7 @@
           <a:p>
             <a:fld id="{1BA50D42-C9CD-4801-B293-61D1F53EC57E}" type="datetimeFigureOut">
               <a:rPr lang="de-DE" smtClean="0"/>
-              <a:t>04.05.2015</a:t>
+              <a:t>05.05.2015</a:t>
             </a:fld>
             <a:endParaRPr lang="de-DE"/>
           </a:p>
@@ -639,7 +644,7 @@
           <a:p>
             <a:fld id="{1BA50D42-C9CD-4801-B293-61D1F53EC57E}" type="datetimeFigureOut">
               <a:rPr lang="de-DE" smtClean="0"/>
-              <a:t>04.05.2015</a:t>
+              <a:t>05.05.2015</a:t>
             </a:fld>
             <a:endParaRPr lang="de-DE"/>
           </a:p>
@@ -804,7 +809,7 @@
           <a:p>
             <a:fld id="{1BA50D42-C9CD-4801-B293-61D1F53EC57E}" type="datetimeFigureOut">
               <a:rPr lang="de-DE" smtClean="0"/>
-              <a:t>04.05.2015</a:t>
+              <a:t>05.05.2015</a:t>
             </a:fld>
             <a:endParaRPr lang="de-DE"/>
           </a:p>
@@ -1045,7 +1050,7 @@
           <a:p>
             <a:fld id="{1BA50D42-C9CD-4801-B293-61D1F53EC57E}" type="datetimeFigureOut">
               <a:rPr lang="de-DE" smtClean="0"/>
-              <a:t>04.05.2015</a:t>
+              <a:t>05.05.2015</a:t>
             </a:fld>
             <a:endParaRPr lang="de-DE"/>
           </a:p>
@@ -1328,7 +1333,7 @@
           <a:p>
             <a:fld id="{1BA50D42-C9CD-4801-B293-61D1F53EC57E}" type="datetimeFigureOut">
               <a:rPr lang="de-DE" smtClean="0"/>
-              <a:t>04.05.2015</a:t>
+              <a:t>05.05.2015</a:t>
             </a:fld>
             <a:endParaRPr lang="de-DE"/>
           </a:p>
@@ -1745,7 +1750,7 @@
           <a:p>
             <a:fld id="{1BA50D42-C9CD-4801-B293-61D1F53EC57E}" type="datetimeFigureOut">
               <a:rPr lang="de-DE" smtClean="0"/>
-              <a:t>04.05.2015</a:t>
+              <a:t>05.05.2015</a:t>
             </a:fld>
             <a:endParaRPr lang="de-DE"/>
           </a:p>
@@ -1858,7 +1863,7 @@
           <a:p>
             <a:fld id="{1BA50D42-C9CD-4801-B293-61D1F53EC57E}" type="datetimeFigureOut">
               <a:rPr lang="de-DE" smtClean="0"/>
-              <a:t>04.05.2015</a:t>
+              <a:t>05.05.2015</a:t>
             </a:fld>
             <a:endParaRPr lang="de-DE"/>
           </a:p>
@@ -1948,7 +1953,7 @@
           <a:p>
             <a:fld id="{1BA50D42-C9CD-4801-B293-61D1F53EC57E}" type="datetimeFigureOut">
               <a:rPr lang="de-DE" smtClean="0"/>
-              <a:t>04.05.2015</a:t>
+              <a:t>05.05.2015</a:t>
             </a:fld>
             <a:endParaRPr lang="de-DE"/>
           </a:p>
@@ -2220,7 +2225,7 @@
           <a:p>
             <a:fld id="{1BA50D42-C9CD-4801-B293-61D1F53EC57E}" type="datetimeFigureOut">
               <a:rPr lang="de-DE" smtClean="0"/>
-              <a:t>04.05.2015</a:t>
+              <a:t>05.05.2015</a:t>
             </a:fld>
             <a:endParaRPr lang="de-DE"/>
           </a:p>
@@ -2468,7 +2473,7 @@
           <a:p>
             <a:fld id="{1BA50D42-C9CD-4801-B293-61D1F53EC57E}" type="datetimeFigureOut">
               <a:rPr lang="de-DE" smtClean="0"/>
-              <a:t>04.05.2015</a:t>
+              <a:t>05.05.2015</a:t>
             </a:fld>
             <a:endParaRPr lang="de-DE"/>
           </a:p>
@@ -2676,7 +2681,7 @@
           <a:p>
             <a:fld id="{1BA50D42-C9CD-4801-B293-61D1F53EC57E}" type="datetimeFigureOut">
               <a:rPr lang="de-DE" smtClean="0"/>
-              <a:t>04.05.2015</a:t>
+              <a:t>05.05.2015</a:t>
             </a:fld>
             <a:endParaRPr lang="de-DE"/>
           </a:p>
@@ -3109,13 +3114,8 @@
             <a:pPr lvl="1"/>
             <a:r>
               <a:rPr lang="de-DE" sz="2000" dirty="0" smtClean="0"/>
-              <a:t>Java JDK </a:t>
-            </a:r>
-            <a:r>
-              <a:rPr lang="de-DE" sz="2000" dirty="0" smtClean="0"/>
-              <a:t>1.7</a:t>
-            </a:r>
-            <a:endParaRPr lang="de-DE" sz="2000" dirty="0" smtClean="0"/>
+              <a:t>Java JDK 1.7</a:t>
+            </a:r>
           </a:p>
           <a:p>
             <a:pPr lvl="1"/>
@@ -3155,11 +3155,7 @@
             </a:r>
             <a:r>
               <a:rPr lang="de-DE" sz="1800" dirty="0" smtClean="0"/>
-              <a:t>-Tests </a:t>
-            </a:r>
-            <a:r>
-              <a:rPr lang="de-DE" sz="1800" dirty="0" smtClean="0"/>
-              <a:t>ausführen </a:t>
+              <a:t>-Tests ausführen </a:t>
             </a:r>
             <a:r>
               <a:rPr lang="de-DE" sz="1800" dirty="0"/>
@@ -3294,7 +3290,6 @@
               <a:rPr lang="de-DE" sz="2400" dirty="0"/>
               <a:t>eigenen Rechner (einzeln oder pro Paar mitbringen)</a:t>
             </a:r>
-            <a:endParaRPr lang="de-DE" sz="2400" dirty="0"/>
           </a:p>
         </p:txBody>
       </p:sp>
@@ -3354,7 +3349,7 @@
           <a:p>
             <a:r>
               <a:rPr lang="de-DE" dirty="0" smtClean="0"/>
-              <a:t>Regeln für heute</a:t>
+              <a:t>Zeitplan</a:t>
             </a:r>
             <a:endParaRPr lang="de-DE" dirty="0"/>
           </a:p>
@@ -3373,126 +3368,122 @@
         <p:spPr/>
         <p:txBody>
           <a:bodyPr>
-            <a:normAutofit/>
+            <a:normAutofit fontScale="92500"/>
           </a:bodyPr>
           <a:lstStyle/>
           <a:p>
+            <a:pPr marL="514350" indent="-514350">
+              <a:buFont typeface="+mj-lt"/>
+              <a:buAutoNum type="arabicPeriod"/>
+            </a:pPr>
+            <a:r>
+              <a:rPr lang="de-DE" sz="2800" dirty="0" smtClean="0">
+                <a:solidFill>
+                  <a:schemeClr val="bg1">
+                    <a:lumMod val="65000"/>
+                  </a:schemeClr>
+                </a:solidFill>
+              </a:rPr>
+              <a:t>Vorstellung des Observer-Musters (ca. 15 Min.)</a:t>
+            </a:r>
+          </a:p>
+          <a:p>
+            <a:pPr marL="914400" lvl="1" indent="-514350">
+              <a:buFont typeface="+mj-lt"/>
+              <a:buAutoNum type="arabicPeriod"/>
+            </a:pPr>
+            <a:endParaRPr lang="de-DE" sz="2400" dirty="0" smtClean="0"/>
+          </a:p>
+          <a:p>
+            <a:pPr marL="514350" indent="-514350">
+              <a:buFont typeface="+mj-lt"/>
+              <a:buAutoNum type="arabicPeriod"/>
+            </a:pPr>
             <a:r>
               <a:rPr lang="de-DE" sz="2800" dirty="0" smtClean="0"/>
-              <a:t>Erst Vorhaben erklären, dann Code ändern!</a:t>
-            </a:r>
-          </a:p>
-          <a:p>
+              <a:t>Muster selbst implementieren</a:t>
+            </a:r>
+          </a:p>
+          <a:p>
+            <a:pPr marL="914400" lvl="1" indent="-514350">
+              <a:buFont typeface="+mj-lt"/>
+              <a:buAutoNum type="alphaLcParenR"/>
+            </a:pPr>
+            <a:r>
+              <a:rPr lang="de-DE" sz="2400" dirty="0" smtClean="0"/>
+              <a:t>Anwendungsproblem kennenlernen (ca. 5 Min.)</a:t>
+            </a:r>
+          </a:p>
+          <a:p>
+            <a:pPr marL="914400" lvl="1" indent="-514350">
+              <a:buFont typeface="+mj-lt"/>
+              <a:buAutoNum type="alphaLcParenR"/>
+            </a:pPr>
+            <a:r>
+              <a:rPr lang="de-DE" sz="2400" dirty="0" smtClean="0"/>
+              <a:t>paarweise/einzeln Muster implementieren (ca. 20 Min.)</a:t>
+            </a:r>
+          </a:p>
+          <a:p>
+            <a:pPr marL="914400" lvl="1" indent="-514350">
+              <a:buFont typeface="+mj-lt"/>
+              <a:buAutoNum type="alphaLcParenR"/>
+            </a:pPr>
+            <a:endParaRPr lang="de-DE" sz="2400" dirty="0" smtClean="0"/>
+          </a:p>
+          <a:p>
+            <a:pPr marL="514350" indent="-514350">
+              <a:buFont typeface="+mj-lt"/>
+              <a:buAutoNum type="arabicPeriod"/>
+            </a:pPr>
             <a:r>
               <a:rPr lang="de-DE" sz="2800" dirty="0" smtClean="0"/>
-              <a:t>Programmstruktur als Klassendiagramm in </a:t>
-            </a:r>
-            <a:r>
-              <a:rPr lang="de-DE" sz="2800" dirty="0" err="1" smtClean="0">
-                <a:solidFill>
-                  <a:srgbClr val="FF0000"/>
-                </a:solidFill>
-              </a:rPr>
-              <a:t>ObjectAid</a:t>
-            </a:r>
-            <a:endParaRPr lang="de-DE" sz="2800" dirty="0" smtClean="0">
-              <a:solidFill>
-                <a:srgbClr val="FF0000"/>
-              </a:solidFill>
-            </a:endParaRPr>
-          </a:p>
-          <a:p>
+              <a:t>Diskussion / Vergleich einiger Lösungen (ca. 10 Min.)</a:t>
+            </a:r>
+          </a:p>
+          <a:p>
+            <a:pPr marL="914400" lvl="1" indent="-514350">
+              <a:buFont typeface="+mj-lt"/>
+              <a:buAutoNum type="arabicPeriod"/>
+            </a:pPr>
+            <a:endParaRPr lang="de-DE" sz="2400" dirty="0" smtClean="0"/>
+          </a:p>
+          <a:p>
+            <a:pPr marL="514350" indent="-514350">
+              <a:buFont typeface="+mj-lt"/>
+              <a:buAutoNum type="arabicPeriod"/>
+            </a:pPr>
+            <a:r>
+              <a:rPr lang="de-DE" sz="2800" dirty="0"/>
+              <a:t>Alternative Implementierung mit EMF (ca. </a:t>
+            </a:r>
             <a:r>
               <a:rPr lang="de-DE" sz="2800" dirty="0" smtClean="0"/>
-              <a:t>Aktualisierung des Diagramms spätestens bei Wechsel des Piloten / Co-Piloten</a:t>
-            </a:r>
-          </a:p>
-          <a:p>
+              <a:t>20 </a:t>
+            </a:r>
+            <a:r>
+              <a:rPr lang="de-DE" sz="2800" dirty="0"/>
+              <a:t>Min)</a:t>
+            </a:r>
+          </a:p>
+          <a:p>
+            <a:pPr marL="914400" lvl="1" indent="-514350">
+              <a:buFont typeface="+mj-lt"/>
+              <a:buAutoNum type="arabicPeriod"/>
+            </a:pPr>
+            <a:endParaRPr lang="de-DE" sz="2400" dirty="0" smtClean="0"/>
+          </a:p>
+          <a:p>
+            <a:pPr marL="514350" indent="-514350">
+              <a:buFont typeface="+mj-lt"/>
+              <a:buAutoNum type="arabicPeriod"/>
+            </a:pPr>
             <a:r>
               <a:rPr lang="de-DE" sz="2800" dirty="0" smtClean="0"/>
-              <a:t>Nur Java 6 &amp; </a:t>
-            </a:r>
-            <a:r>
-              <a:rPr lang="de-DE" sz="2800" dirty="0" err="1" smtClean="0"/>
-              <a:t>JUnit</a:t>
-            </a:r>
-            <a:r>
-              <a:rPr lang="de-DE" sz="2800" dirty="0" smtClean="0"/>
-              <a:t> als Bibliotheken einsetzen</a:t>
-            </a:r>
-          </a:p>
-          <a:p>
-            <a:endParaRPr lang="de-DE" sz="2800" dirty="0" smtClean="0"/>
-          </a:p>
-          <a:p>
-            <a:pPr marL="0" indent="0">
-              <a:buNone/>
-            </a:pPr>
-            <a:r>
-              <a:rPr lang="de-DE" sz="2800" b="1" dirty="0" smtClean="0"/>
-              <a:t>Heutiger Fokus</a:t>
-            </a:r>
-            <a:r>
-              <a:rPr lang="de-DE" sz="2800" dirty="0" smtClean="0"/>
-              <a:t>:</a:t>
-            </a:r>
-            <a:br>
-              <a:rPr lang="de-DE" sz="2800" dirty="0" smtClean="0"/>
-            </a:br>
-            <a:r>
-              <a:rPr lang="de-DE" sz="2800" dirty="0" smtClean="0"/>
-              <a:t>Programmierstil, insb. </a:t>
-            </a:r>
-            <a:r>
-              <a:rPr lang="de-DE" sz="2800" dirty="0" smtClean="0">
-                <a:solidFill>
-                  <a:srgbClr val="FF0000"/>
-                </a:solidFill>
-              </a:rPr>
-              <a:t>Bad </a:t>
-            </a:r>
-            <a:r>
-              <a:rPr lang="de-DE" sz="2800" dirty="0" err="1" smtClean="0">
-                <a:solidFill>
-                  <a:srgbClr val="FF0000"/>
-                </a:solidFill>
-              </a:rPr>
-              <a:t>Smells</a:t>
-            </a:r>
-            <a:r>
-              <a:rPr lang="de-DE" sz="2800" dirty="0" smtClean="0">
-                <a:solidFill>
-                  <a:srgbClr val="FF0000"/>
-                </a:solidFill>
-              </a:rPr>
-              <a:t> &amp; </a:t>
-            </a:r>
-            <a:r>
-              <a:rPr lang="de-DE" sz="2800" dirty="0" err="1" smtClean="0">
-                <a:solidFill>
-                  <a:srgbClr val="FF0000"/>
-                </a:solidFill>
-              </a:rPr>
-              <a:t>Refactoring</a:t>
-            </a:r>
-            <a:r>
-              <a:rPr lang="de-DE" sz="2800" dirty="0" smtClean="0"/>
-              <a:t>.</a:t>
-            </a:r>
-            <a:br>
-              <a:rPr lang="de-DE" sz="2800" dirty="0" smtClean="0"/>
-            </a:br>
-            <a:r>
-              <a:rPr lang="de-DE" sz="2800" dirty="0" smtClean="0"/>
-              <a:t/>
-            </a:r>
-            <a:br>
-              <a:rPr lang="de-DE" sz="2800" dirty="0" smtClean="0"/>
-            </a:br>
-            <a:r>
-              <a:rPr lang="de-DE" sz="2800" dirty="0" smtClean="0"/>
-              <a:t>Alle anderen Themen werden (heute) nicht diskutiert.</a:t>
-            </a:r>
+              <a:t>Euer Feedback und Fazit (10 Min.)</a:t>
+            </a:r>
+          </a:p>
+          <a:p>
             <a:endParaRPr lang="de-DE" sz="2800" dirty="0"/>
           </a:p>
         </p:txBody>
@@ -3500,7 +3491,7 @@
     </p:spTree>
     <p:extLst>
       <p:ext uri="{BB962C8B-B14F-4D97-AF65-F5344CB8AC3E}">
-        <p14:creationId xmlns:p14="http://schemas.microsoft.com/office/powerpoint/2010/main" val="2504248394"/>
+        <p14:creationId xmlns:p14="http://schemas.microsoft.com/office/powerpoint/2010/main" val="191821439"/>
       </p:ext>
     </p:extLst>
   </p:cSld>
@@ -3534,6 +3525,60 @@
           <a:chExt cx="0" cy="0"/>
         </a:xfrm>
       </p:grpSpPr>
+      <p:pic>
+        <p:nvPicPr>
+          <p:cNvPr id="4099" name="Picture 3"/>
+          <p:cNvPicPr>
+            <a:picLocks noChangeAspect="1" noChangeArrowheads="1"/>
+          </p:cNvPicPr>
+          <p:nvPr/>
+        </p:nvPicPr>
+        <p:blipFill>
+          <a:blip r:embed="rId2">
+            <a:extLst>
+              <a:ext uri="{28A0092B-C50C-407E-A947-70E740481C1C}">
+                <a14:useLocalDpi xmlns:a14="http://schemas.microsoft.com/office/drawing/2010/main" val="0"/>
+              </a:ext>
+            </a:extLst>
+          </a:blip>
+          <a:srcRect/>
+          <a:stretch>
+            <a:fillRect/>
+          </a:stretch>
+        </p:blipFill>
+        <p:spPr bwMode="auto">
+          <a:xfrm>
+            <a:off x="755576" y="1124744"/>
+            <a:ext cx="7122600" cy="3672408"/>
+          </a:xfrm>
+          <a:prstGeom prst="rect">
+            <a:avLst/>
+          </a:prstGeom>
+          <a:noFill/>
+          <a:ln>
+            <a:noFill/>
+          </a:ln>
+          <a:extLst>
+            <a:ext uri="{909E8E84-426E-40DD-AFC4-6F175D3DCCD1}">
+              <a14:hiddenFill xmlns:a14="http://schemas.microsoft.com/office/drawing/2010/main">
+                <a:solidFill>
+                  <a:schemeClr val="accent1"/>
+                </a:solidFill>
+              </a14:hiddenFill>
+            </a:ext>
+            <a:ext uri="{91240B29-F687-4F45-9708-019B960494DF}">
+              <a14:hiddenLine xmlns:a14="http://schemas.microsoft.com/office/drawing/2010/main" w="9525">
+                <a:solidFill>
+                  <a:schemeClr val="tx1"/>
+                </a:solidFill>
+                <a:miter lim="800000"/>
+                <a:headEnd/>
+                <a:tailEnd/>
+              </a14:hiddenLine>
+            </a:ext>
+          </a:extLst>
+        </p:spPr>
+      </p:pic>
       <p:sp>
         <p:nvSpPr>
           <p:cNvPr id="2" name="Titel 1"/>
@@ -3552,225 +3597,256 @@
           <a:lstStyle/>
           <a:p>
             <a:r>
-              <a:rPr lang="de-DE" dirty="0"/>
-              <a:t>Retrospektive</a:t>
-            </a:r>
-          </a:p>
-        </p:txBody>
-      </p:sp>
-      <p:sp>
-        <p:nvSpPr>
-          <p:cNvPr id="3" name="Inhaltsplatzhalter 2"/>
-          <p:cNvSpPr>
-            <a:spLocks noGrp="1"/>
-          </p:cNvSpPr>
-          <p:nvPr>
-            <p:ph idx="1"/>
-          </p:nvPr>
-        </p:nvSpPr>
-        <p:spPr/>
-        <p:txBody>
-          <a:bodyPr>
-            <a:normAutofit/>
+              <a:rPr lang="de-DE" dirty="0" smtClean="0"/>
+              <a:t>Unser Anwendungsbeispiel</a:t>
+            </a:r>
+            <a:endParaRPr lang="de-DE" dirty="0"/>
+          </a:p>
+        </p:txBody>
+      </p:sp>
+      <p:sp>
+        <p:nvSpPr>
+          <p:cNvPr id="9" name="Abgerundetes Rechteck 8"/>
+          <p:cNvSpPr/>
+          <p:nvPr/>
+        </p:nvSpPr>
+        <p:spPr>
+          <a:xfrm rot="21253091">
+            <a:off x="5240679" y="3480787"/>
+            <a:ext cx="2484707" cy="534586"/>
+          </a:xfrm>
+          <a:prstGeom prst="roundRect">
+            <a:avLst/>
+          </a:prstGeom>
+          <a:solidFill>
+            <a:schemeClr val="bg1"/>
+          </a:solidFill>
+        </p:spPr>
+        <p:style>
+          <a:lnRef idx="2">
+            <a:schemeClr val="accent1">
+              <a:shade val="50000"/>
+            </a:schemeClr>
+          </a:lnRef>
+          <a:fillRef idx="1">
+            <a:schemeClr val="accent1"/>
+          </a:fillRef>
+          <a:effectRef idx="0">
+            <a:schemeClr val="accent1"/>
+          </a:effectRef>
+          <a:fontRef idx="minor">
+            <a:schemeClr val="lt1"/>
+          </a:fontRef>
+        </p:style>
+        <p:txBody>
+          <a:bodyPr rtlCol="0" anchor="ctr"/>
+          <a:lstStyle/>
+          <a:p>
+            <a:pPr algn="ctr"/>
+            <a:r>
+              <a:rPr lang="de-DE" sz="2000" dirty="0" smtClean="0">
+                <a:solidFill>
+                  <a:schemeClr val="tx2"/>
+                </a:solidFill>
+              </a:rPr>
+              <a:t>Siehe TODOs </a:t>
+            </a:r>
+            <a:r>
+              <a:rPr lang="de-DE" sz="2000" dirty="0" smtClean="0">
+                <a:solidFill>
+                  <a:schemeClr val="tx2"/>
+                </a:solidFill>
+              </a:rPr>
+              <a:t>im Code</a:t>
+            </a:r>
+            <a:endParaRPr lang="de-DE" sz="2000" dirty="0">
+              <a:solidFill>
+                <a:schemeClr val="tx2"/>
+              </a:solidFill>
+            </a:endParaRPr>
+          </a:p>
+        </p:txBody>
+      </p:sp>
+      <p:sp>
+        <p:nvSpPr>
+          <p:cNvPr id="10" name="Inhaltsplatzhalter 2"/>
+          <p:cNvSpPr txBox="1">
+            <a:spLocks/>
+          </p:cNvSpPr>
+          <p:nvPr/>
+        </p:nvSpPr>
+        <p:spPr>
+          <a:xfrm>
+            <a:off x="457200" y="4941168"/>
+            <a:ext cx="4762871" cy="1584176"/>
+          </a:xfrm>
+          <a:prstGeom prst="rect">
+            <a:avLst/>
+          </a:prstGeom>
+        </p:spPr>
+        <p:txBody>
+          <a:bodyPr vert="horz" lIns="91440" tIns="45720" rIns="91440" bIns="45720" rtlCol="0">
+            <a:normAutofit fontScale="92500" lnSpcReduction="10000"/>
           </a:bodyPr>
-          <a:lstStyle/>
-          <a:p>
-            <a:r>
-              <a:rPr lang="en-US" dirty="0" err="1" smtClean="0"/>
-              <a:t>Kanntet</a:t>
-            </a:r>
-            <a:r>
-              <a:rPr lang="en-US" dirty="0" smtClean="0"/>
-              <a:t> </a:t>
-            </a:r>
-            <a:r>
-              <a:rPr lang="en-US" dirty="0" err="1" smtClean="0"/>
-              <a:t>ihr</a:t>
-            </a:r>
-            <a:r>
-              <a:rPr lang="en-US" dirty="0" smtClean="0"/>
-              <a:t> Bad Smells </a:t>
-            </a:r>
-            <a:r>
-              <a:rPr lang="en-US" dirty="0" err="1" smtClean="0"/>
-              <a:t>vorher</a:t>
-            </a:r>
-            <a:r>
-              <a:rPr lang="en-US" dirty="0" smtClean="0"/>
-              <a:t>?</a:t>
-            </a:r>
-            <a:endParaRPr lang="en-US" dirty="0"/>
-          </a:p>
-          <a:p>
-            <a:r>
-              <a:rPr lang="en-US" dirty="0" err="1" smtClean="0"/>
-              <a:t>Ist</a:t>
-            </a:r>
-            <a:r>
-              <a:rPr lang="en-US" dirty="0" smtClean="0"/>
-              <a:t> der </a:t>
-            </a:r>
-            <a:r>
-              <a:rPr lang="en-US" dirty="0" err="1" smtClean="0"/>
-              <a:t>Begriff</a:t>
-            </a:r>
-            <a:r>
-              <a:rPr lang="en-US" dirty="0" smtClean="0"/>
-              <a:t> Bad Smell (nun) </a:t>
-            </a:r>
-            <a:r>
-              <a:rPr lang="en-US" dirty="0" err="1" smtClean="0"/>
-              <a:t>klar</a:t>
-            </a:r>
-            <a:r>
-              <a:rPr lang="en-US" dirty="0" smtClean="0"/>
-              <a:t>?</a:t>
-            </a:r>
-          </a:p>
-          <a:p>
-            <a:r>
-              <a:rPr lang="en-US" dirty="0" err="1" smtClean="0"/>
-              <a:t>Haben</a:t>
-            </a:r>
-            <a:r>
-              <a:rPr lang="en-US" dirty="0" smtClean="0"/>
-              <a:t> die </a:t>
-            </a:r>
-            <a:r>
-              <a:rPr lang="en-US" dirty="0" err="1" smtClean="0"/>
-              <a:t>Refactorings</a:t>
-            </a:r>
-            <a:r>
-              <a:rPr lang="en-US" dirty="0" smtClean="0"/>
-              <a:t> die </a:t>
-            </a:r>
-            <a:r>
-              <a:rPr lang="en-US" dirty="0" err="1" smtClean="0"/>
-              <a:t>Qualität</a:t>
-            </a:r>
-            <a:r>
-              <a:rPr lang="en-US" dirty="0" smtClean="0"/>
-              <a:t> </a:t>
-            </a:r>
-            <a:r>
-              <a:rPr lang="en-US" dirty="0" err="1" smtClean="0"/>
-              <a:t>verbessert</a:t>
-            </a:r>
-            <a:r>
-              <a:rPr lang="en-US" dirty="0" smtClean="0"/>
-              <a:t>?</a:t>
-            </a:r>
-          </a:p>
-          <a:p>
-            <a:r>
-              <a:rPr lang="en-US" dirty="0" smtClean="0"/>
-              <a:t>Sind die </a:t>
-            </a:r>
-            <a:r>
-              <a:rPr lang="en-US" dirty="0" err="1" smtClean="0"/>
-              <a:t>Alternativen</a:t>
-            </a:r>
-            <a:r>
-              <a:rPr lang="en-US" dirty="0" smtClean="0"/>
-              <a:t> </a:t>
-            </a:r>
-            <a:r>
-              <a:rPr lang="en-US" dirty="0" err="1" smtClean="0"/>
-              <a:t>Lösungsansätze</a:t>
-            </a:r>
-            <a:r>
-              <a:rPr lang="en-US" dirty="0" smtClean="0"/>
-              <a:t> </a:t>
-            </a:r>
-            <a:r>
-              <a:rPr lang="en-US" dirty="0" err="1" smtClean="0"/>
-              <a:t>hilfreich</a:t>
-            </a:r>
-            <a:r>
-              <a:rPr lang="en-US" dirty="0" smtClean="0"/>
-              <a:t> </a:t>
-            </a:r>
-            <a:r>
-              <a:rPr lang="en-US" dirty="0" err="1" smtClean="0"/>
-              <a:t>gewesen</a:t>
-            </a:r>
-            <a:r>
-              <a:rPr lang="en-US" dirty="0" smtClean="0"/>
-              <a:t>?</a:t>
-            </a:r>
-          </a:p>
-          <a:p>
-            <a:r>
-              <a:rPr lang="en-US" dirty="0" err="1" smtClean="0"/>
-              <a:t>Zu</a:t>
-            </a:r>
-            <a:r>
-              <a:rPr lang="en-US" dirty="0" smtClean="0"/>
-              <a:t> </a:t>
-            </a:r>
-            <a:r>
-              <a:rPr lang="en-US" dirty="0" err="1" smtClean="0"/>
-              <a:t>welchen</a:t>
-            </a:r>
-            <a:r>
-              <a:rPr lang="en-US" dirty="0" smtClean="0"/>
-              <a:t> </a:t>
-            </a:r>
-            <a:r>
-              <a:rPr lang="en-US" dirty="0" err="1" smtClean="0"/>
-              <a:t>Themen</a:t>
-            </a:r>
-            <a:r>
-              <a:rPr lang="en-US" dirty="0" smtClean="0"/>
-              <a:t> </a:t>
-            </a:r>
-            <a:r>
-              <a:rPr lang="en-US" dirty="0" err="1" smtClean="0"/>
-              <a:t>würdet</a:t>
-            </a:r>
-            <a:r>
-              <a:rPr lang="en-US" dirty="0" smtClean="0"/>
-              <a:t> </a:t>
-            </a:r>
-            <a:r>
-              <a:rPr lang="en-US" dirty="0" err="1" smtClean="0"/>
-              <a:t>ihr</a:t>
-            </a:r>
-            <a:r>
-              <a:rPr lang="en-US" dirty="0" smtClean="0"/>
-              <a:t> </a:t>
-            </a:r>
-            <a:r>
-              <a:rPr lang="en-US" dirty="0" err="1" smtClean="0"/>
-              <a:t>gerne</a:t>
-            </a:r>
-            <a:r>
-              <a:rPr lang="en-US" dirty="0" smtClean="0"/>
-              <a:t> </a:t>
-            </a:r>
-            <a:r>
-              <a:rPr lang="en-US" dirty="0" err="1" smtClean="0"/>
-              <a:t>mehr</a:t>
-            </a:r>
-            <a:r>
-              <a:rPr lang="en-US" dirty="0" smtClean="0"/>
-              <a:t> </a:t>
-            </a:r>
-            <a:r>
-              <a:rPr lang="en-US" dirty="0" err="1" smtClean="0"/>
-              <a:t>erfahren</a:t>
-            </a:r>
-            <a:r>
-              <a:rPr lang="en-US" dirty="0" smtClean="0"/>
-              <a:t>?</a:t>
-            </a:r>
+          <a:lstStyle>
+            <a:lvl1pPr marL="342900" indent="-342900" algn="l" defTabSz="914400" rtl="0" eaLnBrk="1" latinLnBrk="0" hangingPunct="1">
+              <a:spcBef>
+                <a:spcPct val="20000"/>
+              </a:spcBef>
+              <a:buFont typeface="Arial" pitchFamily="34" charset="0"/>
+              <a:buChar char="•"/>
+              <a:defRPr sz="3200" kern="1200">
+                <a:solidFill>
+                  <a:schemeClr val="tx1"/>
+                </a:solidFill>
+                <a:latin typeface="+mn-lt"/>
+                <a:ea typeface="+mn-ea"/>
+                <a:cs typeface="+mn-cs"/>
+              </a:defRPr>
+            </a:lvl1pPr>
+            <a:lvl2pPr marL="742950" indent="-285750" algn="l" defTabSz="914400" rtl="0" eaLnBrk="1" latinLnBrk="0" hangingPunct="1">
+              <a:spcBef>
+                <a:spcPct val="20000"/>
+              </a:spcBef>
+              <a:buFont typeface="Arial" pitchFamily="34" charset="0"/>
+              <a:buChar char="–"/>
+              <a:defRPr sz="2800" kern="1200">
+                <a:solidFill>
+                  <a:schemeClr val="tx1"/>
+                </a:solidFill>
+                <a:latin typeface="+mn-lt"/>
+                <a:ea typeface="+mn-ea"/>
+                <a:cs typeface="+mn-cs"/>
+              </a:defRPr>
+            </a:lvl2pPr>
+            <a:lvl3pPr marL="1143000" indent="-228600" algn="l" defTabSz="914400" rtl="0" eaLnBrk="1" latinLnBrk="0" hangingPunct="1">
+              <a:spcBef>
+                <a:spcPct val="20000"/>
+              </a:spcBef>
+              <a:buFont typeface="Arial" pitchFamily="34" charset="0"/>
+              <a:buChar char="•"/>
+              <a:defRPr sz="2400" kern="1200">
+                <a:solidFill>
+                  <a:schemeClr val="tx1"/>
+                </a:solidFill>
+                <a:latin typeface="+mn-lt"/>
+                <a:ea typeface="+mn-ea"/>
+                <a:cs typeface="+mn-cs"/>
+              </a:defRPr>
+            </a:lvl3pPr>
+            <a:lvl4pPr marL="1600200" indent="-228600" algn="l" defTabSz="914400" rtl="0" eaLnBrk="1" latinLnBrk="0" hangingPunct="1">
+              <a:spcBef>
+                <a:spcPct val="20000"/>
+              </a:spcBef>
+              <a:buFont typeface="Arial" pitchFamily="34" charset="0"/>
+              <a:buChar char="–"/>
+              <a:defRPr sz="2000" kern="1200">
+                <a:solidFill>
+                  <a:schemeClr val="tx1"/>
+                </a:solidFill>
+                <a:latin typeface="+mn-lt"/>
+                <a:ea typeface="+mn-ea"/>
+                <a:cs typeface="+mn-cs"/>
+              </a:defRPr>
+            </a:lvl4pPr>
+            <a:lvl5pPr marL="2057400" indent="-228600" algn="l" defTabSz="914400" rtl="0" eaLnBrk="1" latinLnBrk="0" hangingPunct="1">
+              <a:spcBef>
+                <a:spcPct val="20000"/>
+              </a:spcBef>
+              <a:buFont typeface="Arial" pitchFamily="34" charset="0"/>
+              <a:buChar char="»"/>
+              <a:defRPr sz="2000" kern="1200">
+                <a:solidFill>
+                  <a:schemeClr val="tx1"/>
+                </a:solidFill>
+                <a:latin typeface="+mn-lt"/>
+                <a:ea typeface="+mn-ea"/>
+                <a:cs typeface="+mn-cs"/>
+              </a:defRPr>
+            </a:lvl5pPr>
+            <a:lvl6pPr marL="2514600" indent="-228600" algn="l" defTabSz="914400" rtl="0" eaLnBrk="1" latinLnBrk="0" hangingPunct="1">
+              <a:spcBef>
+                <a:spcPct val="20000"/>
+              </a:spcBef>
+              <a:buFont typeface="Arial" pitchFamily="34" charset="0"/>
+              <a:buChar char="•"/>
+              <a:defRPr sz="2000" kern="1200">
+                <a:solidFill>
+                  <a:schemeClr val="tx1"/>
+                </a:solidFill>
+                <a:latin typeface="+mn-lt"/>
+                <a:ea typeface="+mn-ea"/>
+                <a:cs typeface="+mn-cs"/>
+              </a:defRPr>
+            </a:lvl6pPr>
+            <a:lvl7pPr marL="2971800" indent="-228600" algn="l" defTabSz="914400" rtl="0" eaLnBrk="1" latinLnBrk="0" hangingPunct="1">
+              <a:spcBef>
+                <a:spcPct val="20000"/>
+              </a:spcBef>
+              <a:buFont typeface="Arial" pitchFamily="34" charset="0"/>
+              <a:buChar char="•"/>
+              <a:defRPr sz="2000" kern="1200">
+                <a:solidFill>
+                  <a:schemeClr val="tx1"/>
+                </a:solidFill>
+                <a:latin typeface="+mn-lt"/>
+                <a:ea typeface="+mn-ea"/>
+                <a:cs typeface="+mn-cs"/>
+              </a:defRPr>
+            </a:lvl7pPr>
+            <a:lvl8pPr marL="3429000" indent="-228600" algn="l" defTabSz="914400" rtl="0" eaLnBrk="1" latinLnBrk="0" hangingPunct="1">
+              <a:spcBef>
+                <a:spcPct val="20000"/>
+              </a:spcBef>
+              <a:buFont typeface="Arial" pitchFamily="34" charset="0"/>
+              <a:buChar char="•"/>
+              <a:defRPr sz="2000" kern="1200">
+                <a:solidFill>
+                  <a:schemeClr val="tx1"/>
+                </a:solidFill>
+                <a:latin typeface="+mn-lt"/>
+                <a:ea typeface="+mn-ea"/>
+                <a:cs typeface="+mn-cs"/>
+              </a:defRPr>
+            </a:lvl8pPr>
+            <a:lvl9pPr marL="3886200" indent="-228600" algn="l" defTabSz="914400" rtl="0" eaLnBrk="1" latinLnBrk="0" hangingPunct="1">
+              <a:spcBef>
+                <a:spcPct val="20000"/>
+              </a:spcBef>
+              <a:buFont typeface="Arial" pitchFamily="34" charset="0"/>
+              <a:buChar char="•"/>
+              <a:defRPr sz="2000" kern="1200">
+                <a:solidFill>
+                  <a:schemeClr val="tx1"/>
+                </a:solidFill>
+                <a:latin typeface="+mn-lt"/>
+                <a:ea typeface="+mn-ea"/>
+                <a:cs typeface="+mn-cs"/>
+              </a:defRPr>
+            </a:lvl9pPr>
+          </a:lstStyle>
+          <a:p>
+            <a:pPr marL="0" indent="0">
+              <a:buNone/>
+            </a:pPr>
+            <a:r>
+              <a:rPr lang="de-DE" sz="2000" dirty="0" smtClean="0"/>
+              <a:t>Aufgabe:</a:t>
+            </a:r>
+          </a:p>
+          <a:p>
+            <a:r>
+              <a:rPr lang="de-DE" sz="1800" dirty="0" smtClean="0"/>
+              <a:t>Implementierung ergänzen, damit über die Factory erzeugte Personen und Anschriften automatisch alle Änderungen ihrer Eigenschaften an die Factory berichten und diese in Folge die save-Methoden aufrufen.</a:t>
+            </a:r>
+            <a:endParaRPr lang="de-DE" sz="1800" dirty="0" smtClean="0"/>
           </a:p>
         </p:txBody>
       </p:sp>
     </p:spTree>
     <p:extLst>
       <p:ext uri="{BB962C8B-B14F-4D97-AF65-F5344CB8AC3E}">
-        <p14:creationId xmlns:p14="http://schemas.microsoft.com/office/powerpoint/2010/main" val="856470280"/>
+        <p14:creationId xmlns:p14="http://schemas.microsoft.com/office/powerpoint/2010/main" val="1046627423"/>
       </p:ext>
     </p:extLst>
   </p:cSld>
@@ -3804,6 +3880,60 @@
           <a:chExt cx="0" cy="0"/>
         </a:xfrm>
       </p:grpSpPr>
+      <p:pic>
+        <p:nvPicPr>
+          <p:cNvPr id="4099" name="Picture 3"/>
+          <p:cNvPicPr>
+            <a:picLocks noChangeAspect="1" noChangeArrowheads="1"/>
+          </p:cNvPicPr>
+          <p:nvPr/>
+        </p:nvPicPr>
+        <p:blipFill>
+          <a:blip r:embed="rId2">
+            <a:extLst>
+              <a:ext uri="{28A0092B-C50C-407E-A947-70E740481C1C}">
+                <a14:useLocalDpi xmlns:a14="http://schemas.microsoft.com/office/drawing/2010/main" val="0"/>
+              </a:ext>
+            </a:extLst>
+          </a:blip>
+          <a:srcRect/>
+          <a:stretch>
+            <a:fillRect/>
+          </a:stretch>
+        </p:blipFill>
+        <p:spPr bwMode="auto">
+          <a:xfrm>
+            <a:off x="755576" y="1124744"/>
+            <a:ext cx="7122600" cy="3672408"/>
+          </a:xfrm>
+          <a:prstGeom prst="rect">
+            <a:avLst/>
+          </a:prstGeom>
+          <a:noFill/>
+          <a:ln>
+            <a:noFill/>
+          </a:ln>
+          <a:extLst>
+            <a:ext uri="{909E8E84-426E-40DD-AFC4-6F175D3DCCD1}">
+              <a14:hiddenFill xmlns:a14="http://schemas.microsoft.com/office/drawing/2010/main">
+                <a:solidFill>
+                  <a:schemeClr val="accent1"/>
+                </a:solidFill>
+              </a14:hiddenFill>
+            </a:ext>
+            <a:ext uri="{91240B29-F687-4F45-9708-019B960494DF}">
+              <a14:hiddenLine xmlns:a14="http://schemas.microsoft.com/office/drawing/2010/main" w="9525">
+                <a:solidFill>
+                  <a:schemeClr val="tx1"/>
+                </a:solidFill>
+                <a:miter lim="800000"/>
+                <a:headEnd/>
+                <a:tailEnd/>
+              </a14:hiddenLine>
+            </a:ext>
+          </a:extLst>
+        </p:spPr>
+      </p:pic>
       <p:sp>
         <p:nvSpPr>
           <p:cNvPr id="2" name="Titel 1"/>
@@ -3823,7 +3953,1319 @@
           <a:p>
             <a:r>
               <a:rPr lang="de-DE" dirty="0" smtClean="0"/>
-              <a:t>Ausblick</a:t>
+              <a:t>Unser Anwendungsbeispiel</a:t>
+            </a:r>
+            <a:endParaRPr lang="de-DE" dirty="0"/>
+          </a:p>
+        </p:txBody>
+      </p:sp>
+      <p:sp>
+        <p:nvSpPr>
+          <p:cNvPr id="8" name="Inhaltsplatzhalter 2"/>
+          <p:cNvSpPr txBox="1">
+            <a:spLocks/>
+          </p:cNvSpPr>
+          <p:nvPr/>
+        </p:nvSpPr>
+        <p:spPr>
+          <a:xfrm>
+            <a:off x="457200" y="4941168"/>
+            <a:ext cx="4762871" cy="1584176"/>
+          </a:xfrm>
+          <a:prstGeom prst="rect">
+            <a:avLst/>
+          </a:prstGeom>
+        </p:spPr>
+        <p:txBody>
+          <a:bodyPr vert="horz" lIns="91440" tIns="45720" rIns="91440" bIns="45720" rtlCol="0">
+            <a:normAutofit fontScale="92500" lnSpcReduction="10000"/>
+          </a:bodyPr>
+          <a:lstStyle>
+            <a:lvl1pPr marL="342900" indent="-342900" algn="l" defTabSz="914400" rtl="0" eaLnBrk="1" latinLnBrk="0" hangingPunct="1">
+              <a:spcBef>
+                <a:spcPct val="20000"/>
+              </a:spcBef>
+              <a:buFont typeface="Arial" pitchFamily="34" charset="0"/>
+              <a:buChar char="•"/>
+              <a:defRPr sz="3200" kern="1200">
+                <a:solidFill>
+                  <a:schemeClr val="tx1"/>
+                </a:solidFill>
+                <a:latin typeface="+mn-lt"/>
+                <a:ea typeface="+mn-ea"/>
+                <a:cs typeface="+mn-cs"/>
+              </a:defRPr>
+            </a:lvl1pPr>
+            <a:lvl2pPr marL="742950" indent="-285750" algn="l" defTabSz="914400" rtl="0" eaLnBrk="1" latinLnBrk="0" hangingPunct="1">
+              <a:spcBef>
+                <a:spcPct val="20000"/>
+              </a:spcBef>
+              <a:buFont typeface="Arial" pitchFamily="34" charset="0"/>
+              <a:buChar char="–"/>
+              <a:defRPr sz="2800" kern="1200">
+                <a:solidFill>
+                  <a:schemeClr val="tx1"/>
+                </a:solidFill>
+                <a:latin typeface="+mn-lt"/>
+                <a:ea typeface="+mn-ea"/>
+                <a:cs typeface="+mn-cs"/>
+              </a:defRPr>
+            </a:lvl2pPr>
+            <a:lvl3pPr marL="1143000" indent="-228600" algn="l" defTabSz="914400" rtl="0" eaLnBrk="1" latinLnBrk="0" hangingPunct="1">
+              <a:spcBef>
+                <a:spcPct val="20000"/>
+              </a:spcBef>
+              <a:buFont typeface="Arial" pitchFamily="34" charset="0"/>
+              <a:buChar char="•"/>
+              <a:defRPr sz="2400" kern="1200">
+                <a:solidFill>
+                  <a:schemeClr val="tx1"/>
+                </a:solidFill>
+                <a:latin typeface="+mn-lt"/>
+                <a:ea typeface="+mn-ea"/>
+                <a:cs typeface="+mn-cs"/>
+              </a:defRPr>
+            </a:lvl3pPr>
+            <a:lvl4pPr marL="1600200" indent="-228600" algn="l" defTabSz="914400" rtl="0" eaLnBrk="1" latinLnBrk="0" hangingPunct="1">
+              <a:spcBef>
+                <a:spcPct val="20000"/>
+              </a:spcBef>
+              <a:buFont typeface="Arial" pitchFamily="34" charset="0"/>
+              <a:buChar char="–"/>
+              <a:defRPr sz="2000" kern="1200">
+                <a:solidFill>
+                  <a:schemeClr val="tx1"/>
+                </a:solidFill>
+                <a:latin typeface="+mn-lt"/>
+                <a:ea typeface="+mn-ea"/>
+                <a:cs typeface="+mn-cs"/>
+              </a:defRPr>
+            </a:lvl4pPr>
+            <a:lvl5pPr marL="2057400" indent="-228600" algn="l" defTabSz="914400" rtl="0" eaLnBrk="1" latinLnBrk="0" hangingPunct="1">
+              <a:spcBef>
+                <a:spcPct val="20000"/>
+              </a:spcBef>
+              <a:buFont typeface="Arial" pitchFamily="34" charset="0"/>
+              <a:buChar char="»"/>
+              <a:defRPr sz="2000" kern="1200">
+                <a:solidFill>
+                  <a:schemeClr val="tx1"/>
+                </a:solidFill>
+                <a:latin typeface="+mn-lt"/>
+                <a:ea typeface="+mn-ea"/>
+                <a:cs typeface="+mn-cs"/>
+              </a:defRPr>
+            </a:lvl5pPr>
+            <a:lvl6pPr marL="2514600" indent="-228600" algn="l" defTabSz="914400" rtl="0" eaLnBrk="1" latinLnBrk="0" hangingPunct="1">
+              <a:spcBef>
+                <a:spcPct val="20000"/>
+              </a:spcBef>
+              <a:buFont typeface="Arial" pitchFamily="34" charset="0"/>
+              <a:buChar char="•"/>
+              <a:defRPr sz="2000" kern="1200">
+                <a:solidFill>
+                  <a:schemeClr val="tx1"/>
+                </a:solidFill>
+                <a:latin typeface="+mn-lt"/>
+                <a:ea typeface="+mn-ea"/>
+                <a:cs typeface="+mn-cs"/>
+              </a:defRPr>
+            </a:lvl6pPr>
+            <a:lvl7pPr marL="2971800" indent="-228600" algn="l" defTabSz="914400" rtl="0" eaLnBrk="1" latinLnBrk="0" hangingPunct="1">
+              <a:spcBef>
+                <a:spcPct val="20000"/>
+              </a:spcBef>
+              <a:buFont typeface="Arial" pitchFamily="34" charset="0"/>
+              <a:buChar char="•"/>
+              <a:defRPr sz="2000" kern="1200">
+                <a:solidFill>
+                  <a:schemeClr val="tx1"/>
+                </a:solidFill>
+                <a:latin typeface="+mn-lt"/>
+                <a:ea typeface="+mn-ea"/>
+                <a:cs typeface="+mn-cs"/>
+              </a:defRPr>
+            </a:lvl7pPr>
+            <a:lvl8pPr marL="3429000" indent="-228600" algn="l" defTabSz="914400" rtl="0" eaLnBrk="1" latinLnBrk="0" hangingPunct="1">
+              <a:spcBef>
+                <a:spcPct val="20000"/>
+              </a:spcBef>
+              <a:buFont typeface="Arial" pitchFamily="34" charset="0"/>
+              <a:buChar char="•"/>
+              <a:defRPr sz="2000" kern="1200">
+                <a:solidFill>
+                  <a:schemeClr val="tx1"/>
+                </a:solidFill>
+                <a:latin typeface="+mn-lt"/>
+                <a:ea typeface="+mn-ea"/>
+                <a:cs typeface="+mn-cs"/>
+              </a:defRPr>
+            </a:lvl8pPr>
+            <a:lvl9pPr marL="3886200" indent="-228600" algn="l" defTabSz="914400" rtl="0" eaLnBrk="1" latinLnBrk="0" hangingPunct="1">
+              <a:spcBef>
+                <a:spcPct val="20000"/>
+              </a:spcBef>
+              <a:buFont typeface="Arial" pitchFamily="34" charset="0"/>
+              <a:buChar char="•"/>
+              <a:defRPr sz="2000" kern="1200">
+                <a:solidFill>
+                  <a:schemeClr val="tx1"/>
+                </a:solidFill>
+                <a:latin typeface="+mn-lt"/>
+                <a:ea typeface="+mn-ea"/>
+                <a:cs typeface="+mn-cs"/>
+              </a:defRPr>
+            </a:lvl9pPr>
+          </a:lstStyle>
+          <a:p>
+            <a:pPr marL="0" indent="0">
+              <a:buNone/>
+            </a:pPr>
+            <a:r>
+              <a:rPr lang="de-DE" sz="2000" dirty="0" smtClean="0"/>
+              <a:t>Aufgabe:</a:t>
+            </a:r>
+          </a:p>
+          <a:p>
+            <a:r>
+              <a:rPr lang="de-DE" sz="1800" dirty="0" smtClean="0"/>
+              <a:t>Implementierung ergänzen, damit über die Factory erzeugte Personen und Anschriften automatisch alle Änderungen ihrer Eigenschaften an die Factory berichten und diese in Folge die save-Methoden aufrufen.</a:t>
+            </a:r>
+            <a:endParaRPr lang="de-DE" sz="1800" dirty="0" smtClean="0"/>
+          </a:p>
+        </p:txBody>
+      </p:sp>
+      <p:sp>
+        <p:nvSpPr>
+          <p:cNvPr id="9" name="Abgerundetes Rechteck 8"/>
+          <p:cNvSpPr/>
+          <p:nvPr/>
+        </p:nvSpPr>
+        <p:spPr>
+          <a:xfrm rot="21253091">
+            <a:off x="5240679" y="3480787"/>
+            <a:ext cx="2484707" cy="534586"/>
+          </a:xfrm>
+          <a:prstGeom prst="roundRect">
+            <a:avLst/>
+          </a:prstGeom>
+          <a:solidFill>
+            <a:schemeClr val="bg1"/>
+          </a:solidFill>
+        </p:spPr>
+        <p:style>
+          <a:lnRef idx="2">
+            <a:schemeClr val="accent1">
+              <a:shade val="50000"/>
+            </a:schemeClr>
+          </a:lnRef>
+          <a:fillRef idx="1">
+            <a:schemeClr val="accent1"/>
+          </a:fillRef>
+          <a:effectRef idx="0">
+            <a:schemeClr val="accent1"/>
+          </a:effectRef>
+          <a:fontRef idx="minor">
+            <a:schemeClr val="lt1"/>
+          </a:fontRef>
+        </p:style>
+        <p:txBody>
+          <a:bodyPr rtlCol="0" anchor="ctr"/>
+          <a:lstStyle/>
+          <a:p>
+            <a:pPr algn="ctr"/>
+            <a:r>
+              <a:rPr lang="de-DE" sz="2000" dirty="0" smtClean="0">
+                <a:solidFill>
+                  <a:schemeClr val="tx2"/>
+                </a:solidFill>
+              </a:rPr>
+              <a:t>Siehe TODOs </a:t>
+            </a:r>
+            <a:r>
+              <a:rPr lang="de-DE" sz="2000" dirty="0" smtClean="0">
+                <a:solidFill>
+                  <a:schemeClr val="tx2"/>
+                </a:solidFill>
+              </a:rPr>
+              <a:t>im Code</a:t>
+            </a:r>
+            <a:endParaRPr lang="de-DE" sz="2000" dirty="0">
+              <a:solidFill>
+                <a:schemeClr val="tx2"/>
+              </a:solidFill>
+            </a:endParaRPr>
+          </a:p>
+        </p:txBody>
+      </p:sp>
+      <p:pic>
+        <p:nvPicPr>
+          <p:cNvPr id="6" name="Picture 2"/>
+          <p:cNvPicPr>
+            <a:picLocks noChangeAspect="1" noChangeArrowheads="1"/>
+          </p:cNvPicPr>
+          <p:nvPr/>
+        </p:nvPicPr>
+        <p:blipFill>
+          <a:blip r:embed="rId3">
+            <a:extLst>
+              <a:ext uri="{28A0092B-C50C-407E-A947-70E740481C1C}">
+                <a14:useLocalDpi xmlns:a14="http://schemas.microsoft.com/office/drawing/2010/main" val="0"/>
+              </a:ext>
+            </a:extLst>
+          </a:blip>
+          <a:srcRect/>
+          <a:stretch>
+            <a:fillRect/>
+          </a:stretch>
+        </p:blipFill>
+        <p:spPr bwMode="auto">
+          <a:xfrm>
+            <a:off x="5004048" y="3140968"/>
+            <a:ext cx="4636401" cy="2461642"/>
+          </a:xfrm>
+          <a:prstGeom prst="rect">
+            <a:avLst/>
+          </a:prstGeom>
+          <a:noFill/>
+          <a:ln>
+            <a:noFill/>
+          </a:ln>
+          <a:extLst>
+            <a:ext uri="{909E8E84-426E-40DD-AFC4-6F175D3DCCD1}">
+              <a14:hiddenFill xmlns:a14="http://schemas.microsoft.com/office/drawing/2010/main">
+                <a:solidFill>
+                  <a:schemeClr val="accent1"/>
+                </a:solidFill>
+              </a14:hiddenFill>
+            </a:ext>
+            <a:ext uri="{91240B29-F687-4F45-9708-019B960494DF}">
+              <a14:hiddenLine xmlns:a14="http://schemas.microsoft.com/office/drawing/2010/main" w="9525">
+                <a:solidFill>
+                  <a:schemeClr val="tx1"/>
+                </a:solidFill>
+                <a:miter lim="800000"/>
+                <a:headEnd/>
+                <a:tailEnd/>
+              </a14:hiddenLine>
+            </a:ext>
+          </a:extLst>
+        </p:spPr>
+      </p:pic>
+      <p:sp>
+        <p:nvSpPr>
+          <p:cNvPr id="10" name="Abgerundetes Rechteck 9"/>
+          <p:cNvSpPr/>
+          <p:nvPr/>
+        </p:nvSpPr>
+        <p:spPr>
+          <a:xfrm rot="21253091">
+            <a:off x="6087681" y="5629585"/>
+            <a:ext cx="2469134" cy="704810"/>
+          </a:xfrm>
+          <a:prstGeom prst="roundRect">
+            <a:avLst/>
+          </a:prstGeom>
+          <a:solidFill>
+            <a:schemeClr val="bg1"/>
+          </a:solidFill>
+        </p:spPr>
+        <p:style>
+          <a:lnRef idx="2">
+            <a:schemeClr val="accent1">
+              <a:shade val="50000"/>
+            </a:schemeClr>
+          </a:lnRef>
+          <a:fillRef idx="1">
+            <a:schemeClr val="accent1"/>
+          </a:fillRef>
+          <a:effectRef idx="0">
+            <a:schemeClr val="accent1"/>
+          </a:effectRef>
+          <a:fontRef idx="minor">
+            <a:schemeClr val="lt1"/>
+          </a:fontRef>
+        </p:style>
+        <p:txBody>
+          <a:bodyPr rtlCol="0" anchor="ctr"/>
+          <a:lstStyle/>
+          <a:p>
+            <a:pPr algn="ctr"/>
+            <a:r>
+              <a:rPr lang="de-DE" sz="2000" dirty="0" smtClean="0">
+                <a:solidFill>
+                  <a:schemeClr val="tx2"/>
+                </a:solidFill>
+              </a:rPr>
+              <a:t>Diverse </a:t>
+            </a:r>
+            <a:r>
+              <a:rPr lang="de-DE" sz="2000" dirty="0" err="1" smtClean="0">
+                <a:solidFill>
+                  <a:schemeClr val="tx2"/>
+                </a:solidFill>
+              </a:rPr>
+              <a:t>JUnit</a:t>
+            </a:r>
+            <a:r>
+              <a:rPr lang="de-DE" sz="2000" dirty="0" smtClean="0">
+                <a:solidFill>
+                  <a:schemeClr val="tx2"/>
+                </a:solidFill>
+              </a:rPr>
+              <a:t>-Tests </a:t>
+            </a:r>
+            <a:r>
+              <a:rPr lang="de-DE" sz="2000" dirty="0" smtClean="0">
+                <a:solidFill>
+                  <a:schemeClr val="tx2"/>
+                </a:solidFill>
+              </a:rPr>
+              <a:t>schon </a:t>
+            </a:r>
+            <a:r>
+              <a:rPr lang="de-DE" sz="2000" dirty="0" smtClean="0">
+                <a:solidFill>
+                  <a:schemeClr val="tx2"/>
+                </a:solidFill>
+              </a:rPr>
+              <a:t>implementiert</a:t>
+            </a:r>
+            <a:endParaRPr lang="de-DE" sz="2000" dirty="0">
+              <a:solidFill>
+                <a:schemeClr val="tx2"/>
+              </a:solidFill>
+            </a:endParaRPr>
+          </a:p>
+        </p:txBody>
+      </p:sp>
+    </p:spTree>
+    <p:extLst>
+      <p:ext uri="{BB962C8B-B14F-4D97-AF65-F5344CB8AC3E}">
+        <p14:creationId xmlns:p14="http://schemas.microsoft.com/office/powerpoint/2010/main" val="375868248"/>
+      </p:ext>
+    </p:extLst>
+  </p:cSld>
+  <p:clrMapOvr>
+    <a:masterClrMapping/>
+  </p:clrMapOvr>
+  <p:timing>
+    <p:tnLst>
+      <p:par>
+        <p:cTn id="1" dur="indefinite" restart="never" nodeType="tmRoot"/>
+      </p:par>
+    </p:tnLst>
+  </p:timing>
+</p:sld>
+</file>
+
+<file path=ppt/slides/slide13.xml><?xml version="1.0" encoding="utf-8"?>
+<p:sld xmlns:a="http://schemas.openxmlformats.org/drawingml/2006/main" xmlns:r="http://schemas.openxmlformats.org/officeDocument/2006/relationships" xmlns:p="http://schemas.openxmlformats.org/presentationml/2006/main">
+  <p:cSld>
+    <p:spTree>
+      <p:nvGrpSpPr>
+        <p:cNvPr id="1" name=""/>
+        <p:cNvGrpSpPr/>
+        <p:nvPr/>
+      </p:nvGrpSpPr>
+      <p:grpSpPr>
+        <a:xfrm>
+          <a:off x="0" y="0"/>
+          <a:ext cx="0" cy="0"/>
+          <a:chOff x="0" y="0"/>
+          <a:chExt cx="0" cy="0"/>
+        </a:xfrm>
+      </p:grpSpPr>
+      <p:sp>
+        <p:nvSpPr>
+          <p:cNvPr id="2" name="Titel 1"/>
+          <p:cNvSpPr>
+            <a:spLocks noGrp="1"/>
+          </p:cNvSpPr>
+          <p:nvPr>
+            <p:ph type="title"/>
+          </p:nvPr>
+        </p:nvSpPr>
+        <p:spPr/>
+        <p:txBody>
+          <a:bodyPr>
+            <a:normAutofit fontScale="90000"/>
+          </a:bodyPr>
+          <a:lstStyle/>
+          <a:p>
+            <a:r>
+              <a:rPr lang="de-DE" dirty="0" smtClean="0"/>
+              <a:t>Zeitplan</a:t>
+            </a:r>
+            <a:endParaRPr lang="de-DE" dirty="0"/>
+          </a:p>
+        </p:txBody>
+      </p:sp>
+      <p:sp>
+        <p:nvSpPr>
+          <p:cNvPr id="3" name="Inhaltsplatzhalter 2"/>
+          <p:cNvSpPr>
+            <a:spLocks noGrp="1"/>
+          </p:cNvSpPr>
+          <p:nvPr>
+            <p:ph idx="1"/>
+          </p:nvPr>
+        </p:nvSpPr>
+        <p:spPr/>
+        <p:txBody>
+          <a:bodyPr>
+            <a:normAutofit fontScale="92500"/>
+          </a:bodyPr>
+          <a:lstStyle/>
+          <a:p>
+            <a:pPr marL="514350" indent="-514350">
+              <a:buFont typeface="+mj-lt"/>
+              <a:buAutoNum type="arabicPeriod"/>
+            </a:pPr>
+            <a:r>
+              <a:rPr lang="de-DE" sz="2800" dirty="0" smtClean="0">
+                <a:solidFill>
+                  <a:schemeClr val="bg1">
+                    <a:lumMod val="65000"/>
+                  </a:schemeClr>
+                </a:solidFill>
+              </a:rPr>
+              <a:t>Vorstellung des Observer-Musters (ca. 15 Min.)</a:t>
+            </a:r>
+          </a:p>
+          <a:p>
+            <a:pPr marL="914400" lvl="1" indent="-514350">
+              <a:buFont typeface="+mj-lt"/>
+              <a:buAutoNum type="arabicPeriod"/>
+            </a:pPr>
+            <a:endParaRPr lang="de-DE" sz="2400" dirty="0" smtClean="0"/>
+          </a:p>
+          <a:p>
+            <a:pPr marL="514350" indent="-514350">
+              <a:buFont typeface="+mj-lt"/>
+              <a:buAutoNum type="arabicPeriod"/>
+            </a:pPr>
+            <a:r>
+              <a:rPr lang="de-DE" sz="2800" dirty="0" smtClean="0"/>
+              <a:t>Muster selbst implementieren</a:t>
+            </a:r>
+          </a:p>
+          <a:p>
+            <a:pPr marL="914400" lvl="1" indent="-514350">
+              <a:buFont typeface="+mj-lt"/>
+              <a:buAutoNum type="alphaLcParenR"/>
+            </a:pPr>
+            <a:r>
+              <a:rPr lang="de-DE" sz="2400" dirty="0" smtClean="0">
+                <a:solidFill>
+                  <a:schemeClr val="bg1">
+                    <a:lumMod val="65000"/>
+                  </a:schemeClr>
+                </a:solidFill>
+              </a:rPr>
+              <a:t>Anwendungsproblem kennenlernen (ca. 5 Min.)</a:t>
+            </a:r>
+          </a:p>
+          <a:p>
+            <a:pPr marL="914400" lvl="1" indent="-514350">
+              <a:buFont typeface="+mj-lt"/>
+              <a:buAutoNum type="alphaLcParenR"/>
+            </a:pPr>
+            <a:r>
+              <a:rPr lang="de-DE" sz="2400" dirty="0" smtClean="0"/>
+              <a:t>paarweise/einzeln Muster implementieren (ca. 20 Min.)</a:t>
+            </a:r>
+          </a:p>
+          <a:p>
+            <a:pPr marL="914400" lvl="1" indent="-514350">
+              <a:buFont typeface="+mj-lt"/>
+              <a:buAutoNum type="alphaLcParenR"/>
+            </a:pPr>
+            <a:endParaRPr lang="de-DE" sz="2400" dirty="0" smtClean="0"/>
+          </a:p>
+          <a:p>
+            <a:pPr marL="514350" indent="-514350">
+              <a:buFont typeface="+mj-lt"/>
+              <a:buAutoNum type="arabicPeriod"/>
+            </a:pPr>
+            <a:r>
+              <a:rPr lang="de-DE" sz="2800" dirty="0" smtClean="0"/>
+              <a:t>Diskussion / Vergleich einiger Lösungen (ca. 10 Min.)</a:t>
+            </a:r>
+          </a:p>
+          <a:p>
+            <a:pPr marL="914400" lvl="1" indent="-514350">
+              <a:buFont typeface="+mj-lt"/>
+              <a:buAutoNum type="arabicPeriod"/>
+            </a:pPr>
+            <a:endParaRPr lang="de-DE" sz="2400" dirty="0" smtClean="0"/>
+          </a:p>
+          <a:p>
+            <a:pPr marL="514350" indent="-514350">
+              <a:buFont typeface="+mj-lt"/>
+              <a:buAutoNum type="arabicPeriod"/>
+            </a:pPr>
+            <a:r>
+              <a:rPr lang="de-DE" sz="2800" dirty="0"/>
+              <a:t>Alternative Implementierung mit EMF (ca. </a:t>
+            </a:r>
+            <a:r>
+              <a:rPr lang="de-DE" sz="2800" dirty="0" smtClean="0"/>
+              <a:t>20 </a:t>
+            </a:r>
+            <a:r>
+              <a:rPr lang="de-DE" sz="2800" dirty="0"/>
+              <a:t>Min)</a:t>
+            </a:r>
+          </a:p>
+          <a:p>
+            <a:pPr marL="914400" lvl="1" indent="-514350">
+              <a:buFont typeface="+mj-lt"/>
+              <a:buAutoNum type="arabicPeriod"/>
+            </a:pPr>
+            <a:endParaRPr lang="de-DE" sz="2400" dirty="0" smtClean="0"/>
+          </a:p>
+          <a:p>
+            <a:pPr marL="514350" indent="-514350">
+              <a:buFont typeface="+mj-lt"/>
+              <a:buAutoNum type="arabicPeriod"/>
+            </a:pPr>
+            <a:r>
+              <a:rPr lang="de-DE" sz="2800" dirty="0" smtClean="0"/>
+              <a:t>Euer Feedback und Fazit (10 Min.)</a:t>
+            </a:r>
+          </a:p>
+          <a:p>
+            <a:endParaRPr lang="de-DE" sz="2800" dirty="0"/>
+          </a:p>
+        </p:txBody>
+      </p:sp>
+    </p:spTree>
+    <p:extLst>
+      <p:ext uri="{BB962C8B-B14F-4D97-AF65-F5344CB8AC3E}">
+        <p14:creationId xmlns:p14="http://schemas.microsoft.com/office/powerpoint/2010/main" val="3064264355"/>
+      </p:ext>
+    </p:extLst>
+  </p:cSld>
+  <p:clrMapOvr>
+    <a:masterClrMapping/>
+  </p:clrMapOvr>
+  <p:timing>
+    <p:tnLst>
+      <p:par>
+        <p:cTn id="1" dur="indefinite" restart="never" nodeType="tmRoot"/>
+      </p:par>
+    </p:tnLst>
+  </p:timing>
+</p:sld>
+</file>
+
+<file path=ppt/slides/slide14.xml><?xml version="1.0" encoding="utf-8"?>
+<p:sld xmlns:a="http://schemas.openxmlformats.org/drawingml/2006/main" xmlns:r="http://schemas.openxmlformats.org/officeDocument/2006/relationships" xmlns:p="http://schemas.openxmlformats.org/presentationml/2006/main">
+  <p:cSld>
+    <p:spTree>
+      <p:nvGrpSpPr>
+        <p:cNvPr id="1" name=""/>
+        <p:cNvGrpSpPr/>
+        <p:nvPr/>
+      </p:nvGrpSpPr>
+      <p:grpSpPr>
+        <a:xfrm>
+          <a:off x="0" y="0"/>
+          <a:ext cx="0" cy="0"/>
+          <a:chOff x="0" y="0"/>
+          <a:chExt cx="0" cy="0"/>
+        </a:xfrm>
+      </p:grpSpPr>
+      <p:sp>
+        <p:nvSpPr>
+          <p:cNvPr id="2" name="Titel 1"/>
+          <p:cNvSpPr>
+            <a:spLocks noGrp="1"/>
+          </p:cNvSpPr>
+          <p:nvPr>
+            <p:ph type="title"/>
+          </p:nvPr>
+        </p:nvSpPr>
+        <p:spPr/>
+        <p:txBody>
+          <a:bodyPr>
+            <a:normAutofit fontScale="90000"/>
+          </a:bodyPr>
+          <a:lstStyle/>
+          <a:p>
+            <a:r>
+              <a:rPr lang="de-DE" dirty="0" smtClean="0"/>
+              <a:t>Zeitplan</a:t>
+            </a:r>
+            <a:endParaRPr lang="de-DE" dirty="0"/>
+          </a:p>
+        </p:txBody>
+      </p:sp>
+      <p:sp>
+        <p:nvSpPr>
+          <p:cNvPr id="3" name="Inhaltsplatzhalter 2"/>
+          <p:cNvSpPr>
+            <a:spLocks noGrp="1"/>
+          </p:cNvSpPr>
+          <p:nvPr>
+            <p:ph idx="1"/>
+          </p:nvPr>
+        </p:nvSpPr>
+        <p:spPr/>
+        <p:txBody>
+          <a:bodyPr>
+            <a:normAutofit fontScale="92500"/>
+          </a:bodyPr>
+          <a:lstStyle/>
+          <a:p>
+            <a:pPr marL="514350" indent="-514350">
+              <a:buFont typeface="+mj-lt"/>
+              <a:buAutoNum type="arabicPeriod"/>
+            </a:pPr>
+            <a:r>
+              <a:rPr lang="de-DE" sz="2800" dirty="0" smtClean="0">
+                <a:solidFill>
+                  <a:schemeClr val="bg1">
+                    <a:lumMod val="65000"/>
+                  </a:schemeClr>
+                </a:solidFill>
+              </a:rPr>
+              <a:t>Vorstellung des Observer-Musters (ca. 15 Min.)</a:t>
+            </a:r>
+          </a:p>
+          <a:p>
+            <a:pPr marL="914400" lvl="1" indent="-514350">
+              <a:buFont typeface="+mj-lt"/>
+              <a:buAutoNum type="arabicPeriod"/>
+            </a:pPr>
+            <a:endParaRPr lang="de-DE" sz="2400" dirty="0" smtClean="0"/>
+          </a:p>
+          <a:p>
+            <a:pPr marL="514350" indent="-514350">
+              <a:buFont typeface="+mj-lt"/>
+              <a:buAutoNum type="arabicPeriod"/>
+            </a:pPr>
+            <a:r>
+              <a:rPr lang="de-DE" sz="2800" dirty="0" smtClean="0">
+                <a:solidFill>
+                  <a:schemeClr val="bg1">
+                    <a:lumMod val="65000"/>
+                  </a:schemeClr>
+                </a:solidFill>
+              </a:rPr>
+              <a:t>Muster selbst implementieren</a:t>
+            </a:r>
+          </a:p>
+          <a:p>
+            <a:pPr marL="914400" lvl="1" indent="-514350">
+              <a:buFont typeface="+mj-lt"/>
+              <a:buAutoNum type="alphaLcParenR"/>
+            </a:pPr>
+            <a:r>
+              <a:rPr lang="de-DE" sz="2400" dirty="0" smtClean="0">
+                <a:solidFill>
+                  <a:schemeClr val="bg1">
+                    <a:lumMod val="65000"/>
+                  </a:schemeClr>
+                </a:solidFill>
+              </a:rPr>
+              <a:t>Anwendungsproblem kennenlernen (ca. 5 Min.)</a:t>
+            </a:r>
+          </a:p>
+          <a:p>
+            <a:pPr marL="914400" lvl="1" indent="-514350">
+              <a:buFont typeface="+mj-lt"/>
+              <a:buAutoNum type="alphaLcParenR"/>
+            </a:pPr>
+            <a:r>
+              <a:rPr lang="de-DE" sz="2400" dirty="0" smtClean="0">
+                <a:solidFill>
+                  <a:schemeClr val="bg1">
+                    <a:lumMod val="65000"/>
+                  </a:schemeClr>
+                </a:solidFill>
+              </a:rPr>
+              <a:t>paarweise/einzeln Muster implementieren (ca. 20 Min.)</a:t>
+            </a:r>
+          </a:p>
+          <a:p>
+            <a:pPr marL="914400" lvl="1" indent="-514350">
+              <a:buFont typeface="+mj-lt"/>
+              <a:buAutoNum type="alphaLcParenR"/>
+            </a:pPr>
+            <a:endParaRPr lang="de-DE" sz="2400" dirty="0" smtClean="0"/>
+          </a:p>
+          <a:p>
+            <a:pPr marL="514350" indent="-514350">
+              <a:buFont typeface="+mj-lt"/>
+              <a:buAutoNum type="arabicPeriod"/>
+            </a:pPr>
+            <a:r>
+              <a:rPr lang="de-DE" sz="2800" dirty="0" smtClean="0"/>
+              <a:t>Diskussion / Vergleich einiger Lösungen (ca. 10 Min.)</a:t>
+            </a:r>
+          </a:p>
+          <a:p>
+            <a:pPr marL="914400" lvl="1" indent="-514350">
+              <a:buFont typeface="+mj-lt"/>
+              <a:buAutoNum type="arabicPeriod"/>
+            </a:pPr>
+            <a:endParaRPr lang="de-DE" sz="2400" dirty="0" smtClean="0"/>
+          </a:p>
+          <a:p>
+            <a:pPr marL="514350" indent="-514350">
+              <a:buFont typeface="+mj-lt"/>
+              <a:buAutoNum type="arabicPeriod"/>
+            </a:pPr>
+            <a:r>
+              <a:rPr lang="de-DE" sz="2800" dirty="0"/>
+              <a:t>Alternative Implementierung mit EMF (ca. </a:t>
+            </a:r>
+            <a:r>
+              <a:rPr lang="de-DE" sz="2800" dirty="0" smtClean="0"/>
+              <a:t>20 </a:t>
+            </a:r>
+            <a:r>
+              <a:rPr lang="de-DE" sz="2800" dirty="0"/>
+              <a:t>Min)</a:t>
+            </a:r>
+          </a:p>
+          <a:p>
+            <a:pPr marL="914400" lvl="1" indent="-514350">
+              <a:buFont typeface="+mj-lt"/>
+              <a:buAutoNum type="arabicPeriod"/>
+            </a:pPr>
+            <a:endParaRPr lang="de-DE" sz="2400" dirty="0" smtClean="0"/>
+          </a:p>
+          <a:p>
+            <a:pPr marL="514350" indent="-514350">
+              <a:buFont typeface="+mj-lt"/>
+              <a:buAutoNum type="arabicPeriod"/>
+            </a:pPr>
+            <a:r>
+              <a:rPr lang="de-DE" sz="2800" dirty="0" smtClean="0"/>
+              <a:t>Euer Feedback und Fazit (10 Min.)</a:t>
+            </a:r>
+          </a:p>
+          <a:p>
+            <a:endParaRPr lang="de-DE" sz="2800" dirty="0"/>
+          </a:p>
+        </p:txBody>
+      </p:sp>
+    </p:spTree>
+    <p:extLst>
+      <p:ext uri="{BB962C8B-B14F-4D97-AF65-F5344CB8AC3E}">
+        <p14:creationId xmlns:p14="http://schemas.microsoft.com/office/powerpoint/2010/main" val="4158785707"/>
+      </p:ext>
+    </p:extLst>
+  </p:cSld>
+  <p:clrMapOvr>
+    <a:masterClrMapping/>
+  </p:clrMapOvr>
+  <p:timing>
+    <p:tnLst>
+      <p:par>
+        <p:cTn id="1" dur="indefinite" restart="never" nodeType="tmRoot"/>
+      </p:par>
+    </p:tnLst>
+  </p:timing>
+</p:sld>
+</file>
+
+<file path=ppt/slides/slide15.xml><?xml version="1.0" encoding="utf-8"?>
+<p:sld xmlns:a="http://schemas.openxmlformats.org/drawingml/2006/main" xmlns:r="http://schemas.openxmlformats.org/officeDocument/2006/relationships" xmlns:p="http://schemas.openxmlformats.org/presentationml/2006/main">
+  <p:cSld>
+    <p:spTree>
+      <p:nvGrpSpPr>
+        <p:cNvPr id="1" name=""/>
+        <p:cNvGrpSpPr/>
+        <p:nvPr/>
+      </p:nvGrpSpPr>
+      <p:grpSpPr>
+        <a:xfrm>
+          <a:off x="0" y="0"/>
+          <a:ext cx="0" cy="0"/>
+          <a:chOff x="0" y="0"/>
+          <a:chExt cx="0" cy="0"/>
+        </a:xfrm>
+      </p:grpSpPr>
+      <p:sp>
+        <p:nvSpPr>
+          <p:cNvPr id="2" name="Titel 1"/>
+          <p:cNvSpPr>
+            <a:spLocks noGrp="1"/>
+          </p:cNvSpPr>
+          <p:nvPr>
+            <p:ph type="title"/>
+          </p:nvPr>
+        </p:nvSpPr>
+        <p:spPr/>
+        <p:txBody>
+          <a:bodyPr>
+            <a:normAutofit fontScale="90000"/>
+          </a:bodyPr>
+          <a:lstStyle/>
+          <a:p>
+            <a:r>
+              <a:rPr lang="de-DE" dirty="0" smtClean="0"/>
+              <a:t>Zeitplan</a:t>
+            </a:r>
+            <a:endParaRPr lang="de-DE" dirty="0"/>
+          </a:p>
+        </p:txBody>
+      </p:sp>
+      <p:sp>
+        <p:nvSpPr>
+          <p:cNvPr id="3" name="Inhaltsplatzhalter 2"/>
+          <p:cNvSpPr>
+            <a:spLocks noGrp="1"/>
+          </p:cNvSpPr>
+          <p:nvPr>
+            <p:ph idx="1"/>
+          </p:nvPr>
+        </p:nvSpPr>
+        <p:spPr/>
+        <p:txBody>
+          <a:bodyPr>
+            <a:normAutofit fontScale="92500"/>
+          </a:bodyPr>
+          <a:lstStyle/>
+          <a:p>
+            <a:pPr marL="514350" indent="-514350">
+              <a:buFont typeface="+mj-lt"/>
+              <a:buAutoNum type="arabicPeriod"/>
+            </a:pPr>
+            <a:r>
+              <a:rPr lang="de-DE" sz="2800" dirty="0" smtClean="0">
+                <a:solidFill>
+                  <a:schemeClr val="bg1">
+                    <a:lumMod val="65000"/>
+                  </a:schemeClr>
+                </a:solidFill>
+              </a:rPr>
+              <a:t>Vorstellung des Observer-Musters (ca. 15 Min.)</a:t>
+            </a:r>
+          </a:p>
+          <a:p>
+            <a:pPr marL="914400" lvl="1" indent="-514350">
+              <a:buFont typeface="+mj-lt"/>
+              <a:buAutoNum type="arabicPeriod"/>
+            </a:pPr>
+            <a:endParaRPr lang="de-DE" sz="2400" dirty="0" smtClean="0"/>
+          </a:p>
+          <a:p>
+            <a:pPr marL="514350" indent="-514350">
+              <a:buFont typeface="+mj-lt"/>
+              <a:buAutoNum type="arabicPeriod"/>
+            </a:pPr>
+            <a:r>
+              <a:rPr lang="de-DE" sz="2800" dirty="0" smtClean="0">
+                <a:solidFill>
+                  <a:schemeClr val="bg1">
+                    <a:lumMod val="65000"/>
+                  </a:schemeClr>
+                </a:solidFill>
+              </a:rPr>
+              <a:t>Muster selbst implementieren</a:t>
+            </a:r>
+          </a:p>
+          <a:p>
+            <a:pPr marL="914400" lvl="1" indent="-514350">
+              <a:buFont typeface="+mj-lt"/>
+              <a:buAutoNum type="alphaLcParenR"/>
+            </a:pPr>
+            <a:r>
+              <a:rPr lang="de-DE" sz="2400" dirty="0" smtClean="0">
+                <a:solidFill>
+                  <a:schemeClr val="bg1">
+                    <a:lumMod val="65000"/>
+                  </a:schemeClr>
+                </a:solidFill>
+              </a:rPr>
+              <a:t>Anwendungsproblem kennenlernen (ca. 5 Min.)</a:t>
+            </a:r>
+          </a:p>
+          <a:p>
+            <a:pPr marL="914400" lvl="1" indent="-514350">
+              <a:buFont typeface="+mj-lt"/>
+              <a:buAutoNum type="alphaLcParenR"/>
+            </a:pPr>
+            <a:r>
+              <a:rPr lang="de-DE" sz="2400" dirty="0" smtClean="0">
+                <a:solidFill>
+                  <a:schemeClr val="bg1">
+                    <a:lumMod val="65000"/>
+                  </a:schemeClr>
+                </a:solidFill>
+              </a:rPr>
+              <a:t>paarweise/einzeln Muster implementieren (ca. 20 Min.)</a:t>
+            </a:r>
+          </a:p>
+          <a:p>
+            <a:pPr marL="914400" lvl="1" indent="-514350">
+              <a:buFont typeface="+mj-lt"/>
+              <a:buAutoNum type="alphaLcParenR"/>
+            </a:pPr>
+            <a:endParaRPr lang="de-DE" sz="2400" dirty="0" smtClean="0"/>
+          </a:p>
+          <a:p>
+            <a:pPr marL="514350" indent="-514350">
+              <a:buFont typeface="+mj-lt"/>
+              <a:buAutoNum type="arabicPeriod"/>
+            </a:pPr>
+            <a:r>
+              <a:rPr lang="de-DE" sz="2800" dirty="0" smtClean="0">
+                <a:solidFill>
+                  <a:schemeClr val="bg1">
+                    <a:lumMod val="65000"/>
+                  </a:schemeClr>
+                </a:solidFill>
+              </a:rPr>
+              <a:t>Diskussion / Vergleich einiger Lösungen (ca. 10 Min.)</a:t>
+            </a:r>
+          </a:p>
+          <a:p>
+            <a:pPr marL="914400" lvl="1" indent="-514350">
+              <a:buFont typeface="+mj-lt"/>
+              <a:buAutoNum type="arabicPeriod"/>
+            </a:pPr>
+            <a:endParaRPr lang="de-DE" sz="2400" dirty="0" smtClean="0"/>
+          </a:p>
+          <a:p>
+            <a:pPr marL="514350" indent="-514350">
+              <a:buFont typeface="+mj-lt"/>
+              <a:buAutoNum type="arabicPeriod"/>
+            </a:pPr>
+            <a:r>
+              <a:rPr lang="de-DE" sz="2800" dirty="0"/>
+              <a:t>Alternative Implementierung mit EMF (ca. </a:t>
+            </a:r>
+            <a:r>
+              <a:rPr lang="de-DE" sz="2800" dirty="0" smtClean="0"/>
+              <a:t>20 </a:t>
+            </a:r>
+            <a:r>
+              <a:rPr lang="de-DE" sz="2800" dirty="0"/>
+              <a:t>Min)</a:t>
+            </a:r>
+          </a:p>
+          <a:p>
+            <a:pPr marL="914400" lvl="1" indent="-514350">
+              <a:buFont typeface="+mj-lt"/>
+              <a:buAutoNum type="arabicPeriod"/>
+            </a:pPr>
+            <a:endParaRPr lang="de-DE" sz="2400" dirty="0" smtClean="0"/>
+          </a:p>
+          <a:p>
+            <a:pPr marL="514350" indent="-514350">
+              <a:buFont typeface="+mj-lt"/>
+              <a:buAutoNum type="arabicPeriod"/>
+            </a:pPr>
+            <a:r>
+              <a:rPr lang="de-DE" sz="2800" dirty="0" smtClean="0"/>
+              <a:t>Euer Feedback und Fazit (10 Min.)</a:t>
+            </a:r>
+          </a:p>
+          <a:p>
+            <a:endParaRPr lang="de-DE" sz="2800" dirty="0"/>
+          </a:p>
+        </p:txBody>
+      </p:sp>
+    </p:spTree>
+    <p:extLst>
+      <p:ext uri="{BB962C8B-B14F-4D97-AF65-F5344CB8AC3E}">
+        <p14:creationId xmlns:p14="http://schemas.microsoft.com/office/powerpoint/2010/main" val="2605164011"/>
+      </p:ext>
+    </p:extLst>
+  </p:cSld>
+  <p:clrMapOvr>
+    <a:masterClrMapping/>
+  </p:clrMapOvr>
+  <p:timing>
+    <p:tnLst>
+      <p:par>
+        <p:cTn id="1" dur="indefinite" restart="never" nodeType="tmRoot"/>
+      </p:par>
+    </p:tnLst>
+  </p:timing>
+</p:sld>
+</file>
+
+<file path=ppt/slides/slide16.xml><?xml version="1.0" encoding="utf-8"?>
+<p:sld xmlns:a="http://schemas.openxmlformats.org/drawingml/2006/main" xmlns:r="http://schemas.openxmlformats.org/officeDocument/2006/relationships" xmlns:p="http://schemas.openxmlformats.org/presentationml/2006/main">
+  <p:cSld>
+    <p:spTree>
+      <p:nvGrpSpPr>
+        <p:cNvPr id="1" name=""/>
+        <p:cNvGrpSpPr/>
+        <p:nvPr/>
+      </p:nvGrpSpPr>
+      <p:grpSpPr>
+        <a:xfrm>
+          <a:off x="0" y="0"/>
+          <a:ext cx="0" cy="0"/>
+          <a:chOff x="0" y="0"/>
+          <a:chExt cx="0" cy="0"/>
+        </a:xfrm>
+      </p:grpSpPr>
+      <p:sp>
+        <p:nvSpPr>
+          <p:cNvPr id="2" name="Titel 1"/>
+          <p:cNvSpPr>
+            <a:spLocks noGrp="1"/>
+          </p:cNvSpPr>
+          <p:nvPr>
+            <p:ph type="title"/>
+          </p:nvPr>
+        </p:nvSpPr>
+        <p:spPr/>
+        <p:txBody>
+          <a:bodyPr>
+            <a:normAutofit fontScale="90000"/>
+          </a:bodyPr>
+          <a:lstStyle/>
+          <a:p>
+            <a:r>
+              <a:rPr lang="de-DE" dirty="0" smtClean="0"/>
+              <a:t>Zeitplan</a:t>
+            </a:r>
+            <a:endParaRPr lang="de-DE" dirty="0"/>
+          </a:p>
+        </p:txBody>
+      </p:sp>
+      <p:sp>
+        <p:nvSpPr>
+          <p:cNvPr id="3" name="Inhaltsplatzhalter 2"/>
+          <p:cNvSpPr>
+            <a:spLocks noGrp="1"/>
+          </p:cNvSpPr>
+          <p:nvPr>
+            <p:ph idx="1"/>
+          </p:nvPr>
+        </p:nvSpPr>
+        <p:spPr/>
+        <p:txBody>
+          <a:bodyPr>
+            <a:normAutofit fontScale="92500"/>
+          </a:bodyPr>
+          <a:lstStyle/>
+          <a:p>
+            <a:pPr marL="514350" indent="-514350">
+              <a:buFont typeface="+mj-lt"/>
+              <a:buAutoNum type="arabicPeriod"/>
+            </a:pPr>
+            <a:r>
+              <a:rPr lang="de-DE" sz="2800" dirty="0" smtClean="0">
+                <a:solidFill>
+                  <a:schemeClr val="bg1">
+                    <a:lumMod val="65000"/>
+                  </a:schemeClr>
+                </a:solidFill>
+              </a:rPr>
+              <a:t>Vorstellung des Observer-Musters (ca. 15 Min.)</a:t>
+            </a:r>
+          </a:p>
+          <a:p>
+            <a:pPr marL="914400" lvl="1" indent="-514350">
+              <a:buFont typeface="+mj-lt"/>
+              <a:buAutoNum type="arabicPeriod"/>
+            </a:pPr>
+            <a:endParaRPr lang="de-DE" sz="2400" dirty="0" smtClean="0"/>
+          </a:p>
+          <a:p>
+            <a:pPr marL="514350" indent="-514350">
+              <a:buFont typeface="+mj-lt"/>
+              <a:buAutoNum type="arabicPeriod"/>
+            </a:pPr>
+            <a:r>
+              <a:rPr lang="de-DE" sz="2800" dirty="0" smtClean="0">
+                <a:solidFill>
+                  <a:schemeClr val="bg1">
+                    <a:lumMod val="65000"/>
+                  </a:schemeClr>
+                </a:solidFill>
+              </a:rPr>
+              <a:t>Muster selbst implementieren</a:t>
+            </a:r>
+          </a:p>
+          <a:p>
+            <a:pPr marL="914400" lvl="1" indent="-514350">
+              <a:buFont typeface="+mj-lt"/>
+              <a:buAutoNum type="alphaLcParenR"/>
+            </a:pPr>
+            <a:r>
+              <a:rPr lang="de-DE" sz="2400" dirty="0" smtClean="0">
+                <a:solidFill>
+                  <a:schemeClr val="bg1">
+                    <a:lumMod val="65000"/>
+                  </a:schemeClr>
+                </a:solidFill>
+              </a:rPr>
+              <a:t>Anwendungsproblem kennenlernen (ca. 5 Min.)</a:t>
+            </a:r>
+          </a:p>
+          <a:p>
+            <a:pPr marL="914400" lvl="1" indent="-514350">
+              <a:buFont typeface="+mj-lt"/>
+              <a:buAutoNum type="alphaLcParenR"/>
+            </a:pPr>
+            <a:r>
+              <a:rPr lang="de-DE" sz="2400" dirty="0" smtClean="0">
+                <a:solidFill>
+                  <a:schemeClr val="bg1">
+                    <a:lumMod val="65000"/>
+                  </a:schemeClr>
+                </a:solidFill>
+              </a:rPr>
+              <a:t>paarweise/einzeln Muster implementieren (ca. 20 Min.)</a:t>
+            </a:r>
+          </a:p>
+          <a:p>
+            <a:pPr marL="914400" lvl="1" indent="-514350">
+              <a:buFont typeface="+mj-lt"/>
+              <a:buAutoNum type="alphaLcParenR"/>
+            </a:pPr>
+            <a:endParaRPr lang="de-DE" sz="2400" dirty="0" smtClean="0"/>
+          </a:p>
+          <a:p>
+            <a:pPr marL="514350" indent="-514350">
+              <a:buFont typeface="+mj-lt"/>
+              <a:buAutoNum type="arabicPeriod"/>
+            </a:pPr>
+            <a:r>
+              <a:rPr lang="de-DE" sz="2800" dirty="0" smtClean="0">
+                <a:solidFill>
+                  <a:schemeClr val="bg1">
+                    <a:lumMod val="65000"/>
+                  </a:schemeClr>
+                </a:solidFill>
+              </a:rPr>
+              <a:t>Diskussion / Vergleich einiger Lösungen (ca. 10 Min.)</a:t>
+            </a:r>
+          </a:p>
+          <a:p>
+            <a:pPr marL="914400" lvl="1" indent="-514350">
+              <a:buFont typeface="+mj-lt"/>
+              <a:buAutoNum type="arabicPeriod"/>
+            </a:pPr>
+            <a:endParaRPr lang="de-DE" sz="2400" dirty="0" smtClean="0"/>
+          </a:p>
+          <a:p>
+            <a:pPr marL="514350" indent="-514350">
+              <a:buFont typeface="+mj-lt"/>
+              <a:buAutoNum type="arabicPeriod"/>
+            </a:pPr>
+            <a:r>
+              <a:rPr lang="de-DE" sz="2800" dirty="0">
+                <a:solidFill>
+                  <a:schemeClr val="bg1">
+                    <a:lumMod val="65000"/>
+                  </a:schemeClr>
+                </a:solidFill>
+              </a:rPr>
+              <a:t>Alternative Implementierung mit EMF (ca. </a:t>
+            </a:r>
+            <a:r>
+              <a:rPr lang="de-DE" sz="2800" dirty="0" smtClean="0">
+                <a:solidFill>
+                  <a:schemeClr val="bg1">
+                    <a:lumMod val="65000"/>
+                  </a:schemeClr>
+                </a:solidFill>
+              </a:rPr>
+              <a:t>20 </a:t>
+            </a:r>
+            <a:r>
+              <a:rPr lang="de-DE" sz="2800" dirty="0">
+                <a:solidFill>
+                  <a:schemeClr val="bg1">
+                    <a:lumMod val="65000"/>
+                  </a:schemeClr>
+                </a:solidFill>
+              </a:rPr>
+              <a:t>Min)</a:t>
+            </a:r>
+          </a:p>
+          <a:p>
+            <a:pPr marL="914400" lvl="1" indent="-514350">
+              <a:buFont typeface="+mj-lt"/>
+              <a:buAutoNum type="arabicPeriod"/>
+            </a:pPr>
+            <a:endParaRPr lang="de-DE" sz="2400" dirty="0" smtClean="0"/>
+          </a:p>
+          <a:p>
+            <a:pPr marL="514350" indent="-514350">
+              <a:buFont typeface="+mj-lt"/>
+              <a:buAutoNum type="arabicPeriod"/>
+            </a:pPr>
+            <a:r>
+              <a:rPr lang="de-DE" sz="2800" dirty="0" smtClean="0"/>
+              <a:t>Euer Feedback und Fazit (10 Min.)</a:t>
+            </a:r>
+          </a:p>
+          <a:p>
+            <a:endParaRPr lang="de-DE" sz="2800" dirty="0"/>
+          </a:p>
+        </p:txBody>
+      </p:sp>
+    </p:spTree>
+    <p:extLst>
+      <p:ext uri="{BB962C8B-B14F-4D97-AF65-F5344CB8AC3E}">
+        <p14:creationId xmlns:p14="http://schemas.microsoft.com/office/powerpoint/2010/main" val="4087090245"/>
+      </p:ext>
+    </p:extLst>
+  </p:cSld>
+  <p:clrMapOvr>
+    <a:masterClrMapping/>
+  </p:clrMapOvr>
+  <p:timing>
+    <p:tnLst>
+      <p:par>
+        <p:cTn id="1" dur="indefinite" restart="never" nodeType="tmRoot"/>
+      </p:par>
+    </p:tnLst>
+  </p:timing>
+</p:sld>
+</file>
+
+<file path=ppt/slides/slide17.xml><?xml version="1.0" encoding="utf-8"?>
+<p:sld xmlns:a="http://schemas.openxmlformats.org/drawingml/2006/main" xmlns:r="http://schemas.openxmlformats.org/officeDocument/2006/relationships" xmlns:p="http://schemas.openxmlformats.org/presentationml/2006/main">
+  <p:cSld>
+    <p:spTree>
+      <p:nvGrpSpPr>
+        <p:cNvPr id="1" name=""/>
+        <p:cNvGrpSpPr/>
+        <p:nvPr/>
+      </p:nvGrpSpPr>
+      <p:grpSpPr>
+        <a:xfrm>
+          <a:off x="0" y="0"/>
+          <a:ext cx="0" cy="0"/>
+          <a:chOff x="0" y="0"/>
+          <a:chExt cx="0" cy="0"/>
+        </a:xfrm>
+      </p:grpSpPr>
+      <p:sp>
+        <p:nvSpPr>
+          <p:cNvPr id="2" name="Titel 1"/>
+          <p:cNvSpPr>
+            <a:spLocks noGrp="1"/>
+          </p:cNvSpPr>
+          <p:nvPr>
+            <p:ph type="title"/>
+          </p:nvPr>
+        </p:nvSpPr>
+        <p:spPr/>
+        <p:txBody>
+          <a:bodyPr>
+            <a:normAutofit fontScale="90000"/>
+          </a:bodyPr>
+          <a:lstStyle/>
+          <a:p>
+            <a:r>
+              <a:rPr lang="de-DE" dirty="0" smtClean="0"/>
+              <a:t>Euer Feedback</a:t>
             </a:r>
             <a:endParaRPr lang="de-DE" dirty="0"/>
           </a:p>
@@ -3846,27 +5288,70 @@
           </a:bodyPr>
           <a:lstStyle/>
           <a:p>
-            <a:pPr marL="0" indent="0">
-              <a:buNone/>
-            </a:pPr>
+            <a:r>
+              <a:rPr lang="en-US" dirty="0" err="1" smtClean="0"/>
+              <a:t>Kanntet</a:t>
+            </a:r>
             <a:r>
               <a:rPr lang="en-US" dirty="0" smtClean="0"/>
-              <a:t>Code Coverage</a:t>
-            </a:r>
-          </a:p>
-          <a:p>
+              <a:t> </a:t>
+            </a:r>
+            <a:r>
+              <a:rPr lang="en-US" dirty="0" err="1" smtClean="0"/>
+              <a:t>ihr</a:t>
+            </a:r>
             <a:r>
               <a:rPr lang="en-US" dirty="0" smtClean="0"/>
-              <a:t>Was </a:t>
+              <a:t> </a:t>
+            </a:r>
+            <a:r>
+              <a:rPr lang="en-US" dirty="0" smtClean="0"/>
+              <a:t>das Muster </a:t>
             </a:r>
             <a:r>
               <a:rPr lang="en-US" dirty="0" err="1" smtClean="0"/>
-              <a:t>ist</a:t>
+              <a:t>schon</a:t>
             </a:r>
             <a:r>
               <a:rPr lang="en-US" dirty="0" smtClean="0"/>
-              <a:t> Code Coverage?</a:t>
-            </a:r>
+              <a:t>?</a:t>
+            </a:r>
+            <a:endParaRPr lang="en-US" dirty="0"/>
+          </a:p>
+          <a:p>
+            <a:r>
+              <a:rPr lang="en-US" dirty="0" err="1" smtClean="0"/>
+              <a:t>Habt</a:t>
+            </a:r>
+            <a:r>
+              <a:rPr lang="en-US" dirty="0" smtClean="0"/>
+              <a:t> </a:t>
+            </a:r>
+            <a:r>
+              <a:rPr lang="en-US" dirty="0" err="1" smtClean="0"/>
+              <a:t>ihr</a:t>
+            </a:r>
+            <a:r>
+              <a:rPr lang="en-US" dirty="0" smtClean="0"/>
+              <a:t> </a:t>
+            </a:r>
+            <a:r>
+              <a:rPr lang="en-US" dirty="0" err="1" smtClean="0"/>
+              <a:t>etwas</a:t>
+            </a:r>
+            <a:r>
+              <a:rPr lang="en-US" dirty="0" smtClean="0"/>
+              <a:t> </a:t>
+            </a:r>
+            <a:r>
+              <a:rPr lang="en-US" dirty="0" err="1" smtClean="0"/>
+              <a:t>gelernt</a:t>
+            </a:r>
+            <a:r>
+              <a:rPr lang="en-US" dirty="0" smtClean="0"/>
+              <a:t>?</a:t>
+            </a:r>
+            <a:endParaRPr lang="en-US" dirty="0" smtClean="0"/>
           </a:p>
           <a:p>
             <a:r>
@@ -3879,7 +5364,7 @@
             </a:r>
             <a:r>
               <a:rPr lang="en-US" dirty="0" err="1" smtClean="0"/>
-              <a:t>hilft</a:t>
+              <a:t>kamt</a:t>
             </a:r>
             <a:r>
               <a:rPr lang="en-US" dirty="0" smtClean="0"/>
@@ -3887,7 +5372,7 @@
             </a:r>
             <a:r>
               <a:rPr lang="en-US" dirty="0" err="1" smtClean="0"/>
-              <a:t>uns</a:t>
+              <a:t>ihr</a:t>
             </a:r>
             <a:r>
               <a:rPr lang="en-US" dirty="0" smtClean="0"/>
@@ -3895,7 +5380,7 @@
             </a:r>
             <a:r>
               <a:rPr lang="en-US" dirty="0" err="1" smtClean="0"/>
-              <a:t>diese</a:t>
+              <a:t>mit</a:t>
             </a:r>
             <a:r>
               <a:rPr lang="en-US" dirty="0" smtClean="0"/>
@@ -3903,15 +5388,126 @@
             </a:r>
             <a:r>
               <a:rPr lang="en-US" dirty="0" err="1" smtClean="0"/>
-              <a:t>bei</a:t>
+              <a:t>dem</a:t>
             </a:r>
             <a:r>
               <a:rPr lang="en-US" dirty="0" smtClean="0"/>
-              <a:t> der </a:t>
+              <a:t> Java-Bean und EMF </a:t>
             </a:r>
             <a:r>
               <a:rPr lang="en-US" dirty="0" err="1" smtClean="0"/>
-              <a:t>Entwicklung</a:t>
+              <a:t>klar</a:t>
+            </a:r>
+            <a:r>
+              <a:rPr lang="en-US" dirty="0" smtClean="0"/>
+              <a:t>?</a:t>
+            </a:r>
+          </a:p>
+          <a:p>
+            <a:endParaRPr lang="en-US" dirty="0" smtClean="0"/>
+          </a:p>
+          <a:p>
+            <a:r>
+              <a:rPr lang="en-US" dirty="0" err="1" smtClean="0"/>
+              <a:t>Habt</a:t>
+            </a:r>
+            <a:r>
+              <a:rPr lang="en-US" dirty="0" smtClean="0"/>
+              <a:t> </a:t>
+            </a:r>
+            <a:r>
+              <a:rPr lang="en-US" dirty="0" err="1"/>
+              <a:t>ihr</a:t>
+            </a:r>
+            <a:r>
+              <a:rPr lang="en-US" dirty="0"/>
+              <a:t> </a:t>
+            </a:r>
+            <a:r>
+              <a:rPr lang="en-US" dirty="0" err="1"/>
+              <a:t>Wünsche</a:t>
+            </a:r>
+            <a:r>
+              <a:rPr lang="en-US" dirty="0"/>
+              <a:t> </a:t>
+            </a:r>
+            <a:r>
+              <a:rPr lang="en-US" dirty="0" err="1"/>
+              <a:t>für</a:t>
+            </a:r>
+            <a:r>
+              <a:rPr lang="en-US" dirty="0"/>
+              <a:t> </a:t>
+            </a:r>
+            <a:r>
+              <a:rPr lang="en-US" dirty="0" err="1"/>
+              <a:t>zukünftige</a:t>
+            </a:r>
+            <a:r>
+              <a:rPr lang="en-US" dirty="0"/>
+              <a:t> Dojos?</a:t>
+            </a:r>
+          </a:p>
+          <a:p>
+            <a:r>
+              <a:rPr lang="en-US" dirty="0" err="1" smtClean="0"/>
+              <a:t>Zu</a:t>
+            </a:r>
+            <a:r>
+              <a:rPr lang="en-US" dirty="0" smtClean="0"/>
+              <a:t> </a:t>
+            </a:r>
+            <a:r>
+              <a:rPr lang="en-US" dirty="0" err="1" smtClean="0"/>
+              <a:t>welchen</a:t>
+            </a:r>
+            <a:r>
+              <a:rPr lang="en-US" dirty="0" smtClean="0"/>
+              <a:t> </a:t>
+            </a:r>
+            <a:r>
+              <a:rPr lang="en-US" dirty="0" err="1" smtClean="0"/>
+              <a:t>Themen</a:t>
+            </a:r>
+            <a:r>
+              <a:rPr lang="en-US" dirty="0" smtClean="0"/>
+              <a:t> </a:t>
+            </a:r>
+            <a:r>
+              <a:rPr lang="en-US" dirty="0" err="1" smtClean="0"/>
+              <a:t>würdet</a:t>
+            </a:r>
+            <a:r>
+              <a:rPr lang="en-US" dirty="0" smtClean="0"/>
+              <a:t> </a:t>
+            </a:r>
+            <a:r>
+              <a:rPr lang="en-US" dirty="0" err="1" smtClean="0"/>
+              <a:t>ihr</a:t>
+            </a:r>
+            <a:r>
+              <a:rPr lang="en-US" dirty="0" smtClean="0"/>
+              <a:t> </a:t>
+            </a:r>
+            <a:r>
+              <a:rPr lang="en-US" dirty="0" err="1" smtClean="0"/>
+              <a:t>gerne</a:t>
+            </a:r>
+            <a:r>
+              <a:rPr lang="en-US" dirty="0" smtClean="0"/>
+              <a:t> </a:t>
+            </a:r>
+            <a:r>
+              <a:rPr lang="en-US" dirty="0" err="1" smtClean="0"/>
+              <a:t>mehr</a:t>
+            </a:r>
+            <a:r>
+              <a:rPr lang="en-US" dirty="0" smtClean="0"/>
+              <a:t> </a:t>
+            </a:r>
+            <a:r>
+              <a:rPr lang="en-US" dirty="0" err="1" smtClean="0"/>
+              <a:t>erfahren</a:t>
             </a:r>
             <a:r>
               <a:rPr lang="en-US" dirty="0" smtClean="0"/>
@@ -3923,7 +5519,7 @@
     </p:spTree>
     <p:extLst>
       <p:ext uri="{BB962C8B-B14F-4D97-AF65-F5344CB8AC3E}">
-        <p14:creationId xmlns:p14="http://schemas.microsoft.com/office/powerpoint/2010/main" val="3423984556"/>
+        <p14:creationId xmlns:p14="http://schemas.microsoft.com/office/powerpoint/2010/main" val="856470280"/>
       </p:ext>
     </p:extLst>
   </p:cSld>
@@ -4003,7 +5599,6 @@
               <a:rPr lang="de-DE" sz="2800" dirty="0" smtClean="0"/>
               <a:t>Design Pattern „Observer“ kennenlernen / besser verstehen</a:t>
             </a:r>
-            <a:endParaRPr lang="de-DE" sz="2800" dirty="0" smtClean="0"/>
           </a:p>
           <a:p>
             <a:pPr lvl="1"/>
@@ -4127,27 +5722,7 @@
             </a:pPr>
             <a:r>
               <a:rPr lang="de-DE" sz="2800" dirty="0" smtClean="0"/>
-              <a:t>Vorstellung des Observer-Musters </a:t>
-            </a:r>
-            <a:r>
-              <a:rPr lang="de-DE" sz="2800" dirty="0" smtClean="0"/>
-              <a:t>(ca</a:t>
-            </a:r>
-            <a:r>
-              <a:rPr lang="de-DE" sz="2800" dirty="0" smtClean="0"/>
-              <a:t>. </a:t>
-            </a:r>
-            <a:r>
-              <a:rPr lang="de-DE" sz="2800" dirty="0" smtClean="0"/>
-              <a:t>15</a:t>
-            </a:r>
-            <a:r>
-              <a:rPr lang="de-DE" sz="2800" dirty="0" smtClean="0"/>
-              <a:t> </a:t>
-            </a:r>
-            <a:r>
-              <a:rPr lang="de-DE" sz="2800" dirty="0" smtClean="0"/>
-              <a:t>Min.)</a:t>
+              <a:t>Vorstellung des Observer-Musters (ca. 15 Min.)</a:t>
             </a:r>
           </a:p>
           <a:p>
@@ -4166,7 +5741,6 @@
               <a:rPr lang="de-DE" sz="2800" dirty="0" smtClean="0"/>
               <a:t>Muster selbst implementieren</a:t>
             </a:r>
-            <a:endParaRPr lang="de-DE" sz="2800" dirty="0" smtClean="0"/>
           </a:p>
           <a:p>
             <a:pPr marL="914400" lvl="1" indent="-514350">
@@ -4175,23 +5749,7 @@
             </a:pPr>
             <a:r>
               <a:rPr lang="de-DE" sz="2400" dirty="0" smtClean="0"/>
-              <a:t>Anwendungsproblem kennenlernen (ca</a:t>
-            </a:r>
-            <a:r>
-              <a:rPr lang="de-DE" sz="2400" dirty="0" smtClean="0"/>
-              <a:t>. </a:t>
-            </a:r>
-            <a:r>
-              <a:rPr lang="de-DE" sz="2400" dirty="0" smtClean="0"/>
-              <a:t>5 </a:t>
-            </a:r>
-            <a:r>
-              <a:rPr lang="de-DE" sz="2400" dirty="0" smtClean="0"/>
-              <a:t>Min</a:t>
-            </a:r>
-            <a:r>
-              <a:rPr lang="de-DE" sz="2400" dirty="0" smtClean="0"/>
-              <a:t>.)</a:t>
+              <a:t>Anwendungsproblem kennenlernen (ca. 5 Min.)</a:t>
             </a:r>
           </a:p>
           <a:p>
@@ -4218,19 +5776,7 @@
             </a:pPr>
             <a:r>
               <a:rPr lang="de-DE" sz="2800" dirty="0" smtClean="0"/>
-              <a:t>Diskussion / Vergleich einiger Lösungen (</a:t>
-            </a:r>
-            <a:r>
-              <a:rPr lang="de-DE" sz="2800" dirty="0" smtClean="0"/>
-              <a:t>ca. </a:t>
-            </a:r>
-            <a:r>
-              <a:rPr lang="de-DE" sz="2800" dirty="0" smtClean="0"/>
-              <a:t>10 </a:t>
-            </a:r>
-            <a:r>
-              <a:rPr lang="de-DE" sz="2800" dirty="0" smtClean="0"/>
-              <a:t>Min.)</a:t>
+              <a:t>Diskussion / Vergleich einiger Lösungen (ca. 10 Min.)</a:t>
             </a:r>
           </a:p>
           <a:p>
@@ -4257,7 +5803,6 @@
               <a:rPr lang="de-DE" sz="2800" dirty="0"/>
               <a:t>Min)</a:t>
             </a:r>
-            <a:endParaRPr lang="de-DE" sz="2800" dirty="0"/>
           </a:p>
           <a:p>
             <a:pPr marL="914400" lvl="1" indent="-514350">
@@ -4273,11 +5818,7 @@
             </a:pPr>
             <a:r>
               <a:rPr lang="de-DE" sz="2800" dirty="0" smtClean="0"/>
-              <a:t>Euer Feedback und Fazit (10 </a:t>
-            </a:r>
-            <a:r>
-              <a:rPr lang="de-DE" sz="2800" dirty="0" smtClean="0"/>
-              <a:t>Min.)</a:t>
+              <a:t>Euer Feedback und Fazit (10 Min.)</a:t>
             </a:r>
           </a:p>
           <a:p>
@@ -4340,139 +5881,80 @@
         </p:spPr>
         <p:txBody>
           <a:bodyPr>
-            <a:normAutofit lnSpcReduction="10000"/>
+            <a:normAutofit/>
           </a:bodyPr>
           <a:lstStyle/>
           <a:p>
-            <a:endParaRPr lang="de-DE" dirty="0" smtClean="0"/>
+            <a:endParaRPr lang="de-DE" sz="2800" dirty="0" smtClean="0"/>
           </a:p>
           <a:p>
             <a:pPr marL="0" indent="0">
               <a:buNone/>
             </a:pPr>
-            <a:endParaRPr lang="de-DE" sz="2400" dirty="0" smtClean="0"/>
+            <a:endParaRPr lang="de-DE" sz="2000" b="1" dirty="0" smtClean="0"/>
           </a:p>
           <a:p>
             <a:pPr marL="0" indent="0">
               <a:buNone/>
             </a:pPr>
             <a:r>
-              <a:rPr lang="de-DE" sz="2400" b="1" dirty="0" smtClean="0"/>
-              <a:t>Anwendungsbeispiel:</a:t>
+              <a:rPr lang="de-DE" sz="2000" b="1" dirty="0" smtClean="0"/>
+              <a:t>Anwendungsbeispiel</a:t>
+            </a:r>
+            <a:r>
+              <a:rPr lang="de-DE" sz="2000" b="1" dirty="0" smtClean="0"/>
+              <a:t>:</a:t>
             </a:r>
           </a:p>
           <a:p>
             <a:pPr marL="0" indent="0">
               <a:buNone/>
             </a:pPr>
-            <a:endParaRPr lang="de-DE" dirty="0"/>
+            <a:endParaRPr lang="de-DE" sz="2800" dirty="0"/>
           </a:p>
           <a:p>
             <a:pPr marL="0" indent="0">
               <a:buNone/>
             </a:pPr>
-            <a:endParaRPr lang="de-DE" dirty="0" smtClean="0"/>
+            <a:endParaRPr lang="de-DE" sz="2800" dirty="0" smtClean="0"/>
           </a:p>
           <a:p>
             <a:pPr marL="0" indent="0">
               <a:buNone/>
             </a:pPr>
-            <a:endParaRPr lang="de-DE" dirty="0"/>
+            <a:endParaRPr lang="de-DE" sz="2800" dirty="0"/>
           </a:p>
           <a:p>
             <a:pPr marL="0" indent="0">
               <a:buNone/>
             </a:pPr>
-            <a:endParaRPr lang="de-DE" dirty="0" smtClean="0"/>
+            <a:endParaRPr lang="de-DE" sz="2800" dirty="0" smtClean="0"/>
           </a:p>
           <a:p>
             <a:pPr marL="0" indent="0">
               <a:buNone/>
             </a:pPr>
-            <a:endParaRPr lang="de-DE" dirty="0"/>
+            <a:endParaRPr lang="de-DE" sz="2000" dirty="0" smtClean="0"/>
           </a:p>
           <a:p>
             <a:pPr marL="0" indent="0">
               <a:buNone/>
             </a:pPr>
-            <a:endParaRPr lang="de-DE" sz="2000" dirty="0" smtClean="0"/>
-          </a:p>
-          <a:p>
             <a:r>
               <a:rPr lang="de-DE" sz="2000" dirty="0" smtClean="0"/>
-              <a:t>Teile einer Software sollen auf</a:t>
-            </a:r>
-            <a:br>
-              <a:rPr lang="de-DE" sz="2000" dirty="0" smtClean="0"/>
-            </a:br>
-            <a:r>
-              <a:rPr lang="de-DE" sz="2000" dirty="0" smtClean="0"/>
-              <a:t>Änderungen anderer Objekte reagieren.</a:t>
-            </a:r>
-          </a:p>
-          <a:p>
-            <a:r>
-              <a:rPr lang="de-DE" sz="2000" dirty="0" smtClean="0"/>
-              <a:t>Beobachtete Objekte sollen von Beobachtern unabhängig bleiben.</a:t>
+              <a:t>Aufgabe:</a:t>
             </a:r>
             <a:endParaRPr lang="de-DE" sz="2000" dirty="0"/>
           </a:p>
-        </p:txBody>
-      </p:sp>
-      <p:pic>
-        <p:nvPicPr>
-          <p:cNvPr id="1029" name="Picture 5"/>
-          <p:cNvPicPr>
-            <a:picLocks noChangeAspect="1" noChangeArrowheads="1"/>
-          </p:cNvPicPr>
-          <p:nvPr/>
-        </p:nvPicPr>
-        <p:blipFill>
-          <a:blip r:embed="rId2">
-            <a:extLst>
-              <a:ext uri="{28A0092B-C50C-407E-A947-70E740481C1C}">
-                <a14:useLocalDpi xmlns:a14="http://schemas.microsoft.com/office/drawing/2010/main" val="0"/>
-              </a:ext>
-            </a:extLst>
-          </a:blip>
-          <a:srcRect/>
-          <a:stretch>
-            <a:fillRect/>
-          </a:stretch>
-        </p:blipFill>
-        <p:spPr bwMode="auto">
-          <a:xfrm>
-            <a:off x="3557092" y="2566453"/>
-            <a:ext cx="2239044" cy="2878771"/>
-          </a:xfrm>
-          <a:prstGeom prst="rect">
-            <a:avLst/>
-          </a:prstGeom>
-          <a:noFill/>
-          <a:ln>
-            <a:noFill/>
-          </a:ln>
-          <a:extLst>
-            <a:ext uri="{909E8E84-426E-40DD-AFC4-6F175D3DCCD1}">
-              <a14:hiddenFill xmlns:a14="http://schemas.microsoft.com/office/drawing/2010/main">
-                <a:solidFill>
-                  <a:schemeClr val="accent1"/>
-                </a:solidFill>
-              </a14:hiddenFill>
-            </a:ext>
-            <a:ext uri="{91240B29-F687-4F45-9708-019B960494DF}">
-              <a14:hiddenLine xmlns:a14="http://schemas.microsoft.com/office/drawing/2010/main" w="9525">
-                <a:solidFill>
-                  <a:schemeClr val="tx1"/>
-                </a:solidFill>
-                <a:miter lim="800000"/>
-                <a:headEnd/>
-                <a:tailEnd/>
-              </a14:hiddenLine>
-            </a:ext>
-          </a:extLst>
-        </p:spPr>
-      </p:pic>
+          <a:p>
+            <a:r>
+              <a:rPr lang="de-DE" sz="1800" dirty="0" smtClean="0"/>
+              <a:t>Repository soll Änderungen speichern, sobald sich eine Eigenschaft einer Person (oder einer Anschrift) ändert.</a:t>
+            </a:r>
+            <a:endParaRPr lang="de-DE" sz="1800" dirty="0"/>
+          </a:p>
+        </p:txBody>
+      </p:sp>
       <p:sp>
         <p:nvSpPr>
           <p:cNvPr id="2" name="Titel 1"/>
@@ -4610,14 +6092,14 @@
       </p:sp>
       <p:pic>
         <p:nvPicPr>
-          <p:cNvPr id="1028" name="Picture 4"/>
+          <p:cNvPr id="1026" name="Picture 2"/>
           <p:cNvPicPr>
             <a:picLocks noChangeAspect="1" noChangeArrowheads="1"/>
           </p:cNvPicPr>
           <p:nvPr/>
         </p:nvPicPr>
         <p:blipFill>
-          <a:blip r:embed="rId3">
+          <a:blip r:embed="rId2">
             <a:extLst>
               <a:ext uri="{28A0092B-C50C-407E-A947-70E740481C1C}">
                 <a14:useLocalDpi xmlns:a14="http://schemas.microsoft.com/office/drawing/2010/main" val="0"/>
@@ -4631,136 +6113,8 @@
         </p:blipFill>
         <p:spPr bwMode="auto">
           <a:xfrm>
-            <a:off x="467544" y="2924944"/>
-            <a:ext cx="2202284" cy="1882651"/>
-          </a:xfrm>
-          <a:prstGeom prst="rect">
-            <a:avLst/>
-          </a:prstGeom>
-          <a:noFill/>
-          <a:ln>
-            <a:noFill/>
-          </a:ln>
-          <a:effectLst/>
-          <a:extLst>
-            <a:ext uri="{909E8E84-426E-40DD-AFC4-6F175D3DCCD1}">
-              <a14:hiddenFill xmlns:a14="http://schemas.microsoft.com/office/drawing/2010/main">
-                <a:solidFill>
-                  <a:schemeClr val="accent1"/>
-                </a:solidFill>
-              </a14:hiddenFill>
-            </a:ext>
-            <a:ext uri="{91240B29-F687-4F45-9708-019B960494DF}">
-              <a14:hiddenLine xmlns:a14="http://schemas.microsoft.com/office/drawing/2010/main" w="9525">
-                <a:solidFill>
-                  <a:schemeClr val="tx1"/>
-                </a:solidFill>
-                <a:miter lim="800000"/>
-                <a:headEnd/>
-                <a:tailEnd/>
-              </a14:hiddenLine>
-            </a:ext>
-            <a:ext uri="{AF507438-7753-43E0-B8FC-AC1667EBCBE1}">
-              <a14:hiddenEffects xmlns:a14="http://schemas.microsoft.com/office/drawing/2010/main">
-                <a:effectLst>
-                  <a:outerShdw dist="35921" dir="2700000" algn="ctr" rotWithShape="0">
-                    <a:schemeClr val="bg2"/>
-                  </a:outerShdw>
-                </a:effectLst>
-              </a14:hiddenEffects>
-            </a:ext>
-          </a:extLst>
-        </p:spPr>
-      </p:pic>
-      <p:pic>
-        <p:nvPicPr>
-          <p:cNvPr id="1030" name="Picture 6"/>
-          <p:cNvPicPr>
-            <a:picLocks noChangeAspect="1" noChangeArrowheads="1"/>
-          </p:cNvPicPr>
-          <p:nvPr/>
-        </p:nvPicPr>
-        <p:blipFill>
-          <a:blip r:embed="rId4">
-            <a:extLst>
-              <a:ext uri="{28A0092B-C50C-407E-A947-70E740481C1C}">
-                <a14:useLocalDpi xmlns:a14="http://schemas.microsoft.com/office/drawing/2010/main" val="0"/>
-              </a:ext>
-            </a:extLst>
-          </a:blip>
-          <a:srcRect/>
-          <a:stretch>
-            <a:fillRect/>
-          </a:stretch>
-        </p:blipFill>
-        <p:spPr bwMode="auto">
-          <a:xfrm>
-            <a:off x="5658916" y="3091932"/>
-            <a:ext cx="2837712" cy="972493"/>
-          </a:xfrm>
-          <a:prstGeom prst="rect">
-            <a:avLst/>
-          </a:prstGeom>
-          <a:noFill/>
-          <a:ln>
-            <a:noFill/>
-          </a:ln>
-          <a:effectLst/>
-          <a:extLst>
-            <a:ext uri="{909E8E84-426E-40DD-AFC4-6F175D3DCCD1}">
-              <a14:hiddenFill xmlns:a14="http://schemas.microsoft.com/office/drawing/2010/main">
-                <a:solidFill>
-                  <a:schemeClr val="accent1"/>
-                </a:solidFill>
-              </a14:hiddenFill>
-            </a:ext>
-            <a:ext uri="{91240B29-F687-4F45-9708-019B960494DF}">
-              <a14:hiddenLine xmlns:a14="http://schemas.microsoft.com/office/drawing/2010/main" w="9525">
-                <a:solidFill>
-                  <a:schemeClr val="tx1"/>
-                </a:solidFill>
-                <a:miter lim="800000"/>
-                <a:headEnd/>
-                <a:tailEnd/>
-              </a14:hiddenLine>
-            </a:ext>
-            <a:ext uri="{AF507438-7753-43E0-B8FC-AC1667EBCBE1}">
-              <a14:hiddenEffects xmlns:a14="http://schemas.microsoft.com/office/drawing/2010/main">
-                <a:effectLst>
-                  <a:outerShdw dist="35921" dir="2700000" algn="ctr" rotWithShape="0">
-                    <a:schemeClr val="bg2"/>
-                  </a:outerShdw>
-                </a:effectLst>
-              </a14:hiddenEffects>
-            </a:ext>
-          </a:extLst>
-        </p:spPr>
-      </p:pic>
-      <p:pic>
-        <p:nvPicPr>
-          <p:cNvPr id="1032" name="Picture 8"/>
-          <p:cNvPicPr>
-            <a:picLocks noChangeAspect="1" noChangeArrowheads="1"/>
-          </p:cNvPicPr>
-          <p:nvPr/>
-        </p:nvPicPr>
-        <p:blipFill>
-          <a:blip r:embed="rId5">
-            <a:extLst>
-              <a:ext uri="{28A0092B-C50C-407E-A947-70E740481C1C}">
-                <a14:useLocalDpi xmlns:a14="http://schemas.microsoft.com/office/drawing/2010/main" val="0"/>
-              </a:ext>
-            </a:extLst>
-          </a:blip>
-          <a:srcRect/>
-          <a:stretch>
-            <a:fillRect/>
-          </a:stretch>
-        </p:blipFill>
-        <p:spPr bwMode="auto">
-          <a:xfrm>
-            <a:off x="5148064" y="2183790"/>
-            <a:ext cx="2953020" cy="3547917"/>
+            <a:off x="1115615" y="2523168"/>
+            <a:ext cx="6340529" cy="1884465"/>
           </a:xfrm>
           <a:prstGeom prst="rect">
             <a:avLst/>
@@ -4803,7 +6157,7 @@
     </p:spTree>
     <p:extLst>
       <p:ext uri="{BB962C8B-B14F-4D97-AF65-F5344CB8AC3E}">
-        <p14:creationId xmlns:p14="http://schemas.microsoft.com/office/powerpoint/2010/main" val="4207112113"/>
+        <p14:creationId xmlns:p14="http://schemas.microsoft.com/office/powerpoint/2010/main" val="474448840"/>
       </p:ext>
     </p:extLst>
   </p:cSld>
@@ -4877,7 +6231,7 @@
                                         <p:tgtEl>
                                           <p:spTgt spid="6">
                                             <p:txEl>
-                                              <p:pRg st="9" end="9"/>
+                                              <p:pRg st="8" end="8"/>
                                             </p:txEl>
                                           </p:spTgt>
                                         </p:tgtEl>
@@ -4908,7 +6262,7 @@
                                         <p:tgtEl>
                                           <p:spTgt spid="6">
                                             <p:txEl>
-                                              <p:pRg st="10" end="10"/>
+                                              <p:pRg st="9" end="9"/>
                                             </p:txEl>
                                           </p:spTgt>
                                         </p:tgtEl>
@@ -4937,124 +6291,7 @@
                                           </p:stCondLst>
                                         </p:cTn>
                                         <p:tgtEl>
-                                          <p:spTgt spid="1028"/>
-                                        </p:tgtEl>
-                                        <p:attrNameLst>
-                                          <p:attrName>style.visibility</p:attrName>
-                                        </p:attrNameLst>
-                                      </p:cBhvr>
-                                      <p:to>
-                                        <p:strVal val="visible"/>
-                                      </p:to>
-                                    </p:set>
-                                  </p:childTnLst>
-                                </p:cTn>
-                              </p:par>
-                              <p:par>
-                                <p:cTn id="13" presetID="1" presetClass="entr" presetSubtype="0" fill="hold" nodeType="withEffect">
-                                  <p:stCondLst>
-                                    <p:cond delay="0"/>
-                                  </p:stCondLst>
-                                  <p:childTnLst>
-                                    <p:set>
-                                      <p:cBhvr>
-                                        <p:cTn id="14" dur="1" fill="hold">
-                                          <p:stCondLst>
-                                            <p:cond delay="0"/>
-                                          </p:stCondLst>
-                                        </p:cTn>
-                                        <p:tgtEl>
-                                          <p:spTgt spid="1030"/>
-                                        </p:tgtEl>
-                                        <p:attrNameLst>
-                                          <p:attrName>style.visibility</p:attrName>
-                                        </p:attrNameLst>
-                                      </p:cBhvr>
-                                      <p:to>
-                                        <p:strVal val="visible"/>
-                                      </p:to>
-                                    </p:set>
-                                  </p:childTnLst>
-                                </p:cTn>
-                              </p:par>
-                            </p:childTnLst>
-                          </p:cTn>
-                        </p:par>
-                      </p:childTnLst>
-                    </p:cTn>
-                  </p:par>
-                  <p:par>
-                    <p:cTn id="15" fill="hold">
-                      <p:stCondLst>
-                        <p:cond delay="indefinite"/>
-                      </p:stCondLst>
-                      <p:childTnLst>
-                        <p:par>
-                          <p:cTn id="16" fill="hold">
-                            <p:stCondLst>
-                              <p:cond delay="0"/>
-                            </p:stCondLst>
-                            <p:childTnLst>
-                              <p:par>
-                                <p:cTn id="17" presetID="1" presetClass="entr" presetSubtype="0" fill="hold" nodeType="clickEffect">
-                                  <p:stCondLst>
-                                    <p:cond delay="0"/>
-                                  </p:stCondLst>
-                                  <p:childTnLst>
-                                    <p:set>
-                                      <p:cBhvr>
-                                        <p:cTn id="18" dur="1" fill="hold">
-                                          <p:stCondLst>
-                                            <p:cond delay="0"/>
-                                          </p:stCondLst>
-                                        </p:cTn>
-                                        <p:tgtEl>
-                                          <p:spTgt spid="1032"/>
-                                        </p:tgtEl>
-                                        <p:attrNameLst>
-                                          <p:attrName>style.visibility</p:attrName>
-                                        </p:attrNameLst>
-                                      </p:cBhvr>
-                                      <p:to>
-                                        <p:strVal val="visible"/>
-                                      </p:to>
-                                    </p:set>
-                                  </p:childTnLst>
-                                </p:cTn>
-                              </p:par>
-                            </p:childTnLst>
-                          </p:cTn>
-                        </p:par>
-                      </p:childTnLst>
-                    </p:cTn>
-                  </p:par>
-                  <p:par>
-                    <p:cTn id="19" fill="hold">
-                      <p:stCondLst>
-                        <p:cond delay="indefinite"/>
-                      </p:stCondLst>
-                      <p:childTnLst>
-                        <p:par>
-                          <p:cTn id="20" fill="hold">
-                            <p:stCondLst>
-                              <p:cond delay="0"/>
-                            </p:stCondLst>
-                            <p:childTnLst>
-                              <p:par>
-                                <p:cTn id="21" presetID="1" presetClass="entr" presetSubtype="0" fill="hold" nodeType="clickEffect">
-                                  <p:stCondLst>
-                                    <p:cond delay="0"/>
-                                  </p:stCondLst>
-                                  <p:childTnLst>
-                                    <p:set>
-                                      <p:cBhvr>
-                                        <p:cTn id="22" dur="1" fill="hold">
-                                          <p:stCondLst>
-                                            <p:cond delay="0"/>
-                                          </p:stCondLst>
-                                        </p:cTn>
-                                        <p:tgtEl>
-                                          <p:spTgt spid="1029"/>
+                                          <p:spTgt spid="1026"/>
                                         </p:tgtEl>
                                         <p:attrNameLst>
                                           <p:attrName>style.visibility</p:attrName>
@@ -5117,6 +6354,718 @@
       </p:grpSpPr>
       <p:sp>
         <p:nvSpPr>
+          <p:cNvPr id="6" name="Inhaltsplatzhalter 5"/>
+          <p:cNvSpPr>
+            <a:spLocks noGrp="1"/>
+          </p:cNvSpPr>
+          <p:nvPr>
+            <p:ph idx="1"/>
+          </p:nvPr>
+        </p:nvSpPr>
+        <p:spPr>
+          <a:xfrm>
+            <a:off x="457200" y="1052736"/>
+            <a:ext cx="8229600" cy="5400600"/>
+          </a:xfrm>
+        </p:spPr>
+        <p:txBody>
+          <a:bodyPr>
+            <a:normAutofit/>
+          </a:bodyPr>
+          <a:lstStyle/>
+          <a:p>
+            <a:pPr marL="0" indent="0">
+              <a:buNone/>
+            </a:pPr>
+            <a:r>
+              <a:rPr lang="de-DE" sz="2000" b="1" dirty="0" smtClean="0"/>
+              <a:t>Anwendungsbeispiel</a:t>
+            </a:r>
+            <a:r>
+              <a:rPr lang="de-DE" sz="2000" b="1" dirty="0" smtClean="0"/>
+              <a:t>:</a:t>
+            </a:r>
+          </a:p>
+          <a:p>
+            <a:pPr marL="0" indent="0">
+              <a:buNone/>
+            </a:pPr>
+            <a:endParaRPr lang="de-DE" sz="2800" dirty="0"/>
+          </a:p>
+          <a:p>
+            <a:pPr marL="0" indent="0">
+              <a:buNone/>
+            </a:pPr>
+            <a:endParaRPr lang="de-DE" sz="2800" dirty="0" smtClean="0"/>
+          </a:p>
+          <a:p>
+            <a:pPr marL="0" indent="0">
+              <a:buNone/>
+            </a:pPr>
+            <a:endParaRPr lang="de-DE" sz="2800" dirty="0"/>
+          </a:p>
+          <a:p>
+            <a:pPr marL="0" indent="0">
+              <a:buNone/>
+            </a:pPr>
+            <a:endParaRPr lang="de-DE" sz="2800" dirty="0" smtClean="0"/>
+          </a:p>
+          <a:p>
+            <a:pPr marL="0" indent="0">
+              <a:buNone/>
+            </a:pPr>
+            <a:endParaRPr lang="de-DE" sz="2000" dirty="0" smtClean="0"/>
+          </a:p>
+          <a:p>
+            <a:pPr marL="0" indent="0">
+              <a:buNone/>
+            </a:pPr>
+            <a:endParaRPr lang="de-DE" sz="2000" dirty="0" smtClean="0"/>
+          </a:p>
+          <a:p>
+            <a:pPr marL="0" indent="0">
+              <a:buNone/>
+            </a:pPr>
+            <a:endParaRPr lang="de-DE" sz="2000" dirty="0"/>
+          </a:p>
+          <a:p>
+            <a:pPr marL="0" indent="0">
+              <a:buNone/>
+            </a:pPr>
+            <a:r>
+              <a:rPr lang="de-DE" sz="2000" dirty="0" smtClean="0"/>
+              <a:t>Aufgabe:</a:t>
+            </a:r>
+            <a:endParaRPr lang="de-DE" sz="2000" dirty="0"/>
+          </a:p>
+          <a:p>
+            <a:r>
+              <a:rPr lang="de-DE" sz="1800" dirty="0" smtClean="0"/>
+              <a:t>Repository soll Änderungen speichern, sobald sich eine Eigenschaft einer Person (oder einer Anschrift) ändert.</a:t>
+            </a:r>
+          </a:p>
+          <a:p>
+            <a:pPr marL="0" indent="0">
+              <a:buNone/>
+            </a:pPr>
+            <a:r>
+              <a:rPr lang="de-DE" sz="2000" dirty="0" smtClean="0"/>
+              <a:t>Probleme: </a:t>
+            </a:r>
+            <a:r>
+              <a:rPr lang="de-DE" sz="1800" dirty="0" smtClean="0"/>
+              <a:t>Hohe beidseitige Kopplung, keine einheitliche Schnittstelle, nur ein Repository möglich</a:t>
+            </a:r>
+            <a:endParaRPr lang="de-DE" sz="1800" dirty="0"/>
+          </a:p>
+        </p:txBody>
+      </p:sp>
+      <p:sp>
+        <p:nvSpPr>
+          <p:cNvPr id="2" name="Titel 1"/>
+          <p:cNvSpPr>
+            <a:spLocks noGrp="1"/>
+          </p:cNvSpPr>
+          <p:nvPr>
+            <p:ph type="title"/>
+          </p:nvPr>
+        </p:nvSpPr>
+        <p:spPr/>
+        <p:txBody>
+          <a:bodyPr>
+            <a:normAutofit fontScale="90000"/>
+          </a:bodyPr>
+          <a:lstStyle/>
+          <a:p>
+            <a:r>
+              <a:rPr lang="de-DE" dirty="0" smtClean="0"/>
+              <a:t>Design Pattern „Observer“</a:t>
+            </a:r>
+            <a:endParaRPr lang="de-DE" dirty="0"/>
+          </a:p>
+        </p:txBody>
+      </p:sp>
+      <p:pic>
+        <p:nvPicPr>
+          <p:cNvPr id="2052" name="Picture 4"/>
+          <p:cNvPicPr>
+            <a:picLocks noChangeAspect="1" noChangeArrowheads="1"/>
+          </p:cNvPicPr>
+          <p:nvPr/>
+        </p:nvPicPr>
+        <p:blipFill>
+          <a:blip r:embed="rId2">
+            <a:extLst>
+              <a:ext uri="{28A0092B-C50C-407E-A947-70E740481C1C}">
+                <a14:useLocalDpi xmlns:a14="http://schemas.microsoft.com/office/drawing/2010/main" val="0"/>
+              </a:ext>
+            </a:extLst>
+          </a:blip>
+          <a:srcRect/>
+          <a:stretch>
+            <a:fillRect/>
+          </a:stretch>
+        </p:blipFill>
+        <p:spPr bwMode="auto">
+          <a:xfrm>
+            <a:off x="1231316" y="1412776"/>
+            <a:ext cx="6264366" cy="2893320"/>
+          </a:xfrm>
+          <a:prstGeom prst="rect">
+            <a:avLst/>
+          </a:prstGeom>
+          <a:noFill/>
+          <a:ln>
+            <a:noFill/>
+          </a:ln>
+          <a:effectLst/>
+          <a:extLst>
+            <a:ext uri="{909E8E84-426E-40DD-AFC4-6F175D3DCCD1}">
+              <a14:hiddenFill xmlns:a14="http://schemas.microsoft.com/office/drawing/2010/main">
+                <a:solidFill>
+                  <a:schemeClr val="accent1"/>
+                </a:solidFill>
+              </a14:hiddenFill>
+            </a:ext>
+            <a:ext uri="{91240B29-F687-4F45-9708-019B960494DF}">
+              <a14:hiddenLine xmlns:a14="http://schemas.microsoft.com/office/drawing/2010/main" w="9525">
+                <a:solidFill>
+                  <a:schemeClr val="tx1"/>
+                </a:solidFill>
+                <a:miter lim="800000"/>
+                <a:headEnd/>
+                <a:tailEnd/>
+              </a14:hiddenLine>
+            </a:ext>
+            <a:ext uri="{AF507438-7753-43E0-B8FC-AC1667EBCBE1}">
+              <a14:hiddenEffects xmlns:a14="http://schemas.microsoft.com/office/drawing/2010/main">
+                <a:effectLst>
+                  <a:outerShdw dist="35921" dir="2700000" algn="ctr" rotWithShape="0">
+                    <a:schemeClr val="bg2"/>
+                  </a:outerShdw>
+                </a:effectLst>
+              </a14:hiddenEffects>
+            </a:ext>
+          </a:extLst>
+        </p:spPr>
+      </p:pic>
+    </p:spTree>
+    <p:extLst>
+      <p:ext uri="{BB962C8B-B14F-4D97-AF65-F5344CB8AC3E}">
+        <p14:creationId xmlns:p14="http://schemas.microsoft.com/office/powerpoint/2010/main" val="2529287775"/>
+      </p:ext>
+    </p:extLst>
+  </p:cSld>
+  <p:clrMapOvr>
+    <a:masterClrMapping/>
+  </p:clrMapOvr>
+  <p:timing>
+    <p:tnLst>
+      <p:par>
+        <p:cTn id="1" dur="indefinite" restart="never" nodeType="tmRoot"/>
+      </p:par>
+    </p:tnLst>
+  </p:timing>
+</p:sld>
+</file>
+
+<file path=ppt/slides/slide6.xml><?xml version="1.0" encoding="utf-8"?>
+<p:sld xmlns:a="http://schemas.openxmlformats.org/drawingml/2006/main" xmlns:r="http://schemas.openxmlformats.org/officeDocument/2006/relationships" xmlns:p="http://schemas.openxmlformats.org/presentationml/2006/main">
+  <p:cSld>
+    <p:spTree>
+      <p:nvGrpSpPr>
+        <p:cNvPr id="1" name=""/>
+        <p:cNvGrpSpPr/>
+        <p:nvPr/>
+      </p:nvGrpSpPr>
+      <p:grpSpPr>
+        <a:xfrm>
+          <a:off x="0" y="0"/>
+          <a:ext cx="0" cy="0"/>
+          <a:chOff x="0" y="0"/>
+          <a:chExt cx="0" cy="0"/>
+        </a:xfrm>
+      </p:grpSpPr>
+      <p:sp>
+        <p:nvSpPr>
+          <p:cNvPr id="6" name="Inhaltsplatzhalter 5"/>
+          <p:cNvSpPr>
+            <a:spLocks noGrp="1"/>
+          </p:cNvSpPr>
+          <p:nvPr>
+            <p:ph idx="1"/>
+          </p:nvPr>
+        </p:nvSpPr>
+        <p:spPr>
+          <a:xfrm>
+            <a:off x="457200" y="1052736"/>
+            <a:ext cx="8229600" cy="5544616"/>
+          </a:xfrm>
+        </p:spPr>
+        <p:txBody>
+          <a:bodyPr>
+            <a:normAutofit/>
+          </a:bodyPr>
+          <a:lstStyle/>
+          <a:p>
+            <a:pPr marL="0" indent="0">
+              <a:buNone/>
+            </a:pPr>
+            <a:r>
+              <a:rPr lang="de-DE" sz="2000" b="1" dirty="0" smtClean="0"/>
+              <a:t>Anwendungsbeispiel</a:t>
+            </a:r>
+            <a:r>
+              <a:rPr lang="de-DE" sz="2000" b="1" dirty="0" smtClean="0"/>
+              <a:t>:</a:t>
+            </a:r>
+          </a:p>
+          <a:p>
+            <a:pPr marL="0" indent="0">
+              <a:buNone/>
+            </a:pPr>
+            <a:endParaRPr lang="de-DE" sz="2800" dirty="0"/>
+          </a:p>
+          <a:p>
+            <a:pPr marL="0" indent="0">
+              <a:buNone/>
+            </a:pPr>
+            <a:endParaRPr lang="de-DE" sz="2800" dirty="0" smtClean="0"/>
+          </a:p>
+          <a:p>
+            <a:pPr marL="0" indent="0">
+              <a:buNone/>
+            </a:pPr>
+            <a:endParaRPr lang="de-DE" sz="2800" dirty="0"/>
+          </a:p>
+          <a:p>
+            <a:pPr marL="0" indent="0">
+              <a:buNone/>
+            </a:pPr>
+            <a:endParaRPr lang="de-DE" sz="2800" dirty="0" smtClean="0"/>
+          </a:p>
+          <a:p>
+            <a:pPr marL="0" indent="0">
+              <a:buNone/>
+            </a:pPr>
+            <a:endParaRPr lang="de-DE" sz="2000" dirty="0" smtClean="0"/>
+          </a:p>
+          <a:p>
+            <a:pPr marL="0" indent="0">
+              <a:buNone/>
+            </a:pPr>
+            <a:endParaRPr lang="de-DE" sz="2000" dirty="0" smtClean="0"/>
+          </a:p>
+          <a:p>
+            <a:pPr marL="0" indent="0">
+              <a:buNone/>
+            </a:pPr>
+            <a:endParaRPr lang="de-DE" sz="2000" dirty="0"/>
+          </a:p>
+          <a:p>
+            <a:pPr marL="0" indent="0">
+              <a:buNone/>
+            </a:pPr>
+            <a:r>
+              <a:rPr lang="de-DE" sz="2000" dirty="0" smtClean="0"/>
+              <a:t>Aufgabe:</a:t>
+            </a:r>
+            <a:endParaRPr lang="de-DE" sz="2000" dirty="0"/>
+          </a:p>
+          <a:p>
+            <a:r>
+              <a:rPr lang="de-DE" sz="1800" dirty="0" smtClean="0"/>
+              <a:t>Repository soll Änderungen speichern, sobald sich eine Eigenschaft einer Person (oder einer Anschrift) ändert.</a:t>
+            </a:r>
+          </a:p>
+          <a:p>
+            <a:pPr marL="0" indent="0">
+              <a:buNone/>
+            </a:pPr>
+            <a:r>
+              <a:rPr lang="de-DE" sz="2000" dirty="0" smtClean="0"/>
+              <a:t>Probleme: </a:t>
+            </a:r>
+            <a:r>
+              <a:rPr lang="de-DE" sz="1800" dirty="0" smtClean="0"/>
+              <a:t>Hohe beidseitige Kopplung, keine einheitliche Schnittstelle, nur ein Repository möglich, weitere Interessenten an den gleichen Änderungen sind nur schwer zu ergänzen</a:t>
+            </a:r>
+            <a:endParaRPr lang="de-DE" sz="1800" dirty="0"/>
+          </a:p>
+        </p:txBody>
+      </p:sp>
+      <p:sp>
+        <p:nvSpPr>
+          <p:cNvPr id="2" name="Titel 1"/>
+          <p:cNvSpPr>
+            <a:spLocks noGrp="1"/>
+          </p:cNvSpPr>
+          <p:nvPr>
+            <p:ph type="title"/>
+          </p:nvPr>
+        </p:nvSpPr>
+        <p:spPr/>
+        <p:txBody>
+          <a:bodyPr>
+            <a:normAutofit fontScale="90000"/>
+          </a:bodyPr>
+          <a:lstStyle/>
+          <a:p>
+            <a:r>
+              <a:rPr lang="de-DE" dirty="0" smtClean="0"/>
+              <a:t>Design Pattern „Observer“</a:t>
+            </a:r>
+            <a:endParaRPr lang="de-DE" dirty="0"/>
+          </a:p>
+        </p:txBody>
+      </p:sp>
+      <p:pic>
+        <p:nvPicPr>
+          <p:cNvPr id="4098" name="Picture 2"/>
+          <p:cNvPicPr>
+            <a:picLocks noChangeAspect="1" noChangeArrowheads="1"/>
+          </p:cNvPicPr>
+          <p:nvPr/>
+        </p:nvPicPr>
+        <p:blipFill>
+          <a:blip r:embed="rId2">
+            <a:extLst>
+              <a:ext uri="{28A0092B-C50C-407E-A947-70E740481C1C}">
+                <a14:useLocalDpi xmlns:a14="http://schemas.microsoft.com/office/drawing/2010/main" val="0"/>
+              </a:ext>
+            </a:extLst>
+          </a:blip>
+          <a:srcRect/>
+          <a:stretch>
+            <a:fillRect/>
+          </a:stretch>
+        </p:blipFill>
+        <p:spPr bwMode="auto">
+          <a:xfrm>
+            <a:off x="1547664" y="1124745"/>
+            <a:ext cx="5328592" cy="3788822"/>
+          </a:xfrm>
+          <a:prstGeom prst="rect">
+            <a:avLst/>
+          </a:prstGeom>
+          <a:noFill/>
+          <a:ln>
+            <a:noFill/>
+          </a:ln>
+          <a:effectLst/>
+          <a:extLst>
+            <a:ext uri="{909E8E84-426E-40DD-AFC4-6F175D3DCCD1}">
+              <a14:hiddenFill xmlns:a14="http://schemas.microsoft.com/office/drawing/2010/main">
+                <a:solidFill>
+                  <a:schemeClr val="accent1"/>
+                </a:solidFill>
+              </a14:hiddenFill>
+            </a:ext>
+            <a:ext uri="{91240B29-F687-4F45-9708-019B960494DF}">
+              <a14:hiddenLine xmlns:a14="http://schemas.microsoft.com/office/drawing/2010/main" w="9525">
+                <a:solidFill>
+                  <a:schemeClr val="tx1"/>
+                </a:solidFill>
+                <a:miter lim="800000"/>
+                <a:headEnd/>
+                <a:tailEnd/>
+              </a14:hiddenLine>
+            </a:ext>
+            <a:ext uri="{AF507438-7753-43E0-B8FC-AC1667EBCBE1}">
+              <a14:hiddenEffects xmlns:a14="http://schemas.microsoft.com/office/drawing/2010/main">
+                <a:effectLst>
+                  <a:outerShdw dist="35921" dir="2700000" algn="ctr" rotWithShape="0">
+                    <a:schemeClr val="bg2"/>
+                  </a:outerShdw>
+                </a:effectLst>
+              </a14:hiddenEffects>
+            </a:ext>
+          </a:extLst>
+        </p:spPr>
+      </p:pic>
+    </p:spTree>
+    <p:extLst>
+      <p:ext uri="{BB962C8B-B14F-4D97-AF65-F5344CB8AC3E}">
+        <p14:creationId xmlns:p14="http://schemas.microsoft.com/office/powerpoint/2010/main" val="3020282948"/>
+      </p:ext>
+    </p:extLst>
+  </p:cSld>
+  <p:clrMapOvr>
+    <a:masterClrMapping/>
+  </p:clrMapOvr>
+  <p:timing>
+    <p:tnLst>
+      <p:par>
+        <p:cTn id="1" dur="indefinite" restart="never" nodeType="tmRoot"/>
+      </p:par>
+    </p:tnLst>
+  </p:timing>
+</p:sld>
+</file>
+
+<file path=ppt/slides/slide7.xml><?xml version="1.0" encoding="utf-8"?>
+<p:sld xmlns:a="http://schemas.openxmlformats.org/drawingml/2006/main" xmlns:r="http://schemas.openxmlformats.org/officeDocument/2006/relationships" xmlns:p="http://schemas.openxmlformats.org/presentationml/2006/main">
+  <p:cSld>
+    <p:spTree>
+      <p:nvGrpSpPr>
+        <p:cNvPr id="1" name=""/>
+        <p:cNvGrpSpPr/>
+        <p:nvPr/>
+      </p:nvGrpSpPr>
+      <p:grpSpPr>
+        <a:xfrm>
+          <a:off x="0" y="0"/>
+          <a:ext cx="0" cy="0"/>
+          <a:chOff x="0" y="0"/>
+          <a:chExt cx="0" cy="0"/>
+        </a:xfrm>
+      </p:grpSpPr>
+      <p:sp>
+        <p:nvSpPr>
+          <p:cNvPr id="6" name="Inhaltsplatzhalter 5"/>
+          <p:cNvSpPr>
+            <a:spLocks noGrp="1"/>
+          </p:cNvSpPr>
+          <p:nvPr>
+            <p:ph idx="1"/>
+          </p:nvPr>
+        </p:nvSpPr>
+        <p:spPr>
+          <a:xfrm>
+            <a:off x="457200" y="1052736"/>
+            <a:ext cx="8229600" cy="5544616"/>
+          </a:xfrm>
+        </p:spPr>
+        <p:txBody>
+          <a:bodyPr>
+            <a:normAutofit/>
+          </a:bodyPr>
+          <a:lstStyle/>
+          <a:p>
+            <a:pPr marL="0" indent="0">
+              <a:buNone/>
+            </a:pPr>
+            <a:r>
+              <a:rPr lang="de-DE" sz="2000" b="1" dirty="0" smtClean="0"/>
+              <a:t>Anwendungsbeispiel</a:t>
+            </a:r>
+            <a:r>
+              <a:rPr lang="de-DE" sz="2000" b="1" dirty="0" smtClean="0"/>
+              <a:t>:</a:t>
+            </a:r>
+          </a:p>
+          <a:p>
+            <a:pPr marL="0" indent="0">
+              <a:buNone/>
+            </a:pPr>
+            <a:endParaRPr lang="de-DE" sz="2800" dirty="0"/>
+          </a:p>
+          <a:p>
+            <a:pPr marL="0" indent="0">
+              <a:buNone/>
+            </a:pPr>
+            <a:endParaRPr lang="de-DE" sz="2800" dirty="0" smtClean="0"/>
+          </a:p>
+          <a:p>
+            <a:pPr marL="0" indent="0">
+              <a:buNone/>
+            </a:pPr>
+            <a:endParaRPr lang="de-DE" sz="2800" dirty="0"/>
+          </a:p>
+          <a:p>
+            <a:pPr marL="0" indent="0">
+              <a:buNone/>
+            </a:pPr>
+            <a:endParaRPr lang="de-DE" sz="2800" dirty="0" smtClean="0"/>
+          </a:p>
+          <a:p>
+            <a:pPr marL="0" indent="0">
+              <a:buNone/>
+            </a:pPr>
+            <a:endParaRPr lang="de-DE" sz="2000" dirty="0" smtClean="0"/>
+          </a:p>
+          <a:p>
+            <a:pPr marL="0" indent="0">
+              <a:buNone/>
+            </a:pPr>
+            <a:endParaRPr lang="de-DE" sz="2000" dirty="0" smtClean="0"/>
+          </a:p>
+          <a:p>
+            <a:pPr marL="0" indent="0">
+              <a:buNone/>
+            </a:pPr>
+            <a:endParaRPr lang="de-DE" sz="2000" dirty="0"/>
+          </a:p>
+          <a:p>
+            <a:pPr marL="0" indent="0">
+              <a:buNone/>
+            </a:pPr>
+            <a:r>
+              <a:rPr lang="de-DE" sz="2000" dirty="0" smtClean="0"/>
+              <a:t>Lösungsansatz:</a:t>
+            </a:r>
+          </a:p>
+          <a:p>
+            <a:r>
+              <a:rPr lang="de-DE" sz="1800" dirty="0" smtClean="0"/>
+              <a:t>Beobachtete Daten von Beobachtern entkoppeln. D.h. </a:t>
+            </a:r>
+            <a:r>
+              <a:rPr lang="de-DE" sz="1800" dirty="0" smtClean="0"/>
+              <a:t>Abhängigkeiten nur von Beobachtern zu den Beobachteten </a:t>
+            </a:r>
+            <a:r>
+              <a:rPr lang="de-DE" sz="1800" dirty="0"/>
+              <a:t>einführen</a:t>
+            </a:r>
+            <a:r>
+              <a:rPr lang="de-DE" sz="1800" dirty="0" smtClean="0"/>
+              <a:t>, nicht umgekehrt.</a:t>
+            </a:r>
+          </a:p>
+          <a:p>
+            <a:r>
+              <a:rPr lang="de-DE" sz="1800" dirty="0" smtClean="0"/>
+              <a:t>Beliebige viele Beobachter ermöglichen.</a:t>
+            </a:r>
+          </a:p>
+          <a:p>
+            <a:r>
+              <a:rPr lang="de-DE" sz="1800" dirty="0" smtClean="0"/>
+              <a:t>Schnittstelle für alle Beobachter einführen und alle auf gleiche Weise informieren.</a:t>
+            </a:r>
+            <a:endParaRPr lang="de-DE" sz="1800" dirty="0"/>
+          </a:p>
+        </p:txBody>
+      </p:sp>
+      <p:sp>
+        <p:nvSpPr>
+          <p:cNvPr id="2" name="Titel 1"/>
+          <p:cNvSpPr>
+            <a:spLocks noGrp="1"/>
+          </p:cNvSpPr>
+          <p:nvPr>
+            <p:ph type="title"/>
+          </p:nvPr>
+        </p:nvSpPr>
+        <p:spPr/>
+        <p:txBody>
+          <a:bodyPr>
+            <a:normAutofit fontScale="90000"/>
+          </a:bodyPr>
+          <a:lstStyle/>
+          <a:p>
+            <a:r>
+              <a:rPr lang="de-DE" dirty="0" smtClean="0"/>
+              <a:t>Design Pattern „Observer“</a:t>
+            </a:r>
+            <a:endParaRPr lang="de-DE" dirty="0"/>
+          </a:p>
+        </p:txBody>
+      </p:sp>
+      <p:pic>
+        <p:nvPicPr>
+          <p:cNvPr id="5122" name="Picture 2"/>
+          <p:cNvPicPr>
+            <a:picLocks noChangeAspect="1" noChangeArrowheads="1"/>
+          </p:cNvPicPr>
+          <p:nvPr/>
+        </p:nvPicPr>
+        <p:blipFill>
+          <a:blip r:embed="rId2">
+            <a:extLst>
+              <a:ext uri="{28A0092B-C50C-407E-A947-70E740481C1C}">
+                <a14:useLocalDpi xmlns:a14="http://schemas.microsoft.com/office/drawing/2010/main" val="0"/>
+              </a:ext>
+            </a:extLst>
+          </a:blip>
+          <a:srcRect/>
+          <a:stretch>
+            <a:fillRect/>
+          </a:stretch>
+        </p:blipFill>
+        <p:spPr bwMode="auto">
+          <a:xfrm>
+            <a:off x="1115616" y="1518320"/>
+            <a:ext cx="6937897" cy="2826317"/>
+          </a:xfrm>
+          <a:prstGeom prst="rect">
+            <a:avLst/>
+          </a:prstGeom>
+          <a:noFill/>
+          <a:ln>
+            <a:noFill/>
+          </a:ln>
+          <a:effectLst/>
+          <a:extLst>
+            <a:ext uri="{909E8E84-426E-40DD-AFC4-6F175D3DCCD1}">
+              <a14:hiddenFill xmlns:a14="http://schemas.microsoft.com/office/drawing/2010/main">
+                <a:solidFill>
+                  <a:schemeClr val="accent1"/>
+                </a:solidFill>
+              </a14:hiddenFill>
+            </a:ext>
+            <a:ext uri="{91240B29-F687-4F45-9708-019B960494DF}">
+              <a14:hiddenLine xmlns:a14="http://schemas.microsoft.com/office/drawing/2010/main" w="9525">
+                <a:solidFill>
+                  <a:schemeClr val="tx1"/>
+                </a:solidFill>
+                <a:miter lim="800000"/>
+                <a:headEnd/>
+                <a:tailEnd/>
+              </a14:hiddenLine>
+            </a:ext>
+            <a:ext uri="{AF507438-7753-43E0-B8FC-AC1667EBCBE1}">
+              <a14:hiddenEffects xmlns:a14="http://schemas.microsoft.com/office/drawing/2010/main">
+                <a:effectLst>
+                  <a:outerShdw dist="35921" dir="2700000" algn="ctr" rotWithShape="0">
+                    <a:schemeClr val="bg2"/>
+                  </a:outerShdw>
+                </a:effectLst>
+              </a14:hiddenEffects>
+            </a:ext>
+          </a:extLst>
+        </p:spPr>
+      </p:pic>
+    </p:spTree>
+    <p:extLst>
+      <p:ext uri="{BB962C8B-B14F-4D97-AF65-F5344CB8AC3E}">
+        <p14:creationId xmlns:p14="http://schemas.microsoft.com/office/powerpoint/2010/main" val="1633079075"/>
+      </p:ext>
+    </p:extLst>
+  </p:cSld>
+  <p:clrMapOvr>
+    <a:masterClrMapping/>
+  </p:clrMapOvr>
+  <p:timing>
+    <p:tnLst>
+      <p:par>
+        <p:cTn id="1" dur="indefinite" restart="never" nodeType="tmRoot"/>
+      </p:par>
+    </p:tnLst>
+  </p:timing>
+</p:sld>
+</file>
+
+<file path=ppt/slides/slide8.xml><?xml version="1.0" encoding="utf-8"?>
+<p:sld xmlns:a="http://schemas.openxmlformats.org/drawingml/2006/main" xmlns:r="http://schemas.openxmlformats.org/officeDocument/2006/relationships" xmlns:p="http://schemas.openxmlformats.org/presentationml/2006/main">
+  <p:cSld>
+    <p:spTree>
+      <p:nvGrpSpPr>
+        <p:cNvPr id="1" name=""/>
+        <p:cNvGrpSpPr/>
+        <p:nvPr/>
+      </p:nvGrpSpPr>
+      <p:grpSpPr>
+        <a:xfrm>
+          <a:off x="0" y="0"/>
+          <a:ext cx="0" cy="0"/>
+          <a:chOff x="0" y="0"/>
+          <a:chExt cx="0" cy="0"/>
+        </a:xfrm>
+      </p:grpSpPr>
+      <p:sp>
+        <p:nvSpPr>
           <p:cNvPr id="8" name="Inhaltsplatzhalter 2"/>
           <p:cNvSpPr txBox="1">
             <a:spLocks/>
@@ -5126,7 +7075,7 @@
         <p:spPr>
           <a:xfrm>
             <a:off x="457200" y="4941168"/>
-            <a:ext cx="8229600" cy="1440160"/>
+            <a:ext cx="8229600" cy="1584176"/>
           </a:xfrm>
           <a:prstGeom prst="rect">
             <a:avLst/>
@@ -5134,7 +7083,7 @@
         </p:spPr>
         <p:txBody>
           <a:bodyPr vert="horz" lIns="91440" tIns="45720" rIns="91440" bIns="45720" rtlCol="0">
-            <a:normAutofit fontScale="77500" lnSpcReduction="20000"/>
+            <a:normAutofit/>
           </a:bodyPr>
           <a:lstStyle>
             <a:lvl1pPr marL="342900" indent="-342900" algn="l" defTabSz="914400" rtl="0" eaLnBrk="1" latinLnBrk="0" hangingPunct="1">
@@ -5275,32 +7224,51 @@
           </a:lstStyle>
           <a:p>
             <a:r>
-              <a:rPr lang="de-DE" sz="2800" dirty="0" err="1" smtClean="0"/>
+              <a:rPr lang="de-DE" sz="1800" dirty="0" err="1" smtClean="0"/>
               <a:t>Subject</a:t>
             </a:r>
             <a:r>
-              <a:rPr lang="de-DE" sz="2800" dirty="0" smtClean="0"/>
+              <a:rPr lang="de-DE" sz="1800" dirty="0" smtClean="0"/>
               <a:t> bleibt von </a:t>
             </a:r>
             <a:r>
-              <a:rPr lang="de-DE" sz="2800" dirty="0" err="1" smtClean="0"/>
+              <a:rPr lang="de-DE" sz="1800" dirty="0" err="1" smtClean="0"/>
               <a:t>Observern</a:t>
             </a:r>
             <a:r>
-              <a:rPr lang="de-DE" sz="2800" dirty="0" smtClean="0"/>
+              <a:rPr lang="de-DE" sz="1800" dirty="0" smtClean="0"/>
               <a:t> unabhängig (Observer-Schnittstelle), Abhängigkeit von konkr. Observer zu konkr. </a:t>
             </a:r>
             <a:r>
-              <a:rPr lang="de-DE" sz="2800" dirty="0" err="1" smtClean="0"/>
+              <a:rPr lang="de-DE" sz="1800" dirty="0" err="1" smtClean="0"/>
               <a:t>Subject</a:t>
             </a:r>
-            <a:endParaRPr lang="de-DE" sz="2800" dirty="0" smtClean="0"/>
-          </a:p>
-          <a:p>
-            <a:r>
-              <a:rPr lang="de-DE" sz="2800" dirty="0" smtClean="0"/>
-              <a:t>beliebig viele Observer können sich jederzeit registrieren/de-registrieren</a:t>
-            </a:r>
+            <a:endParaRPr lang="de-DE" sz="1800" dirty="0" smtClean="0"/>
+          </a:p>
+          <a:p>
+            <a:r>
+              <a:rPr lang="de-DE" sz="1800" dirty="0" smtClean="0"/>
+              <a:t>beliebig viele Observer können sich jederzeit </a:t>
+            </a:r>
+            <a:r>
+              <a:rPr lang="de-DE" sz="1800" dirty="0" smtClean="0"/>
+              <a:t>registrieren/de-registrieren</a:t>
+            </a:r>
+          </a:p>
+          <a:p>
+            <a:r>
+              <a:rPr lang="de-DE" sz="1800" dirty="0" smtClean="0"/>
+              <a:t>Einheitliche Benachrichtigungsimplementierung in </a:t>
+            </a:r>
+            <a:r>
+              <a:rPr lang="de-DE" sz="1800" dirty="0" err="1" smtClean="0"/>
+              <a:t>Subject</a:t>
+            </a:r>
+            <a:r>
+              <a:rPr lang="de-DE" sz="1800" dirty="0" smtClean="0"/>
+              <a:t>-Oberklasse</a:t>
+            </a:r>
+            <a:endParaRPr lang="de-DE" sz="1800" dirty="0" smtClean="0"/>
           </a:p>
         </p:txBody>
       </p:sp>
@@ -5592,7 +7560,7 @@
 </p:sld>
 </file>
 
-<file path=ppt/slides/slide6.xml><?xml version="1.0" encoding="utf-8"?>
+<file path=ppt/slides/slide9.xml><?xml version="1.0" encoding="utf-8"?>
 <p:sld xmlns:a="http://schemas.openxmlformats.org/drawingml/2006/main" xmlns:r="http://schemas.openxmlformats.org/officeDocument/2006/relationships" xmlns:p="http://schemas.openxmlformats.org/presentationml/2006/main">
   <p:cSld>
     <p:spTree>
@@ -5867,465 +7835,16 @@
           </a:p>
         </p:txBody>
       </p:sp>
-    </p:spTree>
-    <p:extLst>
-      <p:ext uri="{BB962C8B-B14F-4D97-AF65-F5344CB8AC3E}">
-        <p14:creationId xmlns:p14="http://schemas.microsoft.com/office/powerpoint/2010/main" val="4125803747"/>
-      </p:ext>
-    </p:extLst>
-  </p:cSld>
-  <p:clrMapOvr>
-    <a:masterClrMapping/>
-  </p:clrMapOvr>
-  <p:timing>
-    <p:tnLst>
-      <p:par>
-        <p:cTn id="1" dur="indefinite" restart="never" nodeType="tmRoot"/>
-      </p:par>
-    </p:tnLst>
-  </p:timing>
-</p:sld>
-</file>
-
-<file path=ppt/slides/slide7.xml><?xml version="1.0" encoding="utf-8"?>
-<p:sld xmlns:a="http://schemas.openxmlformats.org/drawingml/2006/main" xmlns:r="http://schemas.openxmlformats.org/officeDocument/2006/relationships" xmlns:p="http://schemas.openxmlformats.org/presentationml/2006/main">
-  <p:cSld>
-    <p:spTree>
-      <p:nvGrpSpPr>
-        <p:cNvPr id="1" name=""/>
-        <p:cNvGrpSpPr/>
-        <p:nvPr/>
-      </p:nvGrpSpPr>
-      <p:grpSpPr>
-        <a:xfrm>
-          <a:off x="0" y="0"/>
-          <a:ext cx="0" cy="0"/>
-          <a:chOff x="0" y="0"/>
-          <a:chExt cx="0" cy="0"/>
-        </a:xfrm>
-      </p:grpSpPr>
-      <p:sp>
-        <p:nvSpPr>
-          <p:cNvPr id="2" name="Titel 1"/>
-          <p:cNvSpPr>
-            <a:spLocks noGrp="1"/>
-          </p:cNvSpPr>
-          <p:nvPr>
-            <p:ph type="title"/>
-          </p:nvPr>
-        </p:nvSpPr>
-        <p:spPr/>
-        <p:txBody>
-          <a:bodyPr>
-            <a:normAutofit fontScale="90000"/>
-          </a:bodyPr>
-          <a:lstStyle/>
-          <a:p>
-            <a:r>
-              <a:rPr lang="de-DE" dirty="0" smtClean="0"/>
-              <a:t>Zeitplan</a:t>
-            </a:r>
-            <a:endParaRPr lang="de-DE" dirty="0"/>
-          </a:p>
-        </p:txBody>
-      </p:sp>
-      <p:sp>
-        <p:nvSpPr>
-          <p:cNvPr id="3" name="Inhaltsplatzhalter 2"/>
-          <p:cNvSpPr>
-            <a:spLocks noGrp="1"/>
-          </p:cNvSpPr>
-          <p:nvPr>
-            <p:ph idx="1"/>
-          </p:nvPr>
-        </p:nvSpPr>
-        <p:spPr/>
-        <p:txBody>
-          <a:bodyPr>
-            <a:normAutofit fontScale="92500"/>
-          </a:bodyPr>
-          <a:lstStyle/>
-          <a:p>
-            <a:pPr marL="514350" indent="-514350">
-              <a:buFont typeface="+mj-lt"/>
-              <a:buAutoNum type="arabicPeriod"/>
-            </a:pPr>
-            <a:r>
-              <a:rPr lang="de-DE" sz="2800" dirty="0" smtClean="0">
-                <a:solidFill>
-                  <a:schemeClr val="bg1">
-                    <a:lumMod val="65000"/>
-                  </a:schemeClr>
-                </a:solidFill>
-              </a:rPr>
-              <a:t>Vorstellung des Observer-Musters </a:t>
-            </a:r>
-            <a:r>
-              <a:rPr lang="de-DE" sz="2800" dirty="0" smtClean="0">
-                <a:solidFill>
-                  <a:schemeClr val="bg1">
-                    <a:lumMod val="65000"/>
-                  </a:schemeClr>
-                </a:solidFill>
-              </a:rPr>
-              <a:t>(ca</a:t>
-            </a:r>
-            <a:r>
-              <a:rPr lang="de-DE" sz="2800" dirty="0" smtClean="0">
-                <a:solidFill>
-                  <a:schemeClr val="bg1">
-                    <a:lumMod val="65000"/>
-                  </a:schemeClr>
-                </a:solidFill>
-              </a:rPr>
-              <a:t>. </a:t>
-            </a:r>
-            <a:r>
-              <a:rPr lang="de-DE" sz="2800" dirty="0" smtClean="0">
-                <a:solidFill>
-                  <a:schemeClr val="bg1">
-                    <a:lumMod val="65000"/>
-                  </a:schemeClr>
-                </a:solidFill>
-              </a:rPr>
-              <a:t>15</a:t>
-            </a:r>
-            <a:r>
-              <a:rPr lang="de-DE" sz="2800" dirty="0" smtClean="0">
-                <a:solidFill>
-                  <a:schemeClr val="bg1">
-                    <a:lumMod val="65000"/>
-                  </a:schemeClr>
-                </a:solidFill>
-              </a:rPr>
-              <a:t> </a:t>
-            </a:r>
-            <a:r>
-              <a:rPr lang="de-DE" sz="2800" dirty="0" smtClean="0">
-                <a:solidFill>
-                  <a:schemeClr val="bg1">
-                    <a:lumMod val="65000"/>
-                  </a:schemeClr>
-                </a:solidFill>
-              </a:rPr>
-              <a:t>Min.)</a:t>
-            </a:r>
-          </a:p>
-          <a:p>
-            <a:pPr marL="914400" lvl="1" indent="-514350">
-              <a:buFont typeface="+mj-lt"/>
-              <a:buAutoNum type="arabicPeriod"/>
-            </a:pPr>
-            <a:endParaRPr lang="de-DE" sz="2400" dirty="0" smtClean="0"/>
-          </a:p>
-          <a:p>
-            <a:pPr marL="514350" indent="-514350">
-              <a:buFont typeface="+mj-lt"/>
-              <a:buAutoNum type="arabicPeriod"/>
-            </a:pPr>
-            <a:r>
-              <a:rPr lang="de-DE" sz="2800" dirty="0" smtClean="0"/>
-              <a:t>Muster selbst implementieren</a:t>
-            </a:r>
-            <a:endParaRPr lang="de-DE" sz="2800" dirty="0" smtClean="0"/>
-          </a:p>
-          <a:p>
-            <a:pPr marL="914400" lvl="1" indent="-514350">
-              <a:buFont typeface="+mj-lt"/>
-              <a:buAutoNum type="alphaLcParenR"/>
-            </a:pPr>
-            <a:r>
-              <a:rPr lang="de-DE" sz="2400" dirty="0" smtClean="0"/>
-              <a:t>Anwendungsproblem kennenlernen (ca</a:t>
-            </a:r>
-            <a:r>
-              <a:rPr lang="de-DE" sz="2400" dirty="0" smtClean="0"/>
-              <a:t>. </a:t>
-            </a:r>
-            <a:r>
-              <a:rPr lang="de-DE" sz="2400" dirty="0" smtClean="0"/>
-              <a:t>5 </a:t>
-            </a:r>
-            <a:r>
-              <a:rPr lang="de-DE" sz="2400" dirty="0" smtClean="0"/>
-              <a:t>Min</a:t>
-            </a:r>
-            <a:r>
-              <a:rPr lang="de-DE" sz="2400" dirty="0" smtClean="0"/>
-              <a:t>.)</a:t>
-            </a:r>
-          </a:p>
-          <a:p>
-            <a:pPr marL="914400" lvl="1" indent="-514350">
-              <a:buFont typeface="+mj-lt"/>
-              <a:buAutoNum type="alphaLcParenR"/>
-            </a:pPr>
-            <a:r>
-              <a:rPr lang="de-DE" sz="2400" dirty="0" smtClean="0"/>
-              <a:t>paarweise/einzeln Muster implementieren (ca. 20 Min.)</a:t>
-            </a:r>
-          </a:p>
-          <a:p>
-            <a:pPr marL="914400" lvl="1" indent="-514350">
-              <a:buFont typeface="+mj-lt"/>
-              <a:buAutoNum type="alphaLcParenR"/>
-            </a:pPr>
-            <a:endParaRPr lang="de-DE" sz="2400" dirty="0" smtClean="0"/>
-          </a:p>
-          <a:p>
-            <a:pPr marL="514350" indent="-514350">
-              <a:buFont typeface="+mj-lt"/>
-              <a:buAutoNum type="arabicPeriod"/>
-            </a:pPr>
-            <a:r>
-              <a:rPr lang="de-DE" sz="2800" dirty="0" smtClean="0"/>
-              <a:t>Diskussion / Vergleich einiger Lösungen (</a:t>
-            </a:r>
-            <a:r>
-              <a:rPr lang="de-DE" sz="2800" dirty="0" smtClean="0"/>
-              <a:t>ca. </a:t>
-            </a:r>
-            <a:r>
-              <a:rPr lang="de-DE" sz="2800" dirty="0" smtClean="0"/>
-              <a:t>10 </a:t>
-            </a:r>
-            <a:r>
-              <a:rPr lang="de-DE" sz="2800" dirty="0" smtClean="0"/>
-              <a:t>Min.)</a:t>
-            </a:r>
-          </a:p>
-          <a:p>
-            <a:pPr marL="914400" lvl="1" indent="-514350">
-              <a:buFont typeface="+mj-lt"/>
-              <a:buAutoNum type="arabicPeriod"/>
-            </a:pPr>
-            <a:endParaRPr lang="de-DE" sz="2400" dirty="0" smtClean="0"/>
-          </a:p>
-          <a:p>
-            <a:pPr marL="514350" indent="-514350">
-              <a:buFont typeface="+mj-lt"/>
-              <a:buAutoNum type="arabicPeriod"/>
-            </a:pPr>
-            <a:r>
-              <a:rPr lang="de-DE" sz="2800" dirty="0"/>
-              <a:t>Alternative Implementierung mit EMF (ca. </a:t>
-            </a:r>
-            <a:r>
-              <a:rPr lang="de-DE" sz="2800" dirty="0" smtClean="0"/>
-              <a:t>20 </a:t>
-            </a:r>
-            <a:r>
-              <a:rPr lang="de-DE" sz="2800" dirty="0"/>
-              <a:t>Min)</a:t>
-            </a:r>
-            <a:endParaRPr lang="de-DE" sz="2800" dirty="0"/>
-          </a:p>
-          <a:p>
-            <a:pPr marL="914400" lvl="1" indent="-514350">
-              <a:buFont typeface="+mj-lt"/>
-              <a:buAutoNum type="arabicPeriod"/>
-            </a:pPr>
-            <a:endParaRPr lang="de-DE" sz="2400" dirty="0" smtClean="0"/>
-          </a:p>
-          <a:p>
-            <a:pPr marL="514350" indent="-514350">
-              <a:buFont typeface="+mj-lt"/>
-              <a:buAutoNum type="arabicPeriod"/>
-            </a:pPr>
-            <a:r>
-              <a:rPr lang="de-DE" sz="2800" dirty="0" smtClean="0"/>
-              <a:t>Euer Feedback und Fazit (10 </a:t>
-            </a:r>
-            <a:r>
-              <a:rPr lang="de-DE" sz="2800" dirty="0" smtClean="0"/>
-              <a:t>Min.)</a:t>
-            </a:r>
-          </a:p>
-          <a:p>
-            <a:endParaRPr lang="de-DE" sz="2800" dirty="0"/>
-          </a:p>
-        </p:txBody>
-      </p:sp>
-    </p:spTree>
-    <p:extLst>
-      <p:ext uri="{BB962C8B-B14F-4D97-AF65-F5344CB8AC3E}">
-        <p14:creationId xmlns:p14="http://schemas.microsoft.com/office/powerpoint/2010/main" val="191821439"/>
-      </p:ext>
-    </p:extLst>
-  </p:cSld>
-  <p:clrMapOvr>
-    <a:masterClrMapping/>
-  </p:clrMapOvr>
-  <p:timing>
-    <p:tnLst>
-      <p:par>
-        <p:cTn id="1" dur="indefinite" restart="never" nodeType="tmRoot"/>
-      </p:par>
-    </p:tnLst>
-  </p:timing>
-</p:sld>
-</file>
-
-<file path=ppt/slides/slide8.xml><?xml version="1.0" encoding="utf-8"?>
-<p:sld xmlns:a="http://schemas.openxmlformats.org/drawingml/2006/main" xmlns:r="http://schemas.openxmlformats.org/officeDocument/2006/relationships" xmlns:p="http://schemas.openxmlformats.org/presentationml/2006/main">
-  <p:cSld>
-    <p:spTree>
-      <p:nvGrpSpPr>
-        <p:cNvPr id="1" name=""/>
-        <p:cNvGrpSpPr/>
-        <p:nvPr/>
-      </p:nvGrpSpPr>
-      <p:grpSpPr>
-        <a:xfrm>
-          <a:off x="0" y="0"/>
-          <a:ext cx="0" cy="0"/>
-          <a:chOff x="0" y="0"/>
-          <a:chExt cx="0" cy="0"/>
-        </a:xfrm>
-      </p:grpSpPr>
-      <p:pic>
-        <p:nvPicPr>
-          <p:cNvPr id="4099" name="Picture 3"/>
-          <p:cNvPicPr>
-            <a:picLocks noChangeAspect="1" noChangeArrowheads="1"/>
-          </p:cNvPicPr>
-          <p:nvPr/>
-        </p:nvPicPr>
-        <p:blipFill>
-          <a:blip r:embed="rId2">
-            <a:extLst>
-              <a:ext uri="{28A0092B-C50C-407E-A947-70E740481C1C}">
-                <a14:useLocalDpi xmlns:a14="http://schemas.microsoft.com/office/drawing/2010/main" val="0"/>
-              </a:ext>
-            </a:extLst>
-          </a:blip>
-          <a:srcRect/>
-          <a:stretch>
-            <a:fillRect/>
-          </a:stretch>
-        </p:blipFill>
-        <p:spPr bwMode="auto">
-          <a:xfrm>
-            <a:off x="257712" y="836712"/>
-            <a:ext cx="7122600" cy="3672408"/>
-          </a:xfrm>
-          <a:prstGeom prst="rect">
-            <a:avLst/>
-          </a:prstGeom>
-          <a:noFill/>
-          <a:ln>
-            <a:noFill/>
-          </a:ln>
-          <a:extLst>
-            <a:ext uri="{909E8E84-426E-40DD-AFC4-6F175D3DCCD1}">
-              <a14:hiddenFill xmlns:a14="http://schemas.microsoft.com/office/drawing/2010/main">
-                <a:solidFill>
-                  <a:schemeClr val="accent1"/>
-                </a:solidFill>
-              </a14:hiddenFill>
-            </a:ext>
-            <a:ext uri="{91240B29-F687-4F45-9708-019B960494DF}">
-              <a14:hiddenLine xmlns:a14="http://schemas.microsoft.com/office/drawing/2010/main" w="9525">
-                <a:solidFill>
-                  <a:schemeClr val="tx1"/>
-                </a:solidFill>
-                <a:miter lim="800000"/>
-                <a:headEnd/>
-                <a:tailEnd/>
-              </a14:hiddenLine>
-            </a:ext>
-          </a:extLst>
-        </p:spPr>
-      </p:pic>
-      <p:sp>
-        <p:nvSpPr>
-          <p:cNvPr id="2" name="Titel 1"/>
-          <p:cNvSpPr>
-            <a:spLocks noGrp="1"/>
-          </p:cNvSpPr>
-          <p:nvPr>
-            <p:ph type="title"/>
-          </p:nvPr>
-        </p:nvSpPr>
-        <p:spPr/>
-        <p:txBody>
-          <a:bodyPr>
-            <a:normAutofit fontScale="90000"/>
-          </a:bodyPr>
-          <a:lstStyle/>
-          <a:p>
-            <a:r>
-              <a:rPr lang="de-DE" dirty="0" smtClean="0"/>
-              <a:t>Unser Anwendungsbeispiel</a:t>
-            </a:r>
-            <a:endParaRPr lang="de-DE" dirty="0"/>
-          </a:p>
-        </p:txBody>
-      </p:sp>
-      <p:pic>
-        <p:nvPicPr>
-          <p:cNvPr id="4098" name="Picture 2"/>
-          <p:cNvPicPr>
-            <a:picLocks noChangeAspect="1" noChangeArrowheads="1"/>
-          </p:cNvPicPr>
-          <p:nvPr/>
-        </p:nvPicPr>
-        <p:blipFill>
-          <a:blip r:embed="rId3">
-            <a:extLst>
-              <a:ext uri="{28A0092B-C50C-407E-A947-70E740481C1C}">
-                <a14:useLocalDpi xmlns:a14="http://schemas.microsoft.com/office/drawing/2010/main" val="0"/>
-              </a:ext>
-            </a:extLst>
-          </a:blip>
-          <a:srcRect/>
-          <a:stretch>
-            <a:fillRect/>
-          </a:stretch>
-        </p:blipFill>
-        <p:spPr bwMode="auto">
-          <a:xfrm>
-            <a:off x="4275576" y="4077072"/>
-            <a:ext cx="4636401" cy="2461642"/>
-          </a:xfrm>
-          <a:prstGeom prst="rect">
-            <a:avLst/>
-          </a:prstGeom>
-          <a:noFill/>
-          <a:ln>
-            <a:noFill/>
-          </a:ln>
-          <a:extLst>
-            <a:ext uri="{909E8E84-426E-40DD-AFC4-6F175D3DCCD1}">
-              <a14:hiddenFill xmlns:a14="http://schemas.microsoft.com/office/drawing/2010/main">
-                <a:solidFill>
-                  <a:schemeClr val="accent1"/>
-                </a:solidFill>
-              </a14:hiddenFill>
-            </a:ext>
-            <a:ext uri="{91240B29-F687-4F45-9708-019B960494DF}">
-              <a14:hiddenLine xmlns:a14="http://schemas.microsoft.com/office/drawing/2010/main" w="9525">
-                <a:solidFill>
-                  <a:schemeClr val="tx1"/>
-                </a:solidFill>
-                <a:miter lim="800000"/>
-                <a:headEnd/>
-                <a:tailEnd/>
-              </a14:hiddenLine>
-            </a:ext>
-          </a:extLst>
-        </p:spPr>
-      </p:pic>
-      <p:sp>
-        <p:nvSpPr>
-          <p:cNvPr id="6" name="Abgerundetes Rechteck 5"/>
+      <p:sp>
+        <p:nvSpPr>
+          <p:cNvPr id="7" name="Abgerundetes Rechteck 6"/>
           <p:cNvSpPr/>
           <p:nvPr/>
         </p:nvSpPr>
         <p:spPr>
-          <a:xfrm rot="21253091">
-            <a:off x="2008933" y="5402628"/>
-            <a:ext cx="2469134" cy="704810"/>
+          <a:xfrm rot="304132">
+            <a:off x="376503" y="4819781"/>
+            <a:ext cx="3265623" cy="1343711"/>
           </a:xfrm>
           <a:prstGeom prst="roundRect">
             <a:avLst/>
@@ -6361,7 +7880,7 @@
                   <a:schemeClr val="tx2"/>
                 </a:solidFill>
               </a:rPr>
-              <a:t>Diverse </a:t>
+              <a:t>Achtung! Bei dieser Lösung (es gibt auch andere) ist die Kommunikation zu </a:t>
             </a:r>
             <a:r>
               <a:rPr lang="de-DE" sz="2000" dirty="0" err="1" smtClean="0">
@@ -6369,7 +7888,7 @@
                   <a:schemeClr val="tx2"/>
                 </a:solidFill>
               </a:rPr>
-              <a:t>Junit</a:t>
+              <a:t>Observern</a:t>
             </a:r>
             <a:r>
               <a:rPr lang="de-DE" sz="2000" dirty="0" smtClean="0">
@@ -6377,7 +7896,7 @@
                   <a:schemeClr val="tx2"/>
                 </a:solidFill>
               </a:rPr>
-              <a:t>-Tests schon fertig</a:t>
+              <a:t> synchron.</a:t>
             </a:r>
             <a:endParaRPr lang="de-DE" sz="2000" dirty="0">
               <a:solidFill>
@@ -6387,65 +7906,10 @@
           </a:p>
         </p:txBody>
       </p:sp>
-      <p:sp>
-        <p:nvSpPr>
-          <p:cNvPr id="7" name="Abgerundetes Rechteck 6"/>
-          <p:cNvSpPr/>
-          <p:nvPr/>
-        </p:nvSpPr>
-        <p:spPr>
-          <a:xfrm rot="21253091">
-            <a:off x="5413214" y="2796522"/>
-            <a:ext cx="3054872" cy="1129548"/>
-          </a:xfrm>
-          <a:prstGeom prst="roundRect">
-            <a:avLst/>
-          </a:prstGeom>
-          <a:solidFill>
-            <a:schemeClr val="bg1"/>
-          </a:solidFill>
-        </p:spPr>
-        <p:style>
-          <a:lnRef idx="2">
-            <a:schemeClr val="accent1">
-              <a:shade val="50000"/>
-            </a:schemeClr>
-          </a:lnRef>
-          <a:fillRef idx="1">
-            <a:schemeClr val="accent1"/>
-          </a:fillRef>
-          <a:effectRef idx="0">
-            <a:schemeClr val="accent1"/>
-          </a:effectRef>
-          <a:fontRef idx="minor">
-            <a:schemeClr val="lt1"/>
-          </a:fontRef>
-        </p:style>
-        <p:txBody>
-          <a:bodyPr rtlCol="0" anchor="ctr"/>
-          <a:lstStyle/>
-          <a:p>
-            <a:pPr algn="ctr"/>
-            <a:r>
-              <a:rPr lang="de-DE" sz="2000" dirty="0" smtClean="0">
-                <a:solidFill>
-                  <a:schemeClr val="tx2"/>
-                </a:solidFill>
-              </a:rPr>
-              <a:t>Muster-Implementierung unvollständig, siehe TODOs im Code</a:t>
-            </a:r>
-            <a:endParaRPr lang="de-DE" sz="2000" dirty="0">
-              <a:solidFill>
-                <a:schemeClr val="tx2"/>
-              </a:solidFill>
-            </a:endParaRPr>
-          </a:p>
-        </p:txBody>
-      </p:sp>
     </p:spTree>
     <p:extLst>
       <p:ext uri="{BB962C8B-B14F-4D97-AF65-F5344CB8AC3E}">
-        <p14:creationId xmlns:p14="http://schemas.microsoft.com/office/powerpoint/2010/main" val="1046627423"/>
+        <p14:creationId xmlns:p14="http://schemas.microsoft.com/office/powerpoint/2010/main" val="4125803747"/>
       </p:ext>
     </p:extLst>
   </p:cSld>
@@ -6473,7 +7937,7 @@
                             </p:stCondLst>
                             <p:childTnLst>
                               <p:par>
-                                <p:cTn id="5" presetID="1" presetClass="entr" presetSubtype="0" fill="hold" grpId="0" nodeType="clickEffect">
+                                <p:cTn id="5" presetID="2" presetClass="entr" presetSubtype="8" fill="hold" grpId="0" nodeType="clickEffect">
                                   <p:stCondLst>
                                     <p:cond delay="0"/>
                                   </p:stCondLst>
@@ -6486,7 +7950,7 @@
                                           </p:stCondLst>
                                         </p:cTn>
                                         <p:tgtEl>
-                                          <p:spTgt spid="6"/>
+                                          <p:spTgt spid="7"/>
                                         </p:tgtEl>
                                         <p:attrNameLst>
                                           <p:attrName>style.visibility</p:attrName>
@@ -6496,33 +7960,52 @@
                                         <p:strVal val="visible"/>
                                       </p:to>
                                     </p:set>
-                                  </p:childTnLst>
-                                </p:cTn>
-                              </p:par>
-                              <p:par>
-                                <p:cTn id="7" presetID="1" presetClass="entr" presetSubtype="0" fill="hold" nodeType="withEffect">
-                                  <p:stCondLst>
-                                    <p:cond delay="0"/>
-                                  </p:stCondLst>
-                                  <p:childTnLst>
-                                    <p:set>
-                                      <p:cBhvr>
-                                        <p:cTn id="8" dur="1" fill="hold">
-                                          <p:stCondLst>
-                                            <p:cond delay="0"/>
-                                          </p:stCondLst>
-                                        </p:cTn>
+                                    <p:anim calcmode="lin" valueType="num">
+                                      <p:cBhvr additive="base">
+                                        <p:cTn id="7" dur="500" fill="hold"/>
                                         <p:tgtEl>
-                                          <p:spTgt spid="4098"/>
+                                          <p:spTgt spid="7"/>
                                         </p:tgtEl>
                                         <p:attrNameLst>
-                                          <p:attrName>style.visibility</p:attrName>
+                                          <p:attrName>ppt_x</p:attrName>
                                         </p:attrNameLst>
                                       </p:cBhvr>
-                                      <p:to>
-                                        <p:strVal val="visible"/>
-                                      </p:to>
-                                    </p:set>
+                                      <p:tavLst>
+                                        <p:tav tm="0">
+                                          <p:val>
+                                            <p:strVal val="0-#ppt_w/2"/>
+                                          </p:val>
+                                        </p:tav>
+                                        <p:tav tm="100000">
+                                          <p:val>
+                                            <p:strVal val="#ppt_x"/>
+                                          </p:val>
+                                        </p:tav>
+                                      </p:tavLst>
+                                    </p:anim>
+                                    <p:anim calcmode="lin" valueType="num">
+                                      <p:cBhvr additive="base">
+                                        <p:cTn id="8" dur="500" fill="hold"/>
+                                        <p:tgtEl>
+                                          <p:spTgt spid="7"/>
+                                        </p:tgtEl>
+                                        <p:attrNameLst>
+                                          <p:attrName>ppt_y</p:attrName>
+                                        </p:attrNameLst>
+                                      </p:cBhvr>
+                                      <p:tavLst>
+                                        <p:tav tm="0">
+                                          <p:val>
+                                            <p:strVal val="#ppt_y"/>
+                                          </p:val>
+                                        </p:tav>
+                                        <p:tav tm="100000">
+                                          <p:val>
+                                            <p:strVal val="#ppt_y"/>
+                                          </p:val>
+                                        </p:tav>
+                                      </p:tavLst>
+                                    </p:anim>
                                   </p:childTnLst>
                                 </p:cTn>
                               </p:par>
@@ -6554,148 +8037,8 @@
       </p:par>
     </p:tnLst>
     <p:bldLst>
-      <p:bldP spid="6" grpId="0" animBg="1"/>
+      <p:bldP spid="7" grpId="0" animBg="1"/>
     </p:bldLst>
-  </p:timing>
-</p:sld>
-</file>
-
-<file path=ppt/slides/slide9.xml><?xml version="1.0" encoding="utf-8"?>
-<p:sld xmlns:a="http://schemas.openxmlformats.org/drawingml/2006/main" xmlns:r="http://schemas.openxmlformats.org/officeDocument/2006/relationships" xmlns:p="http://schemas.openxmlformats.org/presentationml/2006/main">
-  <p:cSld>
-    <p:spTree>
-      <p:nvGrpSpPr>
-        <p:cNvPr id="1" name=""/>
-        <p:cNvGrpSpPr/>
-        <p:nvPr/>
-      </p:nvGrpSpPr>
-      <p:grpSpPr>
-        <a:xfrm>
-          <a:off x="0" y="0"/>
-          <a:ext cx="0" cy="0"/>
-          <a:chOff x="0" y="0"/>
-          <a:chExt cx="0" cy="0"/>
-        </a:xfrm>
-      </p:grpSpPr>
-      <p:sp>
-        <p:nvSpPr>
-          <p:cNvPr id="2" name="Titel 1"/>
-          <p:cNvSpPr>
-            <a:spLocks noGrp="1"/>
-          </p:cNvSpPr>
-          <p:nvPr>
-            <p:ph type="title"/>
-          </p:nvPr>
-        </p:nvSpPr>
-        <p:spPr/>
-        <p:txBody>
-          <a:bodyPr>
-            <a:normAutofit fontScale="90000"/>
-          </a:bodyPr>
-          <a:lstStyle/>
-          <a:p>
-            <a:r>
-              <a:rPr lang="de-DE" dirty="0" smtClean="0"/>
-              <a:t>Aufgaben / Ziele</a:t>
-            </a:r>
-            <a:endParaRPr lang="de-DE" dirty="0"/>
-          </a:p>
-        </p:txBody>
-      </p:sp>
-      <p:sp>
-        <p:nvSpPr>
-          <p:cNvPr id="3" name="Inhaltsplatzhalter 2"/>
-          <p:cNvSpPr>
-            <a:spLocks noGrp="1"/>
-          </p:cNvSpPr>
-          <p:nvPr>
-            <p:ph idx="1"/>
-          </p:nvPr>
-        </p:nvSpPr>
-        <p:spPr/>
-        <p:txBody>
-          <a:bodyPr>
-            <a:normAutofit/>
-          </a:bodyPr>
-          <a:lstStyle/>
-          <a:p>
-            <a:r>
-              <a:rPr lang="de-DE" sz="2800" dirty="0" smtClean="0"/>
-              <a:t>Observer-Motivation am Bsp.</a:t>
-            </a:r>
-          </a:p>
-          <a:p>
-            <a:r>
-              <a:rPr lang="de-DE" sz="2800" dirty="0" smtClean="0"/>
-              <a:t>Observer-Muster erklären</a:t>
-            </a:r>
-          </a:p>
-          <a:p>
-            <a:pPr lvl="1"/>
-            <a:r>
-              <a:rPr lang="de-DE" sz="2400" dirty="0" smtClean="0"/>
-              <a:t>Klassen</a:t>
-            </a:r>
-          </a:p>
-          <a:p>
-            <a:pPr lvl="1"/>
-            <a:r>
-              <a:rPr lang="de-DE" sz="2400" dirty="0" smtClean="0"/>
-              <a:t>Verhalten</a:t>
-            </a:r>
-          </a:p>
-          <a:p>
-            <a:pPr lvl="1"/>
-            <a:r>
-              <a:rPr lang="de-DE" sz="2400" dirty="0" smtClean="0"/>
-              <a:t>Ziele (was möchte man flexibel/entkoppelt haben?)</a:t>
-            </a:r>
-          </a:p>
-          <a:p>
-            <a:r>
-              <a:rPr lang="de-DE" sz="2800" dirty="0" smtClean="0"/>
-              <a:t>Programmierübung, Musteranwendung</a:t>
-            </a:r>
-          </a:p>
-          <a:p>
-            <a:pPr lvl="1"/>
-            <a:r>
-              <a:rPr lang="de-DE" sz="2400" dirty="0" smtClean="0"/>
-              <a:t>Java-Bean</a:t>
-            </a:r>
-          </a:p>
-          <a:p>
-            <a:pPr lvl="1"/>
-            <a:r>
-              <a:rPr lang="de-DE" sz="2400" dirty="0" smtClean="0"/>
-              <a:t>EMF</a:t>
-            </a:r>
-          </a:p>
-          <a:p>
-            <a:pPr lvl="1"/>
-            <a:endParaRPr lang="de-DE" sz="2400" dirty="0" smtClean="0"/>
-          </a:p>
-          <a:p>
-            <a:endParaRPr lang="de-DE" sz="2800" dirty="0"/>
-          </a:p>
-        </p:txBody>
-      </p:sp>
-    </p:spTree>
-    <p:extLst>
-      <p:ext uri="{BB962C8B-B14F-4D97-AF65-F5344CB8AC3E}">
-        <p14:creationId xmlns:p14="http://schemas.microsoft.com/office/powerpoint/2010/main" val="1103994812"/>
-      </p:ext>
-    </p:extLst>
-  </p:cSld>
-  <p:clrMapOvr>
-    <a:masterClrMapping/>
-  </p:clrMapOvr>
-  <p:timing>
-    <p:tnLst>
-      <p:par>
-        <p:cTn id="1" dur="indefinite" restart="never" nodeType="tmRoot"/>
-      </p:par>
-    </p:tnLst>
   </p:timing>
 </p:sld>
 </file>

--- a/Observer/Coding-Dojo-2015-05-06.pptx
+++ b/Observer/Coding-Dojo-2015-05-06.pptx
@@ -20,8 +20,9 @@
     <p:sldId id="294" r:id="rId14"/>
     <p:sldId id="295" r:id="rId15"/>
     <p:sldId id="296" r:id="rId16"/>
-    <p:sldId id="297" r:id="rId17"/>
-    <p:sldId id="264" r:id="rId18"/>
+    <p:sldId id="298" r:id="rId17"/>
+    <p:sldId id="297" r:id="rId18"/>
+    <p:sldId id="264" r:id="rId19"/>
   </p:sldIdLst>
   <p:sldSz cx="9144000" cy="6858000" type="screen4x3"/>
   <p:notesSz cx="6858000" cy="9144000"/>
@@ -3131,6 +3132,10 @@
           <a:p>
             <a:pPr lvl="1"/>
             <a:r>
+              <a:rPr lang="de-DE" sz="2000" dirty="0" smtClean="0"/>
+              <a:t>Optional folgende </a:t>
+            </a:r>
+            <a:r>
               <a:rPr lang="de-DE" sz="2000" dirty="0" err="1" smtClean="0"/>
               <a:t>Eclipse-Plug-ins</a:t>
             </a:r>
@@ -3527,7 +3532,7 @@
       </p:grpSpPr>
       <p:pic>
         <p:nvPicPr>
-          <p:cNvPr id="4099" name="Picture 3"/>
+          <p:cNvPr id="2050" name="Picture 2"/>
           <p:cNvPicPr>
             <a:picLocks noChangeAspect="1" noChangeArrowheads="1"/>
           </p:cNvPicPr>
@@ -3548,8 +3553,8 @@
         </p:blipFill>
         <p:spPr bwMode="auto">
           <a:xfrm>
-            <a:off x="755576" y="1124744"/>
-            <a:ext cx="7122600" cy="3672408"/>
+            <a:off x="640456" y="980728"/>
+            <a:ext cx="7459936" cy="3816424"/>
           </a:xfrm>
           <a:prstGeom prst="rect">
             <a:avLst/>
@@ -3649,15 +3654,7 @@
                   <a:schemeClr val="tx2"/>
                 </a:solidFill>
               </a:rPr>
-              <a:t>Siehe TODOs </a:t>
-            </a:r>
-            <a:r>
-              <a:rPr lang="de-DE" sz="2000" dirty="0" smtClean="0">
-                <a:solidFill>
-                  <a:schemeClr val="tx2"/>
-                </a:solidFill>
-              </a:rPr>
-              <a:t>im Code</a:t>
+              <a:t>Siehe TODOs im Code</a:t>
             </a:r>
             <a:endParaRPr lang="de-DE" sz="2000" dirty="0">
               <a:solidFill>
@@ -3839,7 +3836,6 @@
               <a:rPr lang="de-DE" sz="1800" dirty="0" smtClean="0"/>
               <a:t>Implementierung ergänzen, damit über die Factory erzeugte Personen und Anschriften automatisch alle Änderungen ihrer Eigenschaften an die Factory berichten und diese in Folge die save-Methoden aufrufen.</a:t>
             </a:r>
-            <a:endParaRPr lang="de-DE" sz="1800" dirty="0" smtClean="0"/>
           </a:p>
         </p:txBody>
       </p:sp>
@@ -3882,7 +3878,7 @@
       </p:grpSpPr>
       <p:pic>
         <p:nvPicPr>
-          <p:cNvPr id="4099" name="Picture 3"/>
+          <p:cNvPr id="11" name="Picture 2"/>
           <p:cNvPicPr>
             <a:picLocks noChangeAspect="1" noChangeArrowheads="1"/>
           </p:cNvPicPr>
@@ -3903,8 +3899,8 @@
         </p:blipFill>
         <p:spPr bwMode="auto">
           <a:xfrm>
-            <a:off x="755576" y="1124744"/>
-            <a:ext cx="7122600" cy="3672408"/>
+            <a:off x="640456" y="980728"/>
+            <a:ext cx="7459936" cy="3816424"/>
           </a:xfrm>
           <a:prstGeom prst="rect">
             <a:avLst/>
@@ -4131,7 +4127,6 @@
               <a:rPr lang="de-DE" sz="1800" dirty="0" smtClean="0"/>
               <a:t>Implementierung ergänzen, damit über die Factory erzeugte Personen und Anschriften automatisch alle Änderungen ihrer Eigenschaften an die Factory berichten und diese in Folge die save-Methoden aufrufen.</a:t>
             </a:r>
-            <a:endParaRPr lang="de-DE" sz="1800" dirty="0" smtClean="0"/>
           </a:p>
         </p:txBody>
       </p:sp>
@@ -4180,15 +4175,7 @@
                   <a:schemeClr val="tx2"/>
                 </a:solidFill>
               </a:rPr>
-              <a:t>Siehe TODOs </a:t>
-            </a:r>
-            <a:r>
-              <a:rPr lang="de-DE" sz="2000" dirty="0" smtClean="0">
-                <a:solidFill>
-                  <a:schemeClr val="tx2"/>
-                </a:solidFill>
-              </a:rPr>
-              <a:t>im Code</a:t>
+              <a:t>Siehe TODOs im Code</a:t>
             </a:r>
             <a:endParaRPr lang="de-DE" sz="2000" dirty="0">
               <a:solidFill>
@@ -4313,23 +4300,7 @@
                   <a:schemeClr val="tx2"/>
                 </a:solidFill>
               </a:rPr>
-              <a:t>-Tests </a:t>
-            </a:r>
-            <a:r>
-              <a:rPr lang="de-DE" sz="2000" dirty="0" smtClean="0">
-                <a:solidFill>
-                  <a:schemeClr val="tx2"/>
-                </a:solidFill>
-              </a:rPr>
-              <a:t>schon </a:t>
-            </a:r>
-            <a:r>
-              <a:rPr lang="de-DE" sz="2000" dirty="0" smtClean="0">
-                <a:solidFill>
-                  <a:schemeClr val="tx2"/>
-                </a:solidFill>
-              </a:rPr>
-              <a:t>implementiert</a:t>
+              <a:t>-Tests schon implementiert</a:t>
             </a:r>
             <a:endParaRPr lang="de-DE" sz="2000" dirty="0">
               <a:solidFill>
@@ -5028,7 +4999,7 @@
           <a:p>
             <a:r>
               <a:rPr lang="de-DE" dirty="0" smtClean="0"/>
-              <a:t>Zeitplan</a:t>
+              <a:t>Gleiches Spiel, andere Code-Basis</a:t>
             </a:r>
             <a:endParaRPr lang="de-DE" dirty="0"/>
           </a:p>
@@ -5036,183 +5007,365 @@
       </p:sp>
       <p:sp>
         <p:nvSpPr>
-          <p:cNvPr id="3" name="Inhaltsplatzhalter 2"/>
-          <p:cNvSpPr>
-            <a:spLocks noGrp="1"/>
-          </p:cNvSpPr>
-          <p:nvPr>
-            <p:ph idx="1"/>
-          </p:nvPr>
-        </p:nvSpPr>
-        <p:spPr/>
-        <p:txBody>
-          <a:bodyPr>
-            <a:normAutofit fontScale="92500"/>
+          <p:cNvPr id="10" name="Inhaltsplatzhalter 2"/>
+          <p:cNvSpPr txBox="1">
+            <a:spLocks/>
+          </p:cNvSpPr>
+          <p:nvPr/>
+        </p:nvSpPr>
+        <p:spPr>
+          <a:xfrm>
+            <a:off x="457200" y="4941168"/>
+            <a:ext cx="4762871" cy="1584176"/>
+          </a:xfrm>
+          <a:prstGeom prst="rect">
+            <a:avLst/>
+          </a:prstGeom>
+        </p:spPr>
+        <p:txBody>
+          <a:bodyPr vert="horz" lIns="91440" tIns="45720" rIns="91440" bIns="45720" rtlCol="0">
+            <a:normAutofit lnSpcReduction="10000"/>
           </a:bodyPr>
+          <a:lstStyle>
+            <a:lvl1pPr marL="342900" indent="-342900" algn="l" defTabSz="914400" rtl="0" eaLnBrk="1" latinLnBrk="0" hangingPunct="1">
+              <a:spcBef>
+                <a:spcPct val="20000"/>
+              </a:spcBef>
+              <a:buFont typeface="Arial" pitchFamily="34" charset="0"/>
+              <a:buChar char="•"/>
+              <a:defRPr sz="3200" kern="1200">
+                <a:solidFill>
+                  <a:schemeClr val="tx1"/>
+                </a:solidFill>
+                <a:latin typeface="+mn-lt"/>
+                <a:ea typeface="+mn-ea"/>
+                <a:cs typeface="+mn-cs"/>
+              </a:defRPr>
+            </a:lvl1pPr>
+            <a:lvl2pPr marL="742950" indent="-285750" algn="l" defTabSz="914400" rtl="0" eaLnBrk="1" latinLnBrk="0" hangingPunct="1">
+              <a:spcBef>
+                <a:spcPct val="20000"/>
+              </a:spcBef>
+              <a:buFont typeface="Arial" pitchFamily="34" charset="0"/>
+              <a:buChar char="–"/>
+              <a:defRPr sz="2800" kern="1200">
+                <a:solidFill>
+                  <a:schemeClr val="tx1"/>
+                </a:solidFill>
+                <a:latin typeface="+mn-lt"/>
+                <a:ea typeface="+mn-ea"/>
+                <a:cs typeface="+mn-cs"/>
+              </a:defRPr>
+            </a:lvl2pPr>
+            <a:lvl3pPr marL="1143000" indent="-228600" algn="l" defTabSz="914400" rtl="0" eaLnBrk="1" latinLnBrk="0" hangingPunct="1">
+              <a:spcBef>
+                <a:spcPct val="20000"/>
+              </a:spcBef>
+              <a:buFont typeface="Arial" pitchFamily="34" charset="0"/>
+              <a:buChar char="•"/>
+              <a:defRPr sz="2400" kern="1200">
+                <a:solidFill>
+                  <a:schemeClr val="tx1"/>
+                </a:solidFill>
+                <a:latin typeface="+mn-lt"/>
+                <a:ea typeface="+mn-ea"/>
+                <a:cs typeface="+mn-cs"/>
+              </a:defRPr>
+            </a:lvl3pPr>
+            <a:lvl4pPr marL="1600200" indent="-228600" algn="l" defTabSz="914400" rtl="0" eaLnBrk="1" latinLnBrk="0" hangingPunct="1">
+              <a:spcBef>
+                <a:spcPct val="20000"/>
+              </a:spcBef>
+              <a:buFont typeface="Arial" pitchFamily="34" charset="0"/>
+              <a:buChar char="–"/>
+              <a:defRPr sz="2000" kern="1200">
+                <a:solidFill>
+                  <a:schemeClr val="tx1"/>
+                </a:solidFill>
+                <a:latin typeface="+mn-lt"/>
+                <a:ea typeface="+mn-ea"/>
+                <a:cs typeface="+mn-cs"/>
+              </a:defRPr>
+            </a:lvl4pPr>
+            <a:lvl5pPr marL="2057400" indent="-228600" algn="l" defTabSz="914400" rtl="0" eaLnBrk="1" latinLnBrk="0" hangingPunct="1">
+              <a:spcBef>
+                <a:spcPct val="20000"/>
+              </a:spcBef>
+              <a:buFont typeface="Arial" pitchFamily="34" charset="0"/>
+              <a:buChar char="»"/>
+              <a:defRPr sz="2000" kern="1200">
+                <a:solidFill>
+                  <a:schemeClr val="tx1"/>
+                </a:solidFill>
+                <a:latin typeface="+mn-lt"/>
+                <a:ea typeface="+mn-ea"/>
+                <a:cs typeface="+mn-cs"/>
+              </a:defRPr>
+            </a:lvl5pPr>
+            <a:lvl6pPr marL="2514600" indent="-228600" algn="l" defTabSz="914400" rtl="0" eaLnBrk="1" latinLnBrk="0" hangingPunct="1">
+              <a:spcBef>
+                <a:spcPct val="20000"/>
+              </a:spcBef>
+              <a:buFont typeface="Arial" pitchFamily="34" charset="0"/>
+              <a:buChar char="•"/>
+              <a:defRPr sz="2000" kern="1200">
+                <a:solidFill>
+                  <a:schemeClr val="tx1"/>
+                </a:solidFill>
+                <a:latin typeface="+mn-lt"/>
+                <a:ea typeface="+mn-ea"/>
+                <a:cs typeface="+mn-cs"/>
+              </a:defRPr>
+            </a:lvl6pPr>
+            <a:lvl7pPr marL="2971800" indent="-228600" algn="l" defTabSz="914400" rtl="0" eaLnBrk="1" latinLnBrk="0" hangingPunct="1">
+              <a:spcBef>
+                <a:spcPct val="20000"/>
+              </a:spcBef>
+              <a:buFont typeface="Arial" pitchFamily="34" charset="0"/>
+              <a:buChar char="•"/>
+              <a:defRPr sz="2000" kern="1200">
+                <a:solidFill>
+                  <a:schemeClr val="tx1"/>
+                </a:solidFill>
+                <a:latin typeface="+mn-lt"/>
+                <a:ea typeface="+mn-ea"/>
+                <a:cs typeface="+mn-cs"/>
+              </a:defRPr>
+            </a:lvl7pPr>
+            <a:lvl8pPr marL="3429000" indent="-228600" algn="l" defTabSz="914400" rtl="0" eaLnBrk="1" latinLnBrk="0" hangingPunct="1">
+              <a:spcBef>
+                <a:spcPct val="20000"/>
+              </a:spcBef>
+              <a:buFont typeface="Arial" pitchFamily="34" charset="0"/>
+              <a:buChar char="•"/>
+              <a:defRPr sz="2000" kern="1200">
+                <a:solidFill>
+                  <a:schemeClr val="tx1"/>
+                </a:solidFill>
+                <a:latin typeface="+mn-lt"/>
+                <a:ea typeface="+mn-ea"/>
+                <a:cs typeface="+mn-cs"/>
+              </a:defRPr>
+            </a:lvl8pPr>
+            <a:lvl9pPr marL="3886200" indent="-228600" algn="l" defTabSz="914400" rtl="0" eaLnBrk="1" latinLnBrk="0" hangingPunct="1">
+              <a:spcBef>
+                <a:spcPct val="20000"/>
+              </a:spcBef>
+              <a:buFont typeface="Arial" pitchFamily="34" charset="0"/>
+              <a:buChar char="•"/>
+              <a:defRPr sz="2000" kern="1200">
+                <a:solidFill>
+                  <a:schemeClr val="tx1"/>
+                </a:solidFill>
+                <a:latin typeface="+mn-lt"/>
+                <a:ea typeface="+mn-ea"/>
+                <a:cs typeface="+mn-cs"/>
+              </a:defRPr>
+            </a:lvl9pPr>
+          </a:lstStyle>
+          <a:p>
+            <a:pPr marL="0" indent="0">
+              <a:buNone/>
+            </a:pPr>
+            <a:r>
+              <a:rPr lang="de-DE" sz="2000" dirty="0" smtClean="0"/>
+              <a:t>Aufgabe:</a:t>
+            </a:r>
+          </a:p>
+          <a:p>
+            <a:r>
+              <a:rPr lang="de-DE" sz="1800" dirty="0" smtClean="0"/>
+              <a:t>Wie eben</a:t>
+            </a:r>
+          </a:p>
+          <a:p>
+            <a:r>
+              <a:rPr lang="de-DE" sz="1800" dirty="0" smtClean="0"/>
+              <a:t>Projekt: </a:t>
+            </a:r>
+            <a:r>
+              <a:rPr lang="de-DE" sz="1800" dirty="0" err="1" smtClean="0"/>
+              <a:t>ObserverEMFExample</a:t>
+            </a:r>
+            <a:endParaRPr lang="de-DE" sz="1800" dirty="0" smtClean="0"/>
+          </a:p>
+          <a:p>
+            <a:r>
+              <a:rPr lang="de-DE" sz="1800" dirty="0" smtClean="0"/>
+              <a:t>Implementierung basiert auf mit EMF-generiertem Code</a:t>
+            </a:r>
+            <a:endParaRPr lang="de-DE" sz="1800" dirty="0" smtClean="0"/>
+          </a:p>
+        </p:txBody>
+      </p:sp>
+      <p:pic>
+        <p:nvPicPr>
+          <p:cNvPr id="1026" name="Picture 2"/>
+          <p:cNvPicPr>
+            <a:picLocks noChangeAspect="1" noChangeArrowheads="1"/>
+          </p:cNvPicPr>
+          <p:nvPr/>
+        </p:nvPicPr>
+        <p:blipFill>
+          <a:blip r:embed="rId2">
+            <a:extLst>
+              <a:ext uri="{28A0092B-C50C-407E-A947-70E740481C1C}">
+                <a14:useLocalDpi xmlns:a14="http://schemas.microsoft.com/office/drawing/2010/main" val="0"/>
+              </a:ext>
+            </a:extLst>
+          </a:blip>
+          <a:srcRect/>
+          <a:stretch>
+            <a:fillRect/>
+          </a:stretch>
+        </p:blipFill>
+        <p:spPr bwMode="auto">
+          <a:xfrm>
+            <a:off x="729928" y="1157109"/>
+            <a:ext cx="7307611" cy="3568035"/>
+          </a:xfrm>
+          <a:prstGeom prst="rect">
+            <a:avLst/>
+          </a:prstGeom>
+          <a:noFill/>
+          <a:ln>
+            <a:noFill/>
+          </a:ln>
+          <a:extLst>
+            <a:ext uri="{909E8E84-426E-40DD-AFC4-6F175D3DCCD1}">
+              <a14:hiddenFill xmlns:a14="http://schemas.microsoft.com/office/drawing/2010/main">
+                <a:solidFill>
+                  <a:schemeClr val="accent1"/>
+                </a:solidFill>
+              </a14:hiddenFill>
+            </a:ext>
+            <a:ext uri="{91240B29-F687-4F45-9708-019B960494DF}">
+              <a14:hiddenLine xmlns:a14="http://schemas.microsoft.com/office/drawing/2010/main" w="9525">
+                <a:solidFill>
+                  <a:schemeClr val="tx1"/>
+                </a:solidFill>
+                <a:miter lim="800000"/>
+                <a:headEnd/>
+                <a:tailEnd/>
+              </a14:hiddenLine>
+            </a:ext>
+          </a:extLst>
+        </p:spPr>
+      </p:pic>
+      <p:sp>
+        <p:nvSpPr>
+          <p:cNvPr id="9" name="Abgerundetes Rechteck 8"/>
+          <p:cNvSpPr/>
+          <p:nvPr/>
+        </p:nvSpPr>
+        <p:spPr>
+          <a:xfrm rot="21253091">
+            <a:off x="2936424" y="4845246"/>
+            <a:ext cx="2484707" cy="534586"/>
+          </a:xfrm>
+          <a:prstGeom prst="roundRect">
+            <a:avLst/>
+          </a:prstGeom>
+          <a:solidFill>
+            <a:schemeClr val="bg1"/>
+          </a:solidFill>
+        </p:spPr>
+        <p:style>
+          <a:lnRef idx="2">
+            <a:schemeClr val="accent1">
+              <a:shade val="50000"/>
+            </a:schemeClr>
+          </a:lnRef>
+          <a:fillRef idx="1">
+            <a:schemeClr val="accent1"/>
+          </a:fillRef>
+          <a:effectRef idx="0">
+            <a:schemeClr val="accent1"/>
+          </a:effectRef>
+          <a:fontRef idx="minor">
+            <a:schemeClr val="lt1"/>
+          </a:fontRef>
+        </p:style>
+        <p:txBody>
+          <a:bodyPr rtlCol="0" anchor="ctr"/>
           <a:lstStyle/>
           <a:p>
-            <a:pPr marL="514350" indent="-514350">
-              <a:buFont typeface="+mj-lt"/>
-              <a:buAutoNum type="arabicPeriod"/>
-            </a:pPr>
-            <a:r>
-              <a:rPr lang="de-DE" sz="2800" dirty="0" smtClean="0">
-                <a:solidFill>
-                  <a:schemeClr val="bg1">
-                    <a:lumMod val="65000"/>
-                  </a:schemeClr>
+            <a:pPr algn="ctr"/>
+            <a:r>
+              <a:rPr lang="de-DE" sz="2000" dirty="0" smtClean="0">
+                <a:solidFill>
+                  <a:schemeClr val="tx2"/>
                 </a:solidFill>
               </a:rPr>
-              <a:t>Vorstellung des Observer-Musters (ca. 15 Min.)</a:t>
-            </a:r>
-          </a:p>
-          <a:p>
-            <a:pPr marL="914400" lvl="1" indent="-514350">
-              <a:buFont typeface="+mj-lt"/>
-              <a:buAutoNum type="arabicPeriod"/>
-            </a:pPr>
-            <a:endParaRPr lang="de-DE" sz="2400" dirty="0" smtClean="0"/>
-          </a:p>
-          <a:p>
-            <a:pPr marL="514350" indent="-514350">
-              <a:buFont typeface="+mj-lt"/>
-              <a:buAutoNum type="arabicPeriod"/>
-            </a:pPr>
-            <a:r>
-              <a:rPr lang="de-DE" sz="2800" dirty="0" smtClean="0">
-                <a:solidFill>
-                  <a:schemeClr val="bg1">
-                    <a:lumMod val="65000"/>
-                  </a:schemeClr>
+              <a:t>Siehe TODOs im Code</a:t>
+            </a:r>
+            <a:endParaRPr lang="de-DE" sz="2000" dirty="0">
+              <a:solidFill>
+                <a:schemeClr val="tx2"/>
+              </a:solidFill>
+            </a:endParaRPr>
+          </a:p>
+        </p:txBody>
+      </p:sp>
+      <p:sp>
+        <p:nvSpPr>
+          <p:cNvPr id="7" name="Abgerundetes Rechteck 6"/>
+          <p:cNvSpPr/>
+          <p:nvPr/>
+        </p:nvSpPr>
+        <p:spPr>
+          <a:xfrm>
+            <a:off x="5868144" y="5607201"/>
+            <a:ext cx="2725537" cy="919644"/>
+          </a:xfrm>
+          <a:prstGeom prst="roundRect">
+            <a:avLst/>
+          </a:prstGeom>
+          <a:solidFill>
+            <a:schemeClr val="bg1"/>
+          </a:solidFill>
+        </p:spPr>
+        <p:style>
+          <a:lnRef idx="2">
+            <a:schemeClr val="accent1">
+              <a:shade val="50000"/>
+            </a:schemeClr>
+          </a:lnRef>
+          <a:fillRef idx="1">
+            <a:schemeClr val="accent1"/>
+          </a:fillRef>
+          <a:effectRef idx="0">
+            <a:schemeClr val="accent1"/>
+          </a:effectRef>
+          <a:fontRef idx="minor">
+            <a:schemeClr val="lt1"/>
+          </a:fontRef>
+        </p:style>
+        <p:txBody>
+          <a:bodyPr rtlCol="0" anchor="ctr"/>
+          <a:lstStyle/>
+          <a:p>
+            <a:pPr algn="ctr"/>
+            <a:r>
+              <a:rPr lang="de-DE" sz="2000" dirty="0" smtClean="0">
+                <a:solidFill>
+                  <a:schemeClr val="tx2"/>
                 </a:solidFill>
               </a:rPr>
-              <a:t>Muster selbst implementieren</a:t>
-            </a:r>
-          </a:p>
-          <a:p>
-            <a:pPr marL="914400" lvl="1" indent="-514350">
-              <a:buFont typeface="+mj-lt"/>
-              <a:buAutoNum type="alphaLcParenR"/>
-            </a:pPr>
-            <a:r>
-              <a:rPr lang="de-DE" sz="2400" dirty="0" smtClean="0">
-                <a:solidFill>
-                  <a:schemeClr val="bg1">
-                    <a:lumMod val="65000"/>
-                  </a:schemeClr>
-                </a:solidFill>
-              </a:rPr>
-              <a:t>Anwendungsproblem kennenlernen (ca. 5 Min.)</a:t>
-            </a:r>
-          </a:p>
-          <a:p>
-            <a:pPr marL="914400" lvl="1" indent="-514350">
-              <a:buFont typeface="+mj-lt"/>
-              <a:buAutoNum type="alphaLcParenR"/>
-            </a:pPr>
-            <a:r>
-              <a:rPr lang="de-DE" sz="2400" dirty="0" smtClean="0">
-                <a:solidFill>
-                  <a:schemeClr val="bg1">
-                    <a:lumMod val="65000"/>
-                  </a:schemeClr>
-                </a:solidFill>
-              </a:rPr>
-              <a:t>paarweise/einzeln Muster implementieren (ca. 20 Min.)</a:t>
-            </a:r>
-          </a:p>
-          <a:p>
-            <a:pPr marL="914400" lvl="1" indent="-514350">
-              <a:buFont typeface="+mj-lt"/>
-              <a:buAutoNum type="alphaLcParenR"/>
-            </a:pPr>
-            <a:endParaRPr lang="de-DE" sz="2400" dirty="0" smtClean="0"/>
-          </a:p>
-          <a:p>
-            <a:pPr marL="514350" indent="-514350">
-              <a:buFont typeface="+mj-lt"/>
-              <a:buAutoNum type="arabicPeriod"/>
-            </a:pPr>
-            <a:r>
-              <a:rPr lang="de-DE" sz="2800" dirty="0" smtClean="0">
-                <a:solidFill>
-                  <a:schemeClr val="bg1">
-                    <a:lumMod val="65000"/>
-                  </a:schemeClr>
-                </a:solidFill>
-              </a:rPr>
-              <a:t>Diskussion / Vergleich einiger Lösungen (ca. 10 Min.)</a:t>
-            </a:r>
-          </a:p>
-          <a:p>
-            <a:pPr marL="914400" lvl="1" indent="-514350">
-              <a:buFont typeface="+mj-lt"/>
-              <a:buAutoNum type="arabicPeriod"/>
-            </a:pPr>
-            <a:endParaRPr lang="de-DE" sz="2400" dirty="0" smtClean="0"/>
-          </a:p>
-          <a:p>
-            <a:pPr marL="514350" indent="-514350">
-              <a:buFont typeface="+mj-lt"/>
-              <a:buAutoNum type="arabicPeriod"/>
-            </a:pPr>
-            <a:r>
-              <a:rPr lang="de-DE" sz="2800" dirty="0">
-                <a:solidFill>
-                  <a:schemeClr val="bg1">
-                    <a:lumMod val="65000"/>
-                  </a:schemeClr>
-                </a:solidFill>
-              </a:rPr>
-              <a:t>Alternative Implementierung mit EMF (ca. </a:t>
-            </a:r>
-            <a:r>
-              <a:rPr lang="de-DE" sz="2800" dirty="0" smtClean="0">
-                <a:solidFill>
-                  <a:schemeClr val="bg1">
-                    <a:lumMod val="65000"/>
-                  </a:schemeClr>
-                </a:solidFill>
-              </a:rPr>
-              <a:t>20 </a:t>
-            </a:r>
-            <a:r>
-              <a:rPr lang="de-DE" sz="2800" dirty="0">
-                <a:solidFill>
-                  <a:schemeClr val="bg1">
-                    <a:lumMod val="65000"/>
-                  </a:schemeClr>
-                </a:solidFill>
-              </a:rPr>
-              <a:t>Min)</a:t>
-            </a:r>
-          </a:p>
-          <a:p>
-            <a:pPr marL="914400" lvl="1" indent="-514350">
-              <a:buFont typeface="+mj-lt"/>
-              <a:buAutoNum type="arabicPeriod"/>
-            </a:pPr>
-            <a:endParaRPr lang="de-DE" sz="2400" dirty="0" smtClean="0"/>
-          </a:p>
-          <a:p>
-            <a:pPr marL="514350" indent="-514350">
-              <a:buFont typeface="+mj-lt"/>
-              <a:buAutoNum type="arabicPeriod"/>
-            </a:pPr>
-            <a:r>
-              <a:rPr lang="de-DE" sz="2800" dirty="0" smtClean="0"/>
-              <a:t>Euer Feedback und Fazit (10 Min.)</a:t>
-            </a:r>
-          </a:p>
-          <a:p>
-            <a:endParaRPr lang="de-DE" sz="2800" dirty="0"/>
+              <a:t>Achtung! Das Verhalten ist hier etwas anders, siehe Tests</a:t>
+            </a:r>
+            <a:endParaRPr lang="de-DE" sz="2000" dirty="0">
+              <a:solidFill>
+                <a:schemeClr val="tx2"/>
+              </a:solidFill>
+            </a:endParaRPr>
           </a:p>
         </p:txBody>
       </p:sp>
     </p:spTree>
     <p:extLst>
       <p:ext uri="{BB962C8B-B14F-4D97-AF65-F5344CB8AC3E}">
-        <p14:creationId xmlns:p14="http://schemas.microsoft.com/office/powerpoint/2010/main" val="4087090245"/>
+        <p14:creationId xmlns:p14="http://schemas.microsoft.com/office/powerpoint/2010/main" val="144594726"/>
       </p:ext>
     </p:extLst>
   </p:cSld>
@@ -5265,6 +5418,243 @@
           <a:p>
             <a:r>
               <a:rPr lang="de-DE" dirty="0" smtClean="0"/>
+              <a:t>Zeitplan</a:t>
+            </a:r>
+            <a:endParaRPr lang="de-DE" dirty="0"/>
+          </a:p>
+        </p:txBody>
+      </p:sp>
+      <p:sp>
+        <p:nvSpPr>
+          <p:cNvPr id="3" name="Inhaltsplatzhalter 2"/>
+          <p:cNvSpPr>
+            <a:spLocks noGrp="1"/>
+          </p:cNvSpPr>
+          <p:nvPr>
+            <p:ph idx="1"/>
+          </p:nvPr>
+        </p:nvSpPr>
+        <p:spPr/>
+        <p:txBody>
+          <a:bodyPr>
+            <a:normAutofit fontScale="92500"/>
+          </a:bodyPr>
+          <a:lstStyle/>
+          <a:p>
+            <a:pPr marL="514350" indent="-514350">
+              <a:buFont typeface="+mj-lt"/>
+              <a:buAutoNum type="arabicPeriod"/>
+            </a:pPr>
+            <a:r>
+              <a:rPr lang="de-DE" sz="2800" dirty="0" smtClean="0">
+                <a:solidFill>
+                  <a:schemeClr val="bg1">
+                    <a:lumMod val="65000"/>
+                  </a:schemeClr>
+                </a:solidFill>
+              </a:rPr>
+              <a:t>Vorstellung des Observer-Musters (ca. 15 Min.)</a:t>
+            </a:r>
+          </a:p>
+          <a:p>
+            <a:pPr marL="914400" lvl="1" indent="-514350">
+              <a:buFont typeface="+mj-lt"/>
+              <a:buAutoNum type="arabicPeriod"/>
+            </a:pPr>
+            <a:endParaRPr lang="de-DE" sz="2400" dirty="0" smtClean="0"/>
+          </a:p>
+          <a:p>
+            <a:pPr marL="514350" indent="-514350">
+              <a:buFont typeface="+mj-lt"/>
+              <a:buAutoNum type="arabicPeriod"/>
+            </a:pPr>
+            <a:r>
+              <a:rPr lang="de-DE" sz="2800" dirty="0" smtClean="0">
+                <a:solidFill>
+                  <a:schemeClr val="bg1">
+                    <a:lumMod val="65000"/>
+                  </a:schemeClr>
+                </a:solidFill>
+              </a:rPr>
+              <a:t>Muster selbst implementieren</a:t>
+            </a:r>
+          </a:p>
+          <a:p>
+            <a:pPr marL="914400" lvl="1" indent="-514350">
+              <a:buFont typeface="+mj-lt"/>
+              <a:buAutoNum type="alphaLcParenR"/>
+            </a:pPr>
+            <a:r>
+              <a:rPr lang="de-DE" sz="2400" dirty="0" smtClean="0">
+                <a:solidFill>
+                  <a:schemeClr val="bg1">
+                    <a:lumMod val="65000"/>
+                  </a:schemeClr>
+                </a:solidFill>
+              </a:rPr>
+              <a:t>Anwendungsproblem kennenlernen (ca. 5 Min.)</a:t>
+            </a:r>
+          </a:p>
+          <a:p>
+            <a:pPr marL="914400" lvl="1" indent="-514350">
+              <a:buFont typeface="+mj-lt"/>
+              <a:buAutoNum type="alphaLcParenR"/>
+            </a:pPr>
+            <a:r>
+              <a:rPr lang="de-DE" sz="2400" dirty="0" smtClean="0">
+                <a:solidFill>
+                  <a:schemeClr val="bg1">
+                    <a:lumMod val="65000"/>
+                  </a:schemeClr>
+                </a:solidFill>
+              </a:rPr>
+              <a:t>paarweise/einzeln Muster implementieren (ca. 20 Min.)</a:t>
+            </a:r>
+          </a:p>
+          <a:p>
+            <a:pPr marL="914400" lvl="1" indent="-514350">
+              <a:buFont typeface="+mj-lt"/>
+              <a:buAutoNum type="alphaLcParenR"/>
+            </a:pPr>
+            <a:endParaRPr lang="de-DE" sz="2400" dirty="0" smtClean="0"/>
+          </a:p>
+          <a:p>
+            <a:pPr marL="514350" indent="-514350">
+              <a:buFont typeface="+mj-lt"/>
+              <a:buAutoNum type="arabicPeriod"/>
+            </a:pPr>
+            <a:r>
+              <a:rPr lang="de-DE" sz="2800" dirty="0" smtClean="0">
+                <a:solidFill>
+                  <a:schemeClr val="bg1">
+                    <a:lumMod val="65000"/>
+                  </a:schemeClr>
+                </a:solidFill>
+              </a:rPr>
+              <a:t>Diskussion / Vergleich einiger Lösungen (ca. 10 Min.)</a:t>
+            </a:r>
+          </a:p>
+          <a:p>
+            <a:pPr marL="914400" lvl="1" indent="-514350">
+              <a:buFont typeface="+mj-lt"/>
+              <a:buAutoNum type="arabicPeriod"/>
+            </a:pPr>
+            <a:endParaRPr lang="de-DE" sz="2400" dirty="0" smtClean="0"/>
+          </a:p>
+          <a:p>
+            <a:pPr marL="514350" indent="-514350">
+              <a:buFont typeface="+mj-lt"/>
+              <a:buAutoNum type="arabicPeriod"/>
+            </a:pPr>
+            <a:r>
+              <a:rPr lang="de-DE" sz="2800" dirty="0">
+                <a:solidFill>
+                  <a:schemeClr val="bg1">
+                    <a:lumMod val="65000"/>
+                  </a:schemeClr>
+                </a:solidFill>
+              </a:rPr>
+              <a:t>Alternative Implementierung mit EMF (ca. </a:t>
+            </a:r>
+            <a:r>
+              <a:rPr lang="de-DE" sz="2800" dirty="0" smtClean="0">
+                <a:solidFill>
+                  <a:schemeClr val="bg1">
+                    <a:lumMod val="65000"/>
+                  </a:schemeClr>
+                </a:solidFill>
+              </a:rPr>
+              <a:t>20 </a:t>
+            </a:r>
+            <a:r>
+              <a:rPr lang="de-DE" sz="2800" dirty="0">
+                <a:solidFill>
+                  <a:schemeClr val="bg1">
+                    <a:lumMod val="65000"/>
+                  </a:schemeClr>
+                </a:solidFill>
+              </a:rPr>
+              <a:t>Min)</a:t>
+            </a:r>
+          </a:p>
+          <a:p>
+            <a:pPr marL="914400" lvl="1" indent="-514350">
+              <a:buFont typeface="+mj-lt"/>
+              <a:buAutoNum type="arabicPeriod"/>
+            </a:pPr>
+            <a:endParaRPr lang="de-DE" sz="2400" dirty="0" smtClean="0"/>
+          </a:p>
+          <a:p>
+            <a:pPr marL="514350" indent="-514350">
+              <a:buFont typeface="+mj-lt"/>
+              <a:buAutoNum type="arabicPeriod"/>
+            </a:pPr>
+            <a:r>
+              <a:rPr lang="de-DE" sz="2800" dirty="0" smtClean="0"/>
+              <a:t>Euer Feedback und Fazit (10 Min.)</a:t>
+            </a:r>
+          </a:p>
+          <a:p>
+            <a:endParaRPr lang="de-DE" sz="2800" dirty="0"/>
+          </a:p>
+        </p:txBody>
+      </p:sp>
+    </p:spTree>
+    <p:extLst>
+      <p:ext uri="{BB962C8B-B14F-4D97-AF65-F5344CB8AC3E}">
+        <p14:creationId xmlns:p14="http://schemas.microsoft.com/office/powerpoint/2010/main" val="4087090245"/>
+      </p:ext>
+    </p:extLst>
+  </p:cSld>
+  <p:clrMapOvr>
+    <a:masterClrMapping/>
+  </p:clrMapOvr>
+  <p:timing>
+    <p:tnLst>
+      <p:par>
+        <p:cTn id="1" dur="indefinite" restart="never" nodeType="tmRoot"/>
+      </p:par>
+    </p:tnLst>
+  </p:timing>
+</p:sld>
+</file>
+
+<file path=ppt/slides/slide18.xml><?xml version="1.0" encoding="utf-8"?>
+<p:sld xmlns:a="http://schemas.openxmlformats.org/drawingml/2006/main" xmlns:r="http://schemas.openxmlformats.org/officeDocument/2006/relationships" xmlns:p="http://schemas.openxmlformats.org/presentationml/2006/main">
+  <p:cSld>
+    <p:spTree>
+      <p:nvGrpSpPr>
+        <p:cNvPr id="1" name=""/>
+        <p:cNvGrpSpPr/>
+        <p:nvPr/>
+      </p:nvGrpSpPr>
+      <p:grpSpPr>
+        <a:xfrm>
+          <a:off x="0" y="0"/>
+          <a:ext cx="0" cy="0"/>
+          <a:chOff x="0" y="0"/>
+          <a:chExt cx="0" cy="0"/>
+        </a:xfrm>
+      </p:grpSpPr>
+      <p:sp>
+        <p:nvSpPr>
+          <p:cNvPr id="2" name="Titel 1"/>
+          <p:cNvSpPr>
+            <a:spLocks noGrp="1"/>
+          </p:cNvSpPr>
+          <p:nvPr>
+            <p:ph type="title"/>
+          </p:nvPr>
+        </p:nvSpPr>
+        <p:spPr/>
+        <p:txBody>
+          <a:bodyPr>
+            <a:normAutofit fontScale="90000"/>
+          </a:bodyPr>
+          <a:lstStyle/>
+          <a:p>
+            <a:r>
+              <a:rPr lang="de-DE" dirty="0" smtClean="0"/>
               <a:t>Euer Feedback</a:t>
             </a:r>
             <a:endParaRPr lang="de-DE" dirty="0"/>
@@ -5302,11 +5692,7 @@
             </a:r>
             <a:r>
               <a:rPr lang="en-US" dirty="0" smtClean="0"/>
-              <a:t> </a:t>
-            </a:r>
-            <a:r>
-              <a:rPr lang="en-US" dirty="0" smtClean="0"/>
-              <a:t>das Muster </a:t>
+              <a:t> das Muster </a:t>
             </a:r>
             <a:r>
               <a:rPr lang="en-US" dirty="0" err="1" smtClean="0"/>
@@ -5351,7 +5737,6 @@
               <a:rPr lang="en-US" dirty="0" smtClean="0"/>
               <a:t>?</a:t>
             </a:r>
-            <a:endParaRPr lang="en-US" dirty="0" smtClean="0"/>
           </a:p>
           <a:p>
             <a:r>
@@ -5899,11 +6284,7 @@
             </a:pPr>
             <a:r>
               <a:rPr lang="de-DE" sz="2000" b="1" dirty="0" smtClean="0"/>
-              <a:t>Anwendungsbeispiel</a:t>
-            </a:r>
-            <a:r>
-              <a:rPr lang="de-DE" sz="2000" b="1" dirty="0" smtClean="0"/>
-              <a:t>:</a:t>
+              <a:t>Anwendungsbeispiel:</a:t>
             </a:r>
           </a:p>
           <a:p>
@@ -6379,11 +6760,7 @@
             </a:pPr>
             <a:r>
               <a:rPr lang="de-DE" sz="2000" b="1" dirty="0" smtClean="0"/>
-              <a:t>Anwendungsbeispiel</a:t>
-            </a:r>
-            <a:r>
-              <a:rPr lang="de-DE" sz="2000" b="1" dirty="0" smtClean="0"/>
-              <a:t>:</a:t>
+              <a:t>Anwendungsbeispiel:</a:t>
             </a:r>
           </a:p>
           <a:p>
@@ -6613,11 +6990,7 @@
             </a:pPr>
             <a:r>
               <a:rPr lang="de-DE" sz="2000" b="1" dirty="0" smtClean="0"/>
-              <a:t>Anwendungsbeispiel</a:t>
-            </a:r>
-            <a:r>
-              <a:rPr lang="de-DE" sz="2000" b="1" dirty="0" smtClean="0"/>
-              <a:t>:</a:t>
+              <a:t>Anwendungsbeispiel:</a:t>
             </a:r>
           </a:p>
           <a:p>
@@ -6847,11 +7220,7 @@
             </a:pPr>
             <a:r>
               <a:rPr lang="de-DE" sz="2000" b="1" dirty="0" smtClean="0"/>
-              <a:t>Anwendungsbeispiel</a:t>
-            </a:r>
-            <a:r>
-              <a:rPr lang="de-DE" sz="2000" b="1" dirty="0" smtClean="0"/>
-              <a:t>:</a:t>
+              <a:t>Anwendungsbeispiel:</a:t>
             </a:r>
           </a:p>
           <a:p>
@@ -6908,11 +7277,7 @@
           <a:p>
             <a:r>
               <a:rPr lang="de-DE" sz="1800" dirty="0" smtClean="0"/>
-              <a:t>Beobachtete Daten von Beobachtern entkoppeln. D.h. </a:t>
-            </a:r>
-            <a:r>
-              <a:rPr lang="de-DE" sz="1800" dirty="0" smtClean="0"/>
-              <a:t>Abhängigkeiten nur von Beobachtern zu den Beobachteten </a:t>
+              <a:t>Beobachtete Daten von Beobachtern entkoppeln. D.h. Abhängigkeiten nur von Beobachtern zu den Beobachteten </a:t>
             </a:r>
             <a:r>
               <a:rPr lang="de-DE" sz="1800" dirty="0"/>
@@ -7248,11 +7613,7 @@
           <a:p>
             <a:r>
               <a:rPr lang="de-DE" sz="1800" dirty="0" smtClean="0"/>
-              <a:t>beliebig viele Observer können sich jederzeit </a:t>
-            </a:r>
-            <a:r>
-              <a:rPr lang="de-DE" sz="1800" dirty="0" smtClean="0"/>
-              <a:t>registrieren/de-registrieren</a:t>
+              <a:t>beliebig viele Observer können sich jederzeit registrieren/de-registrieren</a:t>
             </a:r>
           </a:p>
           <a:p>
@@ -7268,7 +7629,6 @@
               <a:rPr lang="de-DE" sz="1800" dirty="0" smtClean="0"/>
               <a:t>-Oberklasse</a:t>
             </a:r>
-            <a:endParaRPr lang="de-DE" sz="1800" dirty="0" smtClean="0"/>
           </a:p>
         </p:txBody>
       </p:sp>

--- a/Observer/Coding-Dojo-2015-05-06.pptx
+++ b/Observer/Coding-Dojo-2015-05-06.pptx
@@ -3102,7 +3102,7 @@
         <p:spPr/>
         <p:txBody>
           <a:bodyPr>
-            <a:normAutofit/>
+            <a:normAutofit lnSpcReduction="10000"/>
           </a:bodyPr>
           <a:lstStyle/>
           <a:p>
@@ -3126,119 +3126,279 @@
             </a:r>
             <a:r>
               <a:rPr lang="de-DE" sz="2000" dirty="0" smtClean="0"/>
-              <a:t> (z.B. Juno, 4.2 Juno)</a:t>
-            </a:r>
+              <a:t> (z.B. </a:t>
+            </a:r>
+            <a:r>
+              <a:rPr lang="de-DE" sz="2000" dirty="0" smtClean="0"/>
+              <a:t>Kepler, 4.3)</a:t>
+            </a:r>
+            <a:endParaRPr lang="de-DE" sz="2000" dirty="0" smtClean="0"/>
           </a:p>
           <a:p>
             <a:pPr lvl="1"/>
             <a:r>
-              <a:rPr lang="de-DE" sz="2000" dirty="0" smtClean="0"/>
-              <a:t>Optional folgende </a:t>
-            </a:r>
-            <a:r>
-              <a:rPr lang="de-DE" sz="2000" dirty="0" err="1" smtClean="0"/>
+              <a:rPr lang="de-DE" sz="2000" dirty="0" smtClean="0">
+                <a:solidFill>
+                  <a:schemeClr val="bg1">
+                    <a:lumMod val="50000"/>
+                  </a:schemeClr>
+                </a:solidFill>
+              </a:rPr>
+              <a:t>Optional: </a:t>
+            </a:r>
+            <a:r>
+              <a:rPr lang="de-DE" sz="2000" dirty="0" smtClean="0">
+                <a:solidFill>
+                  <a:schemeClr val="bg1">
+                    <a:lumMod val="50000"/>
+                  </a:schemeClr>
+                </a:solidFill>
+              </a:rPr>
+              <a:t>folgende </a:t>
+            </a:r>
+            <a:r>
+              <a:rPr lang="de-DE" sz="2000" dirty="0" err="1" smtClean="0">
+                <a:solidFill>
+                  <a:schemeClr val="bg1">
+                    <a:lumMod val="50000"/>
+                  </a:schemeClr>
+                </a:solidFill>
+              </a:rPr>
               <a:t>Eclipse-Plug-ins</a:t>
             </a:r>
             <a:r>
-              <a:rPr lang="de-DE" sz="2000" dirty="0" smtClean="0"/>
-              <a:t>:</a:t>
-            </a:r>
+              <a:rPr lang="de-DE" sz="2000" dirty="0" smtClean="0">
+                <a:solidFill>
+                  <a:schemeClr val="bg1">
+                    <a:lumMod val="50000"/>
+                  </a:schemeClr>
+                </a:solidFill>
+              </a:rPr>
+              <a:t> installieren:</a:t>
+            </a:r>
+            <a:endParaRPr lang="de-DE" sz="2000" dirty="0" smtClean="0">
+              <a:solidFill>
+                <a:schemeClr val="bg1">
+                  <a:lumMod val="50000"/>
+                </a:schemeClr>
+              </a:solidFill>
+            </a:endParaRPr>
           </a:p>
           <a:p>
             <a:pPr lvl="2"/>
             <a:r>
-              <a:rPr lang="de-DE" sz="1800" dirty="0" err="1" smtClean="0"/>
+              <a:rPr lang="de-DE" sz="1800" dirty="0" err="1" smtClean="0">
+                <a:solidFill>
+                  <a:schemeClr val="bg1">
+                    <a:lumMod val="50000"/>
+                  </a:schemeClr>
+                </a:solidFill>
+              </a:rPr>
               <a:t>InfiniTest</a:t>
             </a:r>
             <a:r>
-              <a:rPr lang="de-DE" sz="1800" dirty="0" smtClean="0"/>
+              <a:rPr lang="de-DE" sz="1800" dirty="0" smtClean="0">
+                <a:solidFill>
+                  <a:schemeClr val="bg1">
+                    <a:lumMod val="50000"/>
+                  </a:schemeClr>
+                </a:solidFill>
+              </a:rPr>
               <a:t> (</a:t>
             </a:r>
             <a:r>
-              <a:rPr lang="de-DE" sz="1800" dirty="0" err="1" smtClean="0"/>
+              <a:rPr lang="de-DE" sz="1800" dirty="0" err="1" smtClean="0">
+                <a:solidFill>
+                  <a:schemeClr val="bg1">
+                    <a:lumMod val="50000"/>
+                  </a:schemeClr>
+                </a:solidFill>
+              </a:rPr>
               <a:t>JUnit</a:t>
             </a:r>
             <a:r>
-              <a:rPr lang="de-DE" sz="1800" dirty="0" smtClean="0"/>
+              <a:rPr lang="de-DE" sz="1800" dirty="0" smtClean="0">
+                <a:solidFill>
+                  <a:schemeClr val="bg1">
+                    <a:lumMod val="50000"/>
+                  </a:schemeClr>
+                </a:solidFill>
+              </a:rPr>
               <a:t>-Tests ausführen </a:t>
             </a:r>
             <a:r>
-              <a:rPr lang="de-DE" sz="1800" dirty="0"/>
+              <a:rPr lang="de-DE" sz="1800" dirty="0">
+                <a:solidFill>
+                  <a:schemeClr val="bg1">
+                    <a:lumMod val="50000"/>
+                  </a:schemeClr>
+                </a:solidFill>
+              </a:rPr>
               <a:t>beim Speichern) </a:t>
             </a:r>
             <a:r>
               <a:rPr lang="de-DE" sz="1800" dirty="0">
+                <a:solidFill>
+                  <a:schemeClr val="bg1">
+                    <a:lumMod val="50000"/>
+                  </a:schemeClr>
+                </a:solidFill>
                 <a:hlinkClick r:id="rId2"/>
               </a:rPr>
               <a:t>http://</a:t>
             </a:r>
             <a:r>
               <a:rPr lang="de-DE" sz="1800" dirty="0" smtClean="0">
+                <a:solidFill>
+                  <a:schemeClr val="bg1">
+                    <a:lumMod val="50000"/>
+                  </a:schemeClr>
+                </a:solidFill>
                 <a:hlinkClick r:id="rId2"/>
               </a:rPr>
               <a:t>infinitest.github.io</a:t>
             </a:r>
-            <a:endParaRPr lang="de-DE" sz="1800" dirty="0" smtClean="0"/>
+            <a:endParaRPr lang="de-DE" sz="1800" dirty="0" smtClean="0">
+              <a:solidFill>
+                <a:schemeClr val="bg1">
+                  <a:lumMod val="50000"/>
+                </a:schemeClr>
+              </a:solidFill>
+            </a:endParaRPr>
           </a:p>
           <a:p>
             <a:pPr lvl="2"/>
             <a:r>
-              <a:rPr lang="de-DE" sz="1800" dirty="0" err="1" smtClean="0"/>
+              <a:rPr lang="de-DE" sz="1800" dirty="0" err="1" smtClean="0">
+                <a:solidFill>
+                  <a:schemeClr val="bg1">
+                    <a:lumMod val="50000"/>
+                  </a:schemeClr>
+                </a:solidFill>
+              </a:rPr>
               <a:t>EclEMMA</a:t>
             </a:r>
             <a:r>
-              <a:rPr lang="de-DE" sz="1800" dirty="0" smtClean="0"/>
+              <a:rPr lang="de-DE" sz="1800" dirty="0" smtClean="0">
+                <a:solidFill>
+                  <a:schemeClr val="bg1">
+                    <a:lumMod val="50000"/>
+                  </a:schemeClr>
+                </a:solidFill>
+              </a:rPr>
               <a:t> (Code </a:t>
             </a:r>
             <a:r>
-              <a:rPr lang="de-DE" sz="1800" dirty="0" err="1" smtClean="0"/>
+              <a:rPr lang="de-DE" sz="1800" dirty="0" err="1" smtClean="0">
+                <a:solidFill>
+                  <a:schemeClr val="bg1">
+                    <a:lumMod val="50000"/>
+                  </a:schemeClr>
+                </a:solidFill>
+              </a:rPr>
               <a:t>Coverage</a:t>
             </a:r>
             <a:r>
-              <a:rPr lang="de-DE" sz="1800" dirty="0" smtClean="0"/>
+              <a:rPr lang="de-DE" sz="1800" dirty="0" smtClean="0">
+                <a:solidFill>
+                  <a:schemeClr val="bg1">
+                    <a:lumMod val="50000"/>
+                  </a:schemeClr>
+                </a:solidFill>
+              </a:rPr>
               <a:t>): </a:t>
             </a:r>
             <a:r>
               <a:rPr lang="de-DE" sz="1800" dirty="0">
+                <a:solidFill>
+                  <a:schemeClr val="bg1">
+                    <a:lumMod val="50000"/>
+                  </a:schemeClr>
+                </a:solidFill>
                 <a:hlinkClick r:id="rId3"/>
               </a:rPr>
               <a:t>http://update.eclemma.org</a:t>
             </a:r>
             <a:r>
               <a:rPr lang="de-DE" sz="1800" dirty="0" smtClean="0">
+                <a:solidFill>
+                  <a:schemeClr val="bg1">
+                    <a:lumMod val="50000"/>
+                  </a:schemeClr>
+                </a:solidFill>
                 <a:hlinkClick r:id="rId3"/>
               </a:rPr>
               <a:t>/</a:t>
             </a:r>
-            <a:endParaRPr lang="de-DE" sz="1800" dirty="0" smtClean="0"/>
+            <a:endParaRPr lang="de-DE" sz="1800" dirty="0" smtClean="0">
+              <a:solidFill>
+                <a:schemeClr val="bg1">
+                  <a:lumMod val="50000"/>
+                </a:schemeClr>
+              </a:solidFill>
+            </a:endParaRPr>
           </a:p>
           <a:p>
             <a:pPr lvl="2"/>
             <a:r>
-              <a:rPr lang="de-DE" sz="1800" dirty="0" err="1" smtClean="0"/>
+              <a:rPr lang="de-DE" sz="1800" dirty="0" err="1" smtClean="0">
+                <a:solidFill>
+                  <a:schemeClr val="bg1">
+                    <a:lumMod val="50000"/>
+                  </a:schemeClr>
+                </a:solidFill>
+              </a:rPr>
               <a:t>ObjectAid</a:t>
             </a:r>
             <a:r>
-              <a:rPr lang="de-DE" sz="1800" dirty="0" smtClean="0"/>
+              <a:rPr lang="de-DE" sz="1800" dirty="0" smtClean="0">
+                <a:solidFill>
+                  <a:schemeClr val="bg1">
+                    <a:lumMod val="50000"/>
+                  </a:schemeClr>
+                </a:solidFill>
+              </a:rPr>
               <a:t> (Klassendiagramme aus </a:t>
             </a:r>
             <a:r>
-              <a:rPr lang="de-DE" sz="1800" dirty="0"/>
+              <a:rPr lang="de-DE" sz="1800" dirty="0">
+                <a:solidFill>
+                  <a:schemeClr val="bg1">
+                    <a:lumMod val="50000"/>
+                  </a:schemeClr>
+                </a:solidFill>
+              </a:rPr>
               <a:t>Code generieren) </a:t>
             </a:r>
             <a:r>
               <a:rPr lang="de-DE" sz="1800" dirty="0">
+                <a:solidFill>
+                  <a:schemeClr val="bg1">
+                    <a:lumMod val="50000"/>
+                  </a:schemeClr>
+                </a:solidFill>
                 <a:hlinkClick r:id="rId4"/>
               </a:rPr>
               <a:t>http://</a:t>
             </a:r>
             <a:r>
               <a:rPr lang="de-DE" sz="1800" dirty="0" smtClean="0">
+                <a:solidFill>
+                  <a:schemeClr val="bg1">
+                    <a:lumMod val="50000"/>
+                  </a:schemeClr>
+                </a:solidFill>
                 <a:hlinkClick r:id="rId4"/>
               </a:rPr>
               <a:t>www.objectaid.net/update</a:t>
             </a:r>
-            <a:endParaRPr lang="de-DE" sz="1800" dirty="0" smtClean="0"/>
+            <a:endParaRPr lang="de-DE" sz="1800" dirty="0" smtClean="0">
+              <a:solidFill>
+                <a:schemeClr val="bg1">
+                  <a:lumMod val="50000"/>
+                </a:schemeClr>
+              </a:solidFill>
+            </a:endParaRPr>
           </a:p>
           <a:p>
             <a:r>
@@ -3286,15 +3446,60 @@
               <a:rPr lang="de-DE" sz="2000" dirty="0" smtClean="0">
                 <a:hlinkClick r:id="rId5"/>
               </a:rPr>
-              <a:t>github.com/itbastian/CodingDojoDPA.git</a:t>
+              <a:t>gitlab.com/itbastian/CodingDojoDPA.git</a:t>
             </a:r>
             <a:endParaRPr lang="de-DE" sz="2000" dirty="0" smtClean="0"/>
           </a:p>
           <a:p>
+            <a:pPr lvl="1"/>
+            <a:r>
+              <a:rPr lang="de-DE" sz="2000" dirty="0" smtClean="0">
+                <a:solidFill>
+                  <a:schemeClr val="bg1">
+                    <a:lumMod val="50000"/>
+                  </a:schemeClr>
+                </a:solidFill>
+              </a:rPr>
+              <a:t>Optional: Konto bei gitlab.com einrichten oder von </a:t>
+            </a:r>
+            <a:r>
+              <a:rPr lang="de-DE" sz="2000" dirty="0" err="1" smtClean="0">
+                <a:solidFill>
+                  <a:schemeClr val="bg1">
+                    <a:lumMod val="50000"/>
+                  </a:schemeClr>
+                </a:solidFill>
+              </a:rPr>
+              <a:t>GitHub</a:t>
+            </a:r>
+            <a:r>
+              <a:rPr lang="de-DE" sz="2000" dirty="0" smtClean="0">
+                <a:solidFill>
+                  <a:schemeClr val="bg1">
+                    <a:lumMod val="50000"/>
+                  </a:schemeClr>
+                </a:solidFill>
+              </a:rPr>
+              <a:t> mitnehmen</a:t>
+            </a:r>
+            <a:endParaRPr lang="de-DE" sz="2000" dirty="0" smtClean="0">
+              <a:solidFill>
+                <a:schemeClr val="bg1">
+                  <a:lumMod val="50000"/>
+                </a:schemeClr>
+              </a:solidFill>
+            </a:endParaRPr>
+          </a:p>
+          <a:p>
             <a:r>
               <a:rPr lang="de-DE" sz="2400" dirty="0"/>
-              <a:t>eigenen Rechner (einzeln oder pro Paar mitbringen)</a:t>
-            </a:r>
+              <a:t>eigenen Rechner (einzeln oder pro </a:t>
+            </a:r>
+            <a:r>
+              <a:rPr lang="de-DE" sz="2400" dirty="0" smtClean="0"/>
+              <a:t>Paar) mitbringen</a:t>
+            </a:r>
+            <a:endParaRPr lang="de-DE" sz="2400" dirty="0"/>
           </a:p>
         </p:txBody>
       </p:sp>
@@ -5194,7 +5399,6 @@
               <a:rPr lang="de-DE" sz="1800" dirty="0" smtClean="0"/>
               <a:t>Implementierung basiert auf mit EMF-generiertem Code</a:t>
             </a:r>
-            <a:endParaRPr lang="de-DE" sz="1800" dirty="0" smtClean="0"/>
           </a:p>
         </p:txBody>
       </p:sp>

--- a/Observer/Coding-Dojo-2015-05-06.pptx
+++ b/Observer/Coding-Dojo-2015-05-06.pptx
@@ -3099,10 +3099,15 @@
             <p:ph idx="1"/>
           </p:nvPr>
         </p:nvSpPr>
-        <p:spPr/>
+        <p:spPr>
+          <a:xfrm>
+            <a:off x="457200" y="1052736"/>
+            <a:ext cx="8229600" cy="5256584"/>
+          </a:xfrm>
+        </p:spPr>
         <p:txBody>
           <a:bodyPr>
-            <a:normAutofit lnSpcReduction="10000"/>
+            <a:normAutofit fontScale="92500" lnSpcReduction="20000"/>
           </a:bodyPr>
           <a:lstStyle/>
           <a:p>
@@ -3115,7 +3120,11 @@
             <a:pPr lvl="1"/>
             <a:r>
               <a:rPr lang="de-DE" sz="2000" dirty="0" smtClean="0"/>
-              <a:t>Java JDK 1.7</a:t>
+              <a:t>Java JDK </a:t>
+            </a:r>
+            <a:r>
+              <a:rPr lang="de-DE" sz="2000" dirty="0" smtClean="0"/>
+              <a:t>1.7</a:t>
             </a:r>
           </a:p>
           <a:p>
@@ -3126,11 +3135,46 @@
             </a:r>
             <a:r>
               <a:rPr lang="de-DE" sz="2000" dirty="0" smtClean="0"/>
-              <a:t> (z.B. </a:t>
+              <a:t> </a:t>
             </a:r>
             <a:r>
               <a:rPr lang="de-DE" sz="2000" dirty="0" smtClean="0"/>
-              <a:t>Kepler, 4.3)</a:t>
+              <a:t>(z.B. Kepler, 4.3</a:t>
+            </a:r>
+            <a:r>
+              <a:rPr lang="de-DE" sz="2000" dirty="0" smtClean="0"/>
+              <a:t>)</a:t>
+            </a:r>
+          </a:p>
+          <a:p>
+            <a:pPr lvl="1"/>
+            <a:r>
+              <a:rPr lang="de-DE" sz="2000" dirty="0" err="1" smtClean="0"/>
+              <a:t>Git</a:t>
+            </a:r>
+            <a:r>
+              <a:rPr lang="de-DE" sz="2000" dirty="0" smtClean="0"/>
+              <a:t>-Client (z.B. </a:t>
+            </a:r>
+            <a:r>
+              <a:rPr lang="de-DE" sz="2000" dirty="0" err="1" smtClean="0"/>
+              <a:t>SourceTree</a:t>
+            </a:r>
+            <a:r>
+              <a:rPr lang="de-DE" sz="2000" dirty="0" smtClean="0"/>
+              <a:t> oder </a:t>
+            </a:r>
+            <a:r>
+              <a:rPr lang="de-DE" sz="2000" dirty="0" err="1" smtClean="0"/>
+              <a:t>TortoiseGit</a:t>
+            </a:r>
+            <a:r>
+              <a:rPr lang="de-DE" sz="2000" dirty="0" smtClean="0"/>
+              <a:t>) oder </a:t>
+            </a:r>
+            <a:r>
+              <a:rPr lang="de-DE" sz="2000" dirty="0" err="1" smtClean="0"/>
+              <a:t>Eclipse-Git-Plug-in</a:t>
             </a:r>
             <a:endParaRPr lang="de-DE" sz="2000" dirty="0" smtClean="0"/>
           </a:p>
@@ -3144,37 +3188,397 @@
                   </a:schemeClr>
                 </a:solidFill>
               </a:rPr>
-              <a:t>Optional: </a:t>
-            </a:r>
-            <a:r>
-              <a:rPr lang="de-DE" sz="2000" dirty="0" smtClean="0">
+              <a:t>Optional: folgende </a:t>
+            </a:r>
+            <a:r>
+              <a:rPr lang="de-DE" sz="2000" dirty="0" err="1" smtClean="0">
                 <a:solidFill>
                   <a:schemeClr val="bg1">
                     <a:lumMod val="50000"/>
                   </a:schemeClr>
                 </a:solidFill>
               </a:rPr>
-              <a:t>folgende </a:t>
-            </a:r>
-            <a:r>
-              <a:rPr lang="de-DE" sz="2000" dirty="0" err="1" smtClean="0">
+              <a:t>Eclipse-Plug-ins</a:t>
+            </a:r>
+            <a:r>
+              <a:rPr lang="de-DE" sz="2000" dirty="0" smtClean="0">
                 <a:solidFill>
                   <a:schemeClr val="bg1">
                     <a:lumMod val="50000"/>
                   </a:schemeClr>
                 </a:solidFill>
               </a:rPr>
-              <a:t>Eclipse-Plug-ins</a:t>
-            </a:r>
-            <a:r>
-              <a:rPr lang="de-DE" sz="2000" dirty="0" smtClean="0">
+              <a:t> installieren:</a:t>
+            </a:r>
+          </a:p>
+          <a:p>
+            <a:pPr lvl="2"/>
+            <a:r>
+              <a:rPr lang="de-DE" sz="1800" dirty="0" err="1" smtClean="0">
                 <a:solidFill>
                   <a:schemeClr val="bg1">
                     <a:lumMod val="50000"/>
                   </a:schemeClr>
                 </a:solidFill>
               </a:rPr>
-              <a:t> installieren:</a:t>
+              <a:t>InfiniTest</a:t>
+            </a:r>
+            <a:r>
+              <a:rPr lang="de-DE" sz="1800" dirty="0" smtClean="0">
+                <a:solidFill>
+                  <a:schemeClr val="bg1">
+                    <a:lumMod val="50000"/>
+                  </a:schemeClr>
+                </a:solidFill>
+              </a:rPr>
+              <a:t> (</a:t>
+            </a:r>
+            <a:r>
+              <a:rPr lang="de-DE" sz="1800" dirty="0" err="1" smtClean="0">
+                <a:solidFill>
+                  <a:schemeClr val="bg1">
+                    <a:lumMod val="50000"/>
+                  </a:schemeClr>
+                </a:solidFill>
+              </a:rPr>
+              <a:t>JUnit</a:t>
+            </a:r>
+            <a:r>
+              <a:rPr lang="de-DE" sz="1800" dirty="0" smtClean="0">
+                <a:solidFill>
+                  <a:schemeClr val="bg1">
+                    <a:lumMod val="50000"/>
+                  </a:schemeClr>
+                </a:solidFill>
+              </a:rPr>
+              <a:t>-Tests ausführen </a:t>
+            </a:r>
+            <a:r>
+              <a:rPr lang="de-DE" sz="1800" dirty="0">
+                <a:solidFill>
+                  <a:schemeClr val="bg1">
+                    <a:lumMod val="50000"/>
+                  </a:schemeClr>
+                </a:solidFill>
+              </a:rPr>
+              <a:t>beim Speichern) </a:t>
+            </a:r>
+            <a:r>
+              <a:rPr lang="de-DE" sz="1800" dirty="0">
+                <a:solidFill>
+                  <a:schemeClr val="bg1">
+                    <a:lumMod val="50000"/>
+                  </a:schemeClr>
+                </a:solidFill>
+                <a:hlinkClick r:id="rId2"/>
+              </a:rPr>
+              <a:t>http://</a:t>
+            </a:r>
+            <a:r>
+              <a:rPr lang="de-DE" sz="1800" dirty="0" smtClean="0">
+                <a:solidFill>
+                  <a:schemeClr val="bg1">
+                    <a:lumMod val="50000"/>
+                  </a:schemeClr>
+                </a:solidFill>
+                <a:hlinkClick r:id="rId2"/>
+              </a:rPr>
+              <a:t>infinitest.github.io</a:t>
+            </a:r>
+            <a:endParaRPr lang="de-DE" sz="1800" dirty="0" smtClean="0">
+              <a:solidFill>
+                <a:schemeClr val="bg1">
+                  <a:lumMod val="50000"/>
+                </a:schemeClr>
+              </a:solidFill>
+            </a:endParaRPr>
+          </a:p>
+          <a:p>
+            <a:pPr lvl="2"/>
+            <a:r>
+              <a:rPr lang="de-DE" sz="1800" dirty="0" err="1" smtClean="0">
+                <a:solidFill>
+                  <a:schemeClr val="bg1">
+                    <a:lumMod val="50000"/>
+                  </a:schemeClr>
+                </a:solidFill>
+              </a:rPr>
+              <a:t>EclEMMA</a:t>
+            </a:r>
+            <a:r>
+              <a:rPr lang="de-DE" sz="1800" dirty="0" smtClean="0">
+                <a:solidFill>
+                  <a:schemeClr val="bg1">
+                    <a:lumMod val="50000"/>
+                  </a:schemeClr>
+                </a:solidFill>
+              </a:rPr>
+              <a:t> (Code </a:t>
+            </a:r>
+            <a:r>
+              <a:rPr lang="de-DE" sz="1800" dirty="0" err="1" smtClean="0">
+                <a:solidFill>
+                  <a:schemeClr val="bg1">
+                    <a:lumMod val="50000"/>
+                  </a:schemeClr>
+                </a:solidFill>
+              </a:rPr>
+              <a:t>Coverage</a:t>
+            </a:r>
+            <a:r>
+              <a:rPr lang="de-DE" sz="1800" dirty="0" smtClean="0">
+                <a:solidFill>
+                  <a:schemeClr val="bg1">
+                    <a:lumMod val="50000"/>
+                  </a:schemeClr>
+                </a:solidFill>
+              </a:rPr>
+              <a:t>): </a:t>
+            </a:r>
+            <a:r>
+              <a:rPr lang="de-DE" sz="1800" dirty="0">
+                <a:solidFill>
+                  <a:schemeClr val="bg1">
+                    <a:lumMod val="50000"/>
+                  </a:schemeClr>
+                </a:solidFill>
+                <a:hlinkClick r:id="rId3"/>
+              </a:rPr>
+              <a:t>http://update.eclemma.org</a:t>
+            </a:r>
+            <a:r>
+              <a:rPr lang="de-DE" sz="1800" dirty="0" smtClean="0">
+                <a:solidFill>
+                  <a:schemeClr val="bg1">
+                    <a:lumMod val="50000"/>
+                  </a:schemeClr>
+                </a:solidFill>
+                <a:hlinkClick r:id="rId3"/>
+              </a:rPr>
+              <a:t>/</a:t>
+            </a:r>
+            <a:endParaRPr lang="de-DE" sz="1800" dirty="0" smtClean="0">
+              <a:solidFill>
+                <a:schemeClr val="bg1">
+                  <a:lumMod val="50000"/>
+                </a:schemeClr>
+              </a:solidFill>
+            </a:endParaRPr>
+          </a:p>
+          <a:p>
+            <a:pPr lvl="2"/>
+            <a:r>
+              <a:rPr lang="de-DE" sz="1800" dirty="0" err="1" smtClean="0">
+                <a:solidFill>
+                  <a:schemeClr val="bg1">
+                    <a:lumMod val="50000"/>
+                  </a:schemeClr>
+                </a:solidFill>
+              </a:rPr>
+              <a:t>ObjectAid</a:t>
+            </a:r>
+            <a:r>
+              <a:rPr lang="de-DE" sz="1800" dirty="0" smtClean="0">
+                <a:solidFill>
+                  <a:schemeClr val="bg1">
+                    <a:lumMod val="50000"/>
+                  </a:schemeClr>
+                </a:solidFill>
+              </a:rPr>
+              <a:t> (Klassendiagramme aus </a:t>
+            </a:r>
+            <a:r>
+              <a:rPr lang="de-DE" sz="1800" dirty="0">
+                <a:solidFill>
+                  <a:schemeClr val="bg1">
+                    <a:lumMod val="50000"/>
+                  </a:schemeClr>
+                </a:solidFill>
+              </a:rPr>
+              <a:t>Code generieren) </a:t>
+            </a:r>
+            <a:r>
+              <a:rPr lang="de-DE" sz="1800" dirty="0">
+                <a:solidFill>
+                  <a:schemeClr val="bg1">
+                    <a:lumMod val="50000"/>
+                  </a:schemeClr>
+                </a:solidFill>
+                <a:hlinkClick r:id="rId4"/>
+              </a:rPr>
+              <a:t>http://</a:t>
+            </a:r>
+            <a:r>
+              <a:rPr lang="de-DE" sz="1800" dirty="0" smtClean="0">
+                <a:solidFill>
+                  <a:schemeClr val="bg1">
+                    <a:lumMod val="50000"/>
+                  </a:schemeClr>
+                </a:solidFill>
+                <a:hlinkClick r:id="rId4"/>
+              </a:rPr>
+              <a:t>www.objectaid.net/update</a:t>
+            </a:r>
+            <a:endParaRPr lang="de-DE" sz="1800" dirty="0" smtClean="0">
+              <a:solidFill>
+                <a:schemeClr val="bg1">
+                  <a:lumMod val="50000"/>
+                </a:schemeClr>
+              </a:solidFill>
+            </a:endParaRPr>
+          </a:p>
+          <a:p>
+            <a:r>
+              <a:rPr lang="de-DE" sz="2400" dirty="0" err="1" smtClean="0"/>
+              <a:t>Eclipse</a:t>
+            </a:r>
+            <a:r>
+              <a:rPr lang="de-DE" sz="2400" dirty="0" smtClean="0"/>
+              <a:t>-Projekt(e) auschecken und im </a:t>
+            </a:r>
+            <a:r>
+              <a:rPr lang="de-DE" sz="2400" dirty="0" err="1" smtClean="0"/>
+              <a:t>Eclipse</a:t>
+            </a:r>
+            <a:r>
+              <a:rPr lang="de-DE" sz="2400" dirty="0" smtClean="0"/>
+              <a:t>-Workspace </a:t>
+            </a:r>
+            <a:r>
+              <a:rPr lang="de-DE" sz="2400" dirty="0" smtClean="0"/>
+              <a:t>importieren (nun bei </a:t>
+            </a:r>
+            <a:r>
+              <a:rPr lang="de-DE" sz="2400" dirty="0" err="1" smtClean="0"/>
+              <a:t>GitLab</a:t>
+            </a:r>
+            <a:r>
+              <a:rPr lang="de-DE" sz="2400" dirty="0" smtClean="0"/>
+              <a:t> statt bei </a:t>
+            </a:r>
+            <a:r>
+              <a:rPr lang="de-DE" sz="2400" dirty="0" err="1" smtClean="0"/>
+              <a:t>GitHub</a:t>
+            </a:r>
+            <a:r>
+              <a:rPr lang="de-DE" sz="2400" dirty="0" smtClean="0"/>
+              <a:t>):</a:t>
+            </a:r>
+            <a:endParaRPr lang="de-DE" sz="2400" dirty="0" smtClean="0"/>
+          </a:p>
+          <a:p>
+            <a:pPr lvl="1"/>
+            <a:r>
+              <a:rPr lang="de-DE" sz="2000" dirty="0" smtClean="0"/>
+              <a:t>Repository: </a:t>
+            </a:r>
+            <a:r>
+              <a:rPr lang="de-DE" sz="2000" dirty="0">
+                <a:hlinkClick r:id="rId5"/>
+              </a:rPr>
+              <a:t>https://gitlab.com/itbastian/CodingDojoDPA.git</a:t>
+            </a:r>
+            <a:endParaRPr lang="de-DE" sz="2000" dirty="0" smtClean="0"/>
+          </a:p>
+          <a:p>
+            <a:pPr lvl="1"/>
+            <a:r>
+              <a:rPr lang="de-DE" sz="2000" dirty="0" smtClean="0"/>
+              <a:t>Pfad: …/</a:t>
+            </a:r>
+            <a:r>
+              <a:rPr lang="de-DE" sz="2000" dirty="0" err="1" smtClean="0"/>
+              <a:t>CodingDojoDPA</a:t>
+            </a:r>
+            <a:r>
+              <a:rPr lang="de-DE" sz="2000" dirty="0" smtClean="0"/>
+              <a:t>/Observer/&lt;Projekt&gt;</a:t>
+            </a:r>
+          </a:p>
+          <a:p>
+            <a:pPr lvl="1"/>
+            <a:r>
+              <a:rPr lang="de-DE" sz="2000" dirty="0" smtClean="0"/>
+              <a:t>Projekte:</a:t>
+            </a:r>
+          </a:p>
+          <a:p>
+            <a:pPr lvl="2"/>
+            <a:r>
+              <a:rPr lang="de-DE" sz="1600" dirty="0" err="1" smtClean="0"/>
+              <a:t>ObserverExample</a:t>
+            </a:r>
+            <a:endParaRPr lang="de-DE" sz="1600" dirty="0" smtClean="0"/>
+          </a:p>
+          <a:p>
+            <a:pPr lvl="2"/>
+            <a:r>
+              <a:rPr lang="de-DE" sz="1600" dirty="0" err="1" smtClean="0"/>
+              <a:t>ObserverEMFExample</a:t>
+            </a:r>
+            <a:endParaRPr lang="de-DE" sz="1600" dirty="0" smtClean="0"/>
+          </a:p>
+          <a:p>
+            <a:pPr lvl="1"/>
+            <a:r>
+              <a:rPr lang="de-DE" sz="2000" dirty="0" smtClean="0">
+                <a:solidFill>
+                  <a:schemeClr val="bg1">
+                    <a:lumMod val="50000"/>
+                  </a:schemeClr>
+                </a:solidFill>
+              </a:rPr>
+              <a:t>Optional: Konto bei </a:t>
+            </a:r>
+            <a:r>
+              <a:rPr lang="de-DE" sz="2000" dirty="0" err="1" smtClean="0">
+                <a:solidFill>
+                  <a:schemeClr val="bg1">
+                    <a:lumMod val="50000"/>
+                  </a:schemeClr>
+                </a:solidFill>
+              </a:rPr>
+              <a:t>GitLab</a:t>
+            </a:r>
+            <a:r>
+              <a:rPr lang="de-DE" sz="2000" dirty="0" smtClean="0">
+                <a:solidFill>
+                  <a:schemeClr val="bg1">
+                    <a:lumMod val="50000"/>
+                  </a:schemeClr>
+                </a:solidFill>
+              </a:rPr>
+              <a:t> </a:t>
+            </a:r>
+            <a:r>
+              <a:rPr lang="de-DE" sz="2000" dirty="0" smtClean="0">
+                <a:solidFill>
+                  <a:schemeClr val="bg1">
+                    <a:lumMod val="50000"/>
+                  </a:schemeClr>
+                </a:solidFill>
+              </a:rPr>
+              <a:t>einrichten </a:t>
+            </a:r>
+            <a:r>
+              <a:rPr lang="de-DE" sz="2000" dirty="0" smtClean="0">
+                <a:solidFill>
+                  <a:schemeClr val="bg1">
+                    <a:lumMod val="50000"/>
+                  </a:schemeClr>
+                </a:solidFill>
+              </a:rPr>
+              <a:t>zwecks Push zu </a:t>
+            </a:r>
+            <a:r>
+              <a:rPr lang="de-DE" sz="2000" dirty="0" err="1" smtClean="0">
+                <a:solidFill>
+                  <a:schemeClr val="bg1">
+                    <a:lumMod val="50000"/>
+                  </a:schemeClr>
+                </a:solidFill>
+              </a:rPr>
+              <a:t>GitLab</a:t>
             </a:r>
             <a:endParaRPr lang="de-DE" sz="2000" dirty="0" smtClean="0">
               <a:solidFill>
@@ -3185,312 +3589,6 @@
             </a:endParaRPr>
           </a:p>
           <a:p>
-            <a:pPr lvl="2"/>
-            <a:r>
-              <a:rPr lang="de-DE" sz="1800" dirty="0" err="1" smtClean="0">
-                <a:solidFill>
-                  <a:schemeClr val="bg1">
-                    <a:lumMod val="50000"/>
-                  </a:schemeClr>
-                </a:solidFill>
-              </a:rPr>
-              <a:t>InfiniTest</a:t>
-            </a:r>
-            <a:r>
-              <a:rPr lang="de-DE" sz="1800" dirty="0" smtClean="0">
-                <a:solidFill>
-                  <a:schemeClr val="bg1">
-                    <a:lumMod val="50000"/>
-                  </a:schemeClr>
-                </a:solidFill>
-              </a:rPr>
-              <a:t> (</a:t>
-            </a:r>
-            <a:r>
-              <a:rPr lang="de-DE" sz="1800" dirty="0" err="1" smtClean="0">
-                <a:solidFill>
-                  <a:schemeClr val="bg1">
-                    <a:lumMod val="50000"/>
-                  </a:schemeClr>
-                </a:solidFill>
-              </a:rPr>
-              <a:t>JUnit</a:t>
-            </a:r>
-            <a:r>
-              <a:rPr lang="de-DE" sz="1800" dirty="0" smtClean="0">
-                <a:solidFill>
-                  <a:schemeClr val="bg1">
-                    <a:lumMod val="50000"/>
-                  </a:schemeClr>
-                </a:solidFill>
-              </a:rPr>
-              <a:t>-Tests ausführen </a:t>
-            </a:r>
-            <a:r>
-              <a:rPr lang="de-DE" sz="1800" dirty="0">
-                <a:solidFill>
-                  <a:schemeClr val="bg1">
-                    <a:lumMod val="50000"/>
-                  </a:schemeClr>
-                </a:solidFill>
-              </a:rPr>
-              <a:t>beim Speichern) </a:t>
-            </a:r>
-            <a:r>
-              <a:rPr lang="de-DE" sz="1800" dirty="0">
-                <a:solidFill>
-                  <a:schemeClr val="bg1">
-                    <a:lumMod val="50000"/>
-                  </a:schemeClr>
-                </a:solidFill>
-                <a:hlinkClick r:id="rId2"/>
-              </a:rPr>
-              <a:t>http://</a:t>
-            </a:r>
-            <a:r>
-              <a:rPr lang="de-DE" sz="1800" dirty="0" smtClean="0">
-                <a:solidFill>
-                  <a:schemeClr val="bg1">
-                    <a:lumMod val="50000"/>
-                  </a:schemeClr>
-                </a:solidFill>
-                <a:hlinkClick r:id="rId2"/>
-              </a:rPr>
-              <a:t>infinitest.github.io</a:t>
-            </a:r>
-            <a:endParaRPr lang="de-DE" sz="1800" dirty="0" smtClean="0">
-              <a:solidFill>
-                <a:schemeClr val="bg1">
-                  <a:lumMod val="50000"/>
-                </a:schemeClr>
-              </a:solidFill>
-            </a:endParaRPr>
-          </a:p>
-          <a:p>
-            <a:pPr lvl="2"/>
-            <a:r>
-              <a:rPr lang="de-DE" sz="1800" dirty="0" err="1" smtClean="0">
-                <a:solidFill>
-                  <a:schemeClr val="bg1">
-                    <a:lumMod val="50000"/>
-                  </a:schemeClr>
-                </a:solidFill>
-              </a:rPr>
-              <a:t>EclEMMA</a:t>
-            </a:r>
-            <a:r>
-              <a:rPr lang="de-DE" sz="1800" dirty="0" smtClean="0">
-                <a:solidFill>
-                  <a:schemeClr val="bg1">
-                    <a:lumMod val="50000"/>
-                  </a:schemeClr>
-                </a:solidFill>
-              </a:rPr>
-              <a:t> (Code </a:t>
-            </a:r>
-            <a:r>
-              <a:rPr lang="de-DE" sz="1800" dirty="0" err="1" smtClean="0">
-                <a:solidFill>
-                  <a:schemeClr val="bg1">
-                    <a:lumMod val="50000"/>
-                  </a:schemeClr>
-                </a:solidFill>
-              </a:rPr>
-              <a:t>Coverage</a:t>
-            </a:r>
-            <a:r>
-              <a:rPr lang="de-DE" sz="1800" dirty="0" smtClean="0">
-                <a:solidFill>
-                  <a:schemeClr val="bg1">
-                    <a:lumMod val="50000"/>
-                  </a:schemeClr>
-                </a:solidFill>
-              </a:rPr>
-              <a:t>): </a:t>
-            </a:r>
-            <a:r>
-              <a:rPr lang="de-DE" sz="1800" dirty="0">
-                <a:solidFill>
-                  <a:schemeClr val="bg1">
-                    <a:lumMod val="50000"/>
-                  </a:schemeClr>
-                </a:solidFill>
-                <a:hlinkClick r:id="rId3"/>
-              </a:rPr>
-              <a:t>http://update.eclemma.org</a:t>
-            </a:r>
-            <a:r>
-              <a:rPr lang="de-DE" sz="1800" dirty="0" smtClean="0">
-                <a:solidFill>
-                  <a:schemeClr val="bg1">
-                    <a:lumMod val="50000"/>
-                  </a:schemeClr>
-                </a:solidFill>
-                <a:hlinkClick r:id="rId3"/>
-              </a:rPr>
-              <a:t>/</a:t>
-            </a:r>
-            <a:endParaRPr lang="de-DE" sz="1800" dirty="0" smtClean="0">
-              <a:solidFill>
-                <a:schemeClr val="bg1">
-                  <a:lumMod val="50000"/>
-                </a:schemeClr>
-              </a:solidFill>
-            </a:endParaRPr>
-          </a:p>
-          <a:p>
-            <a:pPr lvl="2"/>
-            <a:r>
-              <a:rPr lang="de-DE" sz="1800" dirty="0" err="1" smtClean="0">
-                <a:solidFill>
-                  <a:schemeClr val="bg1">
-                    <a:lumMod val="50000"/>
-                  </a:schemeClr>
-                </a:solidFill>
-              </a:rPr>
-              <a:t>ObjectAid</a:t>
-            </a:r>
-            <a:r>
-              <a:rPr lang="de-DE" sz="1800" dirty="0" smtClean="0">
-                <a:solidFill>
-                  <a:schemeClr val="bg1">
-                    <a:lumMod val="50000"/>
-                  </a:schemeClr>
-                </a:solidFill>
-              </a:rPr>
-              <a:t> (Klassendiagramme aus </a:t>
-            </a:r>
-            <a:r>
-              <a:rPr lang="de-DE" sz="1800" dirty="0">
-                <a:solidFill>
-                  <a:schemeClr val="bg1">
-                    <a:lumMod val="50000"/>
-                  </a:schemeClr>
-                </a:solidFill>
-              </a:rPr>
-              <a:t>Code generieren) </a:t>
-            </a:r>
-            <a:r>
-              <a:rPr lang="de-DE" sz="1800" dirty="0">
-                <a:solidFill>
-                  <a:schemeClr val="bg1">
-                    <a:lumMod val="50000"/>
-                  </a:schemeClr>
-                </a:solidFill>
-                <a:hlinkClick r:id="rId4"/>
-              </a:rPr>
-              <a:t>http://</a:t>
-            </a:r>
-            <a:r>
-              <a:rPr lang="de-DE" sz="1800" dirty="0" smtClean="0">
-                <a:solidFill>
-                  <a:schemeClr val="bg1">
-                    <a:lumMod val="50000"/>
-                  </a:schemeClr>
-                </a:solidFill>
-                <a:hlinkClick r:id="rId4"/>
-              </a:rPr>
-              <a:t>www.objectaid.net/update</a:t>
-            </a:r>
-            <a:endParaRPr lang="de-DE" sz="1800" dirty="0" smtClean="0">
-              <a:solidFill>
-                <a:schemeClr val="bg1">
-                  <a:lumMod val="50000"/>
-                </a:schemeClr>
-              </a:solidFill>
-            </a:endParaRPr>
-          </a:p>
-          <a:p>
-            <a:r>
-              <a:rPr lang="de-DE" sz="2400" dirty="0" err="1" smtClean="0"/>
-              <a:t>Eclipse</a:t>
-            </a:r>
-            <a:r>
-              <a:rPr lang="de-DE" sz="2400" dirty="0" smtClean="0"/>
-              <a:t>-Projekt(e) auschecken und im </a:t>
-            </a:r>
-            <a:r>
-              <a:rPr lang="de-DE" sz="2400" dirty="0" err="1" smtClean="0"/>
-              <a:t>Eclipse</a:t>
-            </a:r>
-            <a:r>
-              <a:rPr lang="de-DE" sz="2400" dirty="0" smtClean="0"/>
-              <a:t>-Workspace importieren:</a:t>
-            </a:r>
-          </a:p>
-          <a:p>
-            <a:pPr lvl="1"/>
-            <a:r>
-              <a:rPr lang="de-DE" sz="2000" dirty="0" err="1" smtClean="0"/>
-              <a:t>ObserverExample</a:t>
-            </a:r>
-            <a:r>
-              <a:rPr lang="de-DE" sz="2000" dirty="0" smtClean="0"/>
-              <a:t> (</a:t>
-            </a:r>
-            <a:r>
-              <a:rPr lang="de-DE" sz="2000" dirty="0" err="1" smtClean="0"/>
-              <a:t>GitHub</a:t>
-            </a:r>
-            <a:r>
-              <a:rPr lang="de-DE" sz="2000" dirty="0"/>
-              <a:t>) </a:t>
-            </a:r>
-            <a:r>
-              <a:rPr lang="de-DE" sz="2000" dirty="0">
-                <a:hlinkClick r:id="rId5"/>
-              </a:rPr>
-              <a:t>https://</a:t>
-            </a:r>
-            <a:r>
-              <a:rPr lang="de-DE" sz="2000" dirty="0" smtClean="0">
-                <a:hlinkClick r:id="rId5"/>
-              </a:rPr>
-              <a:t>gitlab.com/itbastian/CodingDojoDPA.git</a:t>
-            </a:r>
-            <a:endParaRPr lang="de-DE" sz="2000" dirty="0" smtClean="0"/>
-          </a:p>
-          <a:p>
-            <a:pPr lvl="1"/>
-            <a:r>
-              <a:rPr lang="de-DE" sz="2000" dirty="0" smtClean="0">
-                <a:solidFill>
-                  <a:schemeClr val="bg1">
-                    <a:lumMod val="50000"/>
-                  </a:schemeClr>
-                </a:solidFill>
-              </a:rPr>
-              <a:t>Optional: Konto bei gitlab.com einrichten oder von </a:t>
-            </a:r>
-            <a:r>
-              <a:rPr lang="de-DE" sz="2000" dirty="0" err="1" smtClean="0">
-                <a:solidFill>
-                  <a:schemeClr val="bg1">
-                    <a:lumMod val="50000"/>
-                  </a:schemeClr>
-                </a:solidFill>
-              </a:rPr>
-              <a:t>GitHub</a:t>
-            </a:r>
-            <a:r>
-              <a:rPr lang="de-DE" sz="2000" dirty="0" smtClean="0">
-                <a:solidFill>
-                  <a:schemeClr val="bg1">
-                    <a:lumMod val="50000"/>
-                  </a:schemeClr>
-                </a:solidFill>
-              </a:rPr>
-              <a:t> mitnehmen</a:t>
-            </a:r>
-            <a:endParaRPr lang="de-DE" sz="2000" dirty="0" smtClean="0">
-              <a:solidFill>
-                <a:schemeClr val="bg1">
-                  <a:lumMod val="50000"/>
-                </a:schemeClr>
-              </a:solidFill>
-            </a:endParaRPr>
-          </a:p>
-          <a:p>
             <a:r>
               <a:rPr lang="de-DE" sz="2400" dirty="0"/>
               <a:t>eigenen Rechner (einzeln oder pro </a:t>
@@ -3503,6 +3601,60 @@
           </a:p>
         </p:txBody>
       </p:sp>
+      <p:pic>
+        <p:nvPicPr>
+          <p:cNvPr id="1027" name="Picture 3"/>
+          <p:cNvPicPr>
+            <a:picLocks noChangeAspect="1" noChangeArrowheads="1"/>
+          </p:cNvPicPr>
+          <p:nvPr/>
+        </p:nvPicPr>
+        <p:blipFill>
+          <a:blip r:embed="rId6">
+            <a:extLst>
+              <a:ext uri="{28A0092B-C50C-407E-A947-70E740481C1C}">
+                <a14:useLocalDpi xmlns:a14="http://schemas.microsoft.com/office/drawing/2010/main" val="0"/>
+              </a:ext>
+            </a:extLst>
+          </a:blip>
+          <a:srcRect/>
+          <a:stretch>
+            <a:fillRect/>
+          </a:stretch>
+        </p:blipFill>
+        <p:spPr bwMode="auto">
+          <a:xfrm>
+            <a:off x="7236296" y="4077072"/>
+            <a:ext cx="1019175" cy="342900"/>
+          </a:xfrm>
+          <a:prstGeom prst="rect">
+            <a:avLst/>
+          </a:prstGeom>
+          <a:noFill/>
+          <a:ln>
+            <a:noFill/>
+          </a:ln>
+          <a:extLst>
+            <a:ext uri="{909E8E84-426E-40DD-AFC4-6F175D3DCCD1}">
+              <a14:hiddenFill xmlns:a14="http://schemas.microsoft.com/office/drawing/2010/main">
+                <a:solidFill>
+                  <a:schemeClr val="accent1"/>
+                </a:solidFill>
+              </a14:hiddenFill>
+            </a:ext>
+            <a:ext uri="{91240B29-F687-4F45-9708-019B960494DF}">
+              <a14:hiddenLine xmlns:a14="http://schemas.microsoft.com/office/drawing/2010/main" w="9525">
+                <a:solidFill>
+                  <a:schemeClr val="tx1"/>
+                </a:solidFill>
+                <a:miter lim="800000"/>
+                <a:headEnd/>
+                <a:tailEnd/>
+              </a14:hiddenLine>
+            </a:ext>
+          </a:extLst>
+        </p:spPr>
+      </p:pic>
     </p:spTree>
     <p:extLst>
       <p:ext uri="{BB962C8B-B14F-4D97-AF65-F5344CB8AC3E}">
@@ -6210,7 +6362,18 @@
           <a:p>
             <a:r>
               <a:rPr lang="de-DE" sz="2800" dirty="0" smtClean="0"/>
-              <a:t>Muster am Beispiel implementieren</a:t>
+              <a:t>Muster am Beispiel </a:t>
+            </a:r>
+            <a:r>
+              <a:rPr lang="de-DE" sz="2800" dirty="0" smtClean="0"/>
+              <a:t>implementieren</a:t>
+            </a:r>
+            <a:br>
+              <a:rPr lang="de-DE" sz="2800" dirty="0" smtClean="0"/>
+            </a:br>
+            <a:r>
+              <a:rPr lang="de-DE" sz="2800" dirty="0" smtClean="0"/>
+              <a:t>(möglichst paarweise)</a:t>
             </a:r>
             <a:endParaRPr lang="de-DE" sz="2400" dirty="0" smtClean="0"/>
           </a:p>
